--- a/doc/presentation.pptx
+++ b/doc/presentation.pptx
@@ -5,16 +5,18 @@
     <p:sldMasterId id="2147483648" r:id="rId1"/>
   </p:sldMasterIdLst>
   <p:notesMasterIdLst>
-    <p:notesMasterId r:id="rId9"/>
+    <p:notesMasterId r:id="rId11"/>
   </p:notesMasterIdLst>
   <p:sldIdLst>
     <p:sldId id="256" r:id="rId2"/>
-    <p:sldId id="257" r:id="rId3"/>
-    <p:sldId id="258" r:id="rId4"/>
+    <p:sldId id="265" r:id="rId3"/>
+    <p:sldId id="266" r:id="rId4"/>
     <p:sldId id="259" r:id="rId5"/>
     <p:sldId id="260" r:id="rId6"/>
     <p:sldId id="261" r:id="rId7"/>
     <p:sldId id="262" r:id="rId8"/>
+    <p:sldId id="264" r:id="rId9"/>
+    <p:sldId id="263" r:id="rId10"/>
   </p:sldIdLst>
   <p:sldSz cx="12192000" cy="6858000"/>
   <p:notesSz cx="6858000" cy="9144000"/>
@@ -464,6 +466,318 @@
     </a:lvl9pPr>
   </p:notesStyle>
 </p:notesMaster>
+</file>
+
+<file path=ppt/notesSlides/notesSlide1.xml><?xml version="1.0" encoding="utf-8"?>
+<p:notes xmlns:a="http://schemas.openxmlformats.org/drawingml/2006/main" xmlns:r="http://schemas.openxmlformats.org/officeDocument/2006/relationships" xmlns:p="http://schemas.openxmlformats.org/presentationml/2006/main" showMasterSp="0" showMasterPhAnim="0">
+  <p:cSld>
+    <p:spTree>
+      <p:nvGrpSpPr>
+        <p:cNvPr id="1" name="Shape 92"/>
+        <p:cNvGrpSpPr/>
+        <p:nvPr/>
+      </p:nvGrpSpPr>
+      <p:grpSpPr>
+        <a:xfrm>
+          <a:off x="0" y="0"/>
+          <a:ext cx="0" cy="0"/>
+          <a:chOff x="0" y="0"/>
+          <a:chExt cx="0" cy="0"/>
+        </a:xfrm>
+      </p:grpSpPr>
+      <p:sp>
+        <p:nvSpPr>
+          <p:cNvPr id="93" name="Google Shape;93;p2:notes"/>
+          <p:cNvSpPr txBox="1">
+            <a:spLocks noGrp="1"/>
+          </p:cNvSpPr>
+          <p:nvPr>
+            <p:ph type="body" idx="1"/>
+          </p:nvPr>
+        </p:nvSpPr>
+        <p:spPr>
+          <a:xfrm>
+            <a:off x="685800" y="4400550"/>
+            <a:ext cx="5486400" cy="3600450"/>
+          </a:xfrm>
+          <a:prstGeom prst="rect">
+            <a:avLst/>
+          </a:prstGeom>
+        </p:spPr>
+        <p:txBody>
+          <a:bodyPr spcFirstLastPara="1" wrap="square" lIns="91425" tIns="45700" rIns="91425" bIns="45700" anchor="t" anchorCtr="0">
+            <a:noAutofit/>
+          </a:bodyPr>
+          <a:lstStyle/>
+          <a:p>
+            <a:pPr marL="0" lvl="0" indent="0" algn="l" rtl="0">
+              <a:spcBef>
+                <a:spcPts val="0"/>
+              </a:spcBef>
+              <a:spcAft>
+                <a:spcPts val="0"/>
+              </a:spcAft>
+              <a:buNone/>
+            </a:pPr>
+            <a:endParaRPr/>
+          </a:p>
+        </p:txBody>
+      </p:sp>
+      <p:sp>
+        <p:nvSpPr>
+          <p:cNvPr id="94" name="Google Shape;94;p2:notes"/>
+          <p:cNvSpPr>
+            <a:spLocks noGrp="1" noRot="1" noChangeAspect="1"/>
+          </p:cNvSpPr>
+          <p:nvPr>
+            <p:ph type="sldImg" idx="2"/>
+          </p:nvPr>
+        </p:nvSpPr>
+        <p:spPr>
+          <a:xfrm>
+            <a:off x="685800" y="1143000"/>
+            <a:ext cx="5486400" cy="3086100"/>
+          </a:xfrm>
+          <a:custGeom>
+            <a:avLst/>
+            <a:gdLst/>
+            <a:ahLst/>
+            <a:cxnLst/>
+            <a:rect l="l" t="t" r="r" b="b"/>
+            <a:pathLst>
+              <a:path w="120000" h="120000" extrusionOk="0">
+                <a:moveTo>
+                  <a:pt x="0" y="0"/>
+                </a:moveTo>
+                <a:lnTo>
+                  <a:pt x="120000" y="0"/>
+                </a:lnTo>
+                <a:lnTo>
+                  <a:pt x="120000" y="120000"/>
+                </a:lnTo>
+                <a:lnTo>
+                  <a:pt x="0" y="120000"/>
+                </a:lnTo>
+                <a:close/>
+              </a:path>
+            </a:pathLst>
+          </a:custGeom>
+        </p:spPr>
+      </p:sp>
+    </p:spTree>
+  </p:cSld>
+  <p:clrMapOvr>
+    <a:masterClrMapping/>
+  </p:clrMapOvr>
+</p:notes>
+</file>
+
+<file path=ppt/notesSlides/notesSlide2.xml><?xml version="1.0" encoding="utf-8"?>
+<p:notes xmlns:a="http://schemas.openxmlformats.org/drawingml/2006/main" xmlns:r="http://schemas.openxmlformats.org/officeDocument/2006/relationships" xmlns:p="http://schemas.openxmlformats.org/presentationml/2006/main" showMasterSp="0" showMasterPhAnim="0">
+  <p:cSld>
+    <p:spTree>
+      <p:nvGrpSpPr>
+        <p:cNvPr id="1" name="Shape 101"/>
+        <p:cNvGrpSpPr/>
+        <p:nvPr/>
+      </p:nvGrpSpPr>
+      <p:grpSpPr>
+        <a:xfrm>
+          <a:off x="0" y="0"/>
+          <a:ext cx="0" cy="0"/>
+          <a:chOff x="0" y="0"/>
+          <a:chExt cx="0" cy="0"/>
+        </a:xfrm>
+      </p:grpSpPr>
+      <p:sp>
+        <p:nvSpPr>
+          <p:cNvPr id="102" name="Google Shape;102;p3:notes"/>
+          <p:cNvSpPr txBox="1">
+            <a:spLocks noGrp="1"/>
+          </p:cNvSpPr>
+          <p:nvPr>
+            <p:ph type="body" idx="1"/>
+          </p:nvPr>
+        </p:nvSpPr>
+        <p:spPr>
+          <a:xfrm>
+            <a:off x="685800" y="4400550"/>
+            <a:ext cx="5486400" cy="3600450"/>
+          </a:xfrm>
+          <a:prstGeom prst="rect">
+            <a:avLst/>
+          </a:prstGeom>
+        </p:spPr>
+        <p:txBody>
+          <a:bodyPr spcFirstLastPara="1" wrap="square" lIns="91425" tIns="45700" rIns="91425" bIns="45700" anchor="t" anchorCtr="0">
+            <a:noAutofit/>
+          </a:bodyPr>
+          <a:lstStyle/>
+          <a:p>
+            <a:pPr marL="0" lvl="0" indent="0" algn="l" rtl="0">
+              <a:spcBef>
+                <a:spcPts val="0"/>
+              </a:spcBef>
+              <a:spcAft>
+                <a:spcPts val="0"/>
+              </a:spcAft>
+              <a:buNone/>
+            </a:pPr>
+            <a:endParaRPr/>
+          </a:p>
+        </p:txBody>
+      </p:sp>
+      <p:sp>
+        <p:nvSpPr>
+          <p:cNvPr id="103" name="Google Shape;103;p3:notes"/>
+          <p:cNvSpPr>
+            <a:spLocks noGrp="1" noRot="1" noChangeAspect="1"/>
+          </p:cNvSpPr>
+          <p:nvPr>
+            <p:ph type="sldImg" idx="2"/>
+          </p:nvPr>
+        </p:nvSpPr>
+        <p:spPr>
+          <a:xfrm>
+            <a:off x="685800" y="1143000"/>
+            <a:ext cx="5486400" cy="3086100"/>
+          </a:xfrm>
+          <a:custGeom>
+            <a:avLst/>
+            <a:gdLst/>
+            <a:ahLst/>
+            <a:cxnLst/>
+            <a:rect l="l" t="t" r="r" b="b"/>
+            <a:pathLst>
+              <a:path w="120000" h="120000" extrusionOk="0">
+                <a:moveTo>
+                  <a:pt x="0" y="0"/>
+                </a:moveTo>
+                <a:lnTo>
+                  <a:pt x="120000" y="0"/>
+                </a:lnTo>
+                <a:lnTo>
+                  <a:pt x="120000" y="120000"/>
+                </a:lnTo>
+                <a:lnTo>
+                  <a:pt x="0" y="120000"/>
+                </a:lnTo>
+                <a:close/>
+              </a:path>
+            </a:pathLst>
+          </a:custGeom>
+        </p:spPr>
+      </p:sp>
+    </p:spTree>
+  </p:cSld>
+  <p:clrMapOvr>
+    <a:masterClrMapping/>
+  </p:clrMapOvr>
+</p:notes>
+</file>
+
+<file path=ppt/notesSlides/notesSlide3.xml><?xml version="1.0" encoding="utf-8"?>
+<p:notes xmlns:a="http://schemas.openxmlformats.org/drawingml/2006/main" xmlns:r="http://schemas.openxmlformats.org/officeDocument/2006/relationships" xmlns:p="http://schemas.openxmlformats.org/presentationml/2006/main" showMasterSp="0" showMasterPhAnim="0">
+  <p:cSld>
+    <p:spTree>
+      <p:nvGrpSpPr>
+        <p:cNvPr id="1" name="Shape 110"/>
+        <p:cNvGrpSpPr/>
+        <p:nvPr/>
+      </p:nvGrpSpPr>
+      <p:grpSpPr>
+        <a:xfrm>
+          <a:off x="0" y="0"/>
+          <a:ext cx="0" cy="0"/>
+          <a:chOff x="0" y="0"/>
+          <a:chExt cx="0" cy="0"/>
+        </a:xfrm>
+      </p:grpSpPr>
+      <p:sp>
+        <p:nvSpPr>
+          <p:cNvPr id="111" name="Google Shape;111;p4:notes"/>
+          <p:cNvSpPr txBox="1">
+            <a:spLocks noGrp="1"/>
+          </p:cNvSpPr>
+          <p:nvPr>
+            <p:ph type="body" idx="1"/>
+          </p:nvPr>
+        </p:nvSpPr>
+        <p:spPr>
+          <a:xfrm>
+            <a:off x="685800" y="4400550"/>
+            <a:ext cx="5486400" cy="3600450"/>
+          </a:xfrm>
+          <a:prstGeom prst="rect">
+            <a:avLst/>
+          </a:prstGeom>
+        </p:spPr>
+        <p:txBody>
+          <a:bodyPr spcFirstLastPara="1" wrap="square" lIns="91425" tIns="45700" rIns="91425" bIns="45700" anchor="t" anchorCtr="0">
+            <a:noAutofit/>
+          </a:bodyPr>
+          <a:lstStyle/>
+          <a:p>
+            <a:pPr marL="0" lvl="0" indent="0" algn="l" rtl="0">
+              <a:spcBef>
+                <a:spcPts val="0"/>
+              </a:spcBef>
+              <a:spcAft>
+                <a:spcPts val="0"/>
+              </a:spcAft>
+              <a:buNone/>
+            </a:pPr>
+            <a:endParaRPr/>
+          </a:p>
+        </p:txBody>
+      </p:sp>
+      <p:sp>
+        <p:nvSpPr>
+          <p:cNvPr id="112" name="Google Shape;112;p4:notes"/>
+          <p:cNvSpPr>
+            <a:spLocks noGrp="1" noRot="1" noChangeAspect="1"/>
+          </p:cNvSpPr>
+          <p:nvPr>
+            <p:ph type="sldImg" idx="2"/>
+          </p:nvPr>
+        </p:nvSpPr>
+        <p:spPr>
+          <a:xfrm>
+            <a:off x="685800" y="1143000"/>
+            <a:ext cx="5486400" cy="3086100"/>
+          </a:xfrm>
+          <a:custGeom>
+            <a:avLst/>
+            <a:gdLst/>
+            <a:ahLst/>
+            <a:cxnLst/>
+            <a:rect l="l" t="t" r="r" b="b"/>
+            <a:pathLst>
+              <a:path w="120000" h="120000" extrusionOk="0">
+                <a:moveTo>
+                  <a:pt x="0" y="0"/>
+                </a:moveTo>
+                <a:lnTo>
+                  <a:pt x="120000" y="0"/>
+                </a:lnTo>
+                <a:lnTo>
+                  <a:pt x="120000" y="120000"/>
+                </a:lnTo>
+                <a:lnTo>
+                  <a:pt x="0" y="120000"/>
+                </a:lnTo>
+                <a:close/>
+              </a:path>
+            </a:pathLst>
+          </a:custGeom>
+        </p:spPr>
+      </p:sp>
+    </p:spTree>
+  </p:cSld>
+  <p:clrMapOvr>
+    <a:masterClrMapping/>
+  </p:clrMapOvr>
+</p:notes>
 </file>
 
 <file path=ppt/slideLayouts/slideLayout1.xml><?xml version="1.0" encoding="utf-8"?>
@@ -3703,6 +4017,36 @@
           <a:chExt cx="0" cy="0"/>
         </a:xfrm>
       </p:grpSpPr>
+      <p:pic>
+        <p:nvPicPr>
+          <p:cNvPr id="12" name="Picture 11">
+            <a:extLst>
+              <a:ext uri="{FF2B5EF4-FFF2-40B4-BE49-F238E27FC236}">
+                <a16:creationId xmlns:a16="http://schemas.microsoft.com/office/drawing/2014/main" id="{31E789CD-781A-4C7B-86D0-86549916B601}"/>
+              </a:ext>
+            </a:extLst>
+          </p:cNvPr>
+          <p:cNvPicPr>
+            <a:picLocks noChangeAspect="1"/>
+          </p:cNvPicPr>
+          <p:nvPr/>
+        </p:nvPicPr>
+        <p:blipFill>
+          <a:blip r:embed="rId2"/>
+          <a:stretch>
+            <a:fillRect/>
+          </a:stretch>
+        </p:blipFill>
+        <p:spPr>
+          <a:xfrm>
+            <a:off x="6593747" y="4743062"/>
+            <a:ext cx="2170887" cy="1795850"/>
+          </a:xfrm>
+          <a:prstGeom prst="rect">
+            <a:avLst/>
+          </a:prstGeom>
+        </p:spPr>
+      </p:pic>
       <p:sp>
         <p:nvSpPr>
           <p:cNvPr id="2" name="Title 1">
@@ -4089,6 +4433,71 @@
           </a:p>
         </p:txBody>
       </p:sp>
+      <p:pic>
+        <p:nvPicPr>
+          <p:cNvPr id="14" name="Picture 13">
+            <a:extLst>
+              <a:ext uri="{FF2B5EF4-FFF2-40B4-BE49-F238E27FC236}">
+                <a16:creationId xmlns:a16="http://schemas.microsoft.com/office/drawing/2014/main" id="{DA30D97E-6750-4CCD-82C8-945D90A9481F}"/>
+              </a:ext>
+            </a:extLst>
+          </p:cNvPr>
+          <p:cNvPicPr>
+            <a:picLocks noChangeAspect="1"/>
+          </p:cNvPicPr>
+          <p:nvPr/>
+        </p:nvPicPr>
+        <p:blipFill>
+          <a:blip r:embed="rId3"/>
+          <a:stretch>
+            <a:fillRect/>
+          </a:stretch>
+        </p:blipFill>
+        <p:spPr>
+          <a:xfrm>
+            <a:off x="3728985" y="4003743"/>
+            <a:ext cx="3312174" cy="1750967"/>
+          </a:xfrm>
+          <a:prstGeom prst="rect">
+            <a:avLst/>
+          </a:prstGeom>
+        </p:spPr>
+      </p:pic>
+      <p:sp>
+        <p:nvSpPr>
+          <p:cNvPr id="15" name="TextBox 14">
+            <a:extLst>
+              <a:ext uri="{FF2B5EF4-FFF2-40B4-BE49-F238E27FC236}">
+                <a16:creationId xmlns:a16="http://schemas.microsoft.com/office/drawing/2014/main" id="{7EED4B2C-8F73-426D-8E45-166A101A37E2}"/>
+              </a:ext>
+            </a:extLst>
+          </p:cNvPr>
+          <p:cNvSpPr txBox="1"/>
+          <p:nvPr/>
+        </p:nvSpPr>
+        <p:spPr>
+          <a:xfrm>
+            <a:off x="8764634" y="4191167"/>
+            <a:ext cx="2015219" cy="369332"/>
+          </a:xfrm>
+          <a:prstGeom prst="rect">
+            <a:avLst/>
+          </a:prstGeom>
+          <a:noFill/>
+        </p:spPr>
+        <p:txBody>
+          <a:bodyPr wrap="square" rtlCol="0">
+            <a:spAutoFit/>
+          </a:bodyPr>
+          <a:lstStyle/>
+          <a:p>
+            <a:r>
+              <a:rPr lang="ru-RU" dirty="0"/>
+              <a:t>Картинка от димы</a:t>
+            </a:r>
+          </a:p>
+        </p:txBody>
+      </p:sp>
     </p:spTree>
     <p:extLst>
       <p:ext uri="{BB962C8B-B14F-4D97-AF65-F5344CB8AC3E}">
@@ -4107,7 +4516,7 @@
   <p:cSld>
     <p:spTree>
       <p:nvGrpSpPr>
-        <p:cNvPr id="1" name=""/>
+        <p:cNvPr id="1" name="Shape 95"/>
         <p:cNvGrpSpPr/>
         <p:nvPr/>
       </p:nvGrpSpPr>
@@ -4121,27 +4530,163 @@
       </p:grpSpPr>
       <p:sp>
         <p:nvSpPr>
-          <p:cNvPr id="2" name="Title 1">
-            <a:extLst>
-              <a:ext uri="{FF2B5EF4-FFF2-40B4-BE49-F238E27FC236}">
-                <a16:creationId xmlns:a16="http://schemas.microsoft.com/office/drawing/2014/main" id="{4A100464-787D-4CA7-9D28-506A55D876EA}"/>
-              </a:ext>
-            </a:extLst>
-          </p:cNvPr>
-          <p:cNvSpPr>
+          <p:cNvPr id="96" name="Google Shape;96;p14"/>
+          <p:cNvSpPr txBox="1">
             <a:spLocks noGrp="1"/>
           </p:cNvSpPr>
           <p:nvPr>
             <p:ph type="title"/>
           </p:nvPr>
         </p:nvSpPr>
-        <p:spPr/>
+        <p:spPr>
+          <a:xfrm>
+            <a:off x="838200" y="361247"/>
+            <a:ext cx="10515600" cy="1325563"/>
+          </a:xfrm>
+          <a:prstGeom prst="rect">
+            <a:avLst/>
+          </a:prstGeom>
+          <a:noFill/>
+          <a:ln>
+            <a:noFill/>
+          </a:ln>
+        </p:spPr>
         <p:txBody>
-          <a:bodyPr/>
+          <a:bodyPr spcFirstLastPara="1" wrap="square" lIns="91425" tIns="45700" rIns="91425" bIns="45700" anchor="ctr" anchorCtr="0">
+            <a:normAutofit/>
+          </a:bodyPr>
           <a:lstStyle/>
           <a:p>
+            <a:pPr marL="0" lvl="0" indent="0" algn="l" rtl="0">
+              <a:lnSpc>
+                <a:spcPct val="90000"/>
+              </a:lnSpc>
+              <a:spcBef>
+                <a:spcPts val="0"/>
+              </a:spcBef>
+              <a:spcAft>
+                <a:spcPts val="0"/>
+              </a:spcAft>
+              <a:buClr>
+                <a:srgbClr val="3F3F3F"/>
+              </a:buClr>
+              <a:buSzPts val="4400"/>
+              <a:buFont typeface="Calibri"/>
+              <a:buNone/>
+            </a:pPr>
             <a:r>
               <a:rPr lang="ru-RU" b="1" dirty="0">
+                <a:solidFill>
+                  <a:schemeClr val="bg2">
+                    <a:lumMod val="25000"/>
+                  </a:schemeClr>
+                </a:solidFill>
+              </a:rPr>
+              <a:t>Обзор области:</a:t>
+            </a:r>
+            <a:endParaRPr b="1" dirty="0">
+              <a:solidFill>
+                <a:schemeClr val="bg2">
+                  <a:lumMod val="25000"/>
+                </a:schemeClr>
+              </a:solidFill>
+            </a:endParaRPr>
+          </a:p>
+        </p:txBody>
+      </p:sp>
+      <p:sp>
+        <p:nvSpPr>
+          <p:cNvPr id="97" name="Google Shape;97;p14"/>
+          <p:cNvSpPr txBox="1">
+            <a:spLocks noGrp="1"/>
+          </p:cNvSpPr>
+          <p:nvPr>
+            <p:ph type="sldNum" idx="12"/>
+          </p:nvPr>
+        </p:nvSpPr>
+        <p:spPr>
+          <a:xfrm>
+            <a:off x="8610600" y="6356350"/>
+            <a:ext cx="2743200" cy="365125"/>
+          </a:xfrm>
+          <a:prstGeom prst="rect">
+            <a:avLst/>
+          </a:prstGeom>
+          <a:noFill/>
+          <a:ln>
+            <a:noFill/>
+          </a:ln>
+        </p:spPr>
+        <p:txBody>
+          <a:bodyPr spcFirstLastPara="1" wrap="square" lIns="91425" tIns="45700" rIns="91425" bIns="45700" anchor="ctr" anchorCtr="0">
+            <a:noAutofit/>
+          </a:bodyPr>
+          <a:lstStyle/>
+          <a:p>
+            <a:pPr marL="0" lvl="0" indent="0" algn="r" rtl="0">
+              <a:spcBef>
+                <a:spcPts val="0"/>
+              </a:spcBef>
+              <a:spcAft>
+                <a:spcPts val="0"/>
+              </a:spcAft>
+              <a:buNone/>
+            </a:pPr>
+            <a:fld id="{00000000-1234-1234-1234-123412341234}" type="slidenum">
+              <a:rPr lang="ru-RU"/>
+              <a:t>2</a:t>
+            </a:fld>
+            <a:endParaRPr/>
+          </a:p>
+        </p:txBody>
+      </p:sp>
+      <p:sp>
+        <p:nvSpPr>
+          <p:cNvPr id="98" name="Google Shape;98;p14"/>
+          <p:cNvSpPr txBox="1">
+            <a:spLocks noGrp="1"/>
+          </p:cNvSpPr>
+          <p:nvPr>
+            <p:ph type="body" idx="1"/>
+          </p:nvPr>
+        </p:nvSpPr>
+        <p:spPr>
+          <a:xfrm>
+            <a:off x="518390" y="2370275"/>
+            <a:ext cx="6175200" cy="4351200"/>
+          </a:xfrm>
+          <a:prstGeom prst="rect">
+            <a:avLst/>
+          </a:prstGeom>
+          <a:noFill/>
+          <a:ln>
+            <a:noFill/>
+          </a:ln>
+        </p:spPr>
+        <p:txBody>
+          <a:bodyPr spcFirstLastPara="1" wrap="square" lIns="91425" tIns="45700" rIns="91425" bIns="45700" anchor="t" anchorCtr="0">
+            <a:normAutofit/>
+          </a:bodyPr>
+          <a:lstStyle/>
+          <a:p>
+            <a:pPr marL="0" lvl="0" indent="0" rtl="0">
+              <a:lnSpc>
+                <a:spcPct val="90000"/>
+              </a:lnSpc>
+              <a:spcBef>
+                <a:spcPts val="0"/>
+              </a:spcBef>
+              <a:spcAft>
+                <a:spcPts val="0"/>
+              </a:spcAft>
+              <a:buClr>
+                <a:srgbClr val="595959"/>
+              </a:buClr>
+              <a:buSzPts val="2400"/>
+              <a:buNone/>
+            </a:pPr>
+            <a:r>
+              <a:rPr lang="ru-RU" sz="3000" b="1" dirty="0">
                 <a:solidFill>
                   <a:schemeClr val="tx1">
                     <a:lumMod val="75000"/>
@@ -4149,86 +4694,98 @@
                   </a:schemeClr>
                 </a:solidFill>
               </a:rPr>
-              <a:t>Обзор области:</a:t>
-            </a:r>
-          </a:p>
-        </p:txBody>
-      </p:sp>
-      <p:sp>
-        <p:nvSpPr>
-          <p:cNvPr id="3" name="Content Placeholder 2">
-            <a:extLst>
-              <a:ext uri="{FF2B5EF4-FFF2-40B4-BE49-F238E27FC236}">
-                <a16:creationId xmlns:a16="http://schemas.microsoft.com/office/drawing/2014/main" id="{00496A46-3063-4764-B656-19C705FAE3CE}"/>
-              </a:ext>
-            </a:extLst>
-          </p:cNvPr>
-          <p:cNvSpPr>
-            <a:spLocks noGrp="1"/>
-          </p:cNvSpPr>
-          <p:nvPr>
-            <p:ph idx="1"/>
-          </p:nvPr>
-        </p:nvSpPr>
-        <p:spPr/>
-        <p:txBody>
-          <a:bodyPr>
-            <a:normAutofit/>
-          </a:bodyPr>
-          <a:lstStyle/>
-          <a:p>
-            <a:pPr marL="0" indent="0">
-              <a:buNone/>
-            </a:pPr>
+              <a:t>Компьютерная графика</a:t>
+            </a:r>
+            <a:r>
+              <a:rPr lang="ru-RU" sz="3000" dirty="0">
+                <a:solidFill>
+                  <a:schemeClr val="tx1">
+                    <a:lumMod val="75000"/>
+                    <a:lumOff val="25000"/>
+                  </a:schemeClr>
+                </a:solidFill>
+              </a:rPr>
+              <a:t> </a:t>
+            </a:r>
             <a:r>
               <a:rPr lang="ru-RU" sz="2400" dirty="0">
                 <a:solidFill>
                   <a:schemeClr val="tx1">
-                    <a:lumMod val="65000"/>
-                    <a:lumOff val="35000"/>
+                    <a:lumMod val="75000"/>
+                    <a:lumOff val="25000"/>
                   </a:schemeClr>
                 </a:solidFill>
               </a:rPr>
-              <a:t>На самом деле вообще хз что сюда писать...</a:t>
-            </a:r>
+              <a:t>- это область компьютерных наук, которая занимается отображением изображений с помощью компьютера. Она включает в себя 2D и 3D графику, анимацию, работу с текстом и эффектами, разработку игр и веб-дизайн.</a:t>
+            </a:r>
+            <a:endParaRPr sz="2400" dirty="0">
+              <a:solidFill>
+                <a:schemeClr val="tx1">
+                  <a:lumMod val="75000"/>
+                  <a:lumOff val="25000"/>
+                </a:schemeClr>
+              </a:solidFill>
+            </a:endParaRPr>
           </a:p>
         </p:txBody>
       </p:sp>
-      <p:sp>
-        <p:nvSpPr>
-          <p:cNvPr id="4" name="Slide Number Placeholder 3">
-            <a:extLst>
-              <a:ext uri="{FF2B5EF4-FFF2-40B4-BE49-F238E27FC236}">
-                <a16:creationId xmlns:a16="http://schemas.microsoft.com/office/drawing/2014/main" id="{B10D88E4-B488-4CE6-BAE3-3253B3E5CA5F}"/>
-              </a:ext>
-            </a:extLst>
-          </p:cNvPr>
-          <p:cNvSpPr>
-            <a:spLocks noGrp="1"/>
-          </p:cNvSpPr>
-          <p:nvPr>
-            <p:ph type="sldNum" sz="quarter" idx="12"/>
-          </p:nvPr>
-        </p:nvSpPr>
-        <p:spPr/>
-        <p:txBody>
-          <a:bodyPr/>
-          <a:lstStyle/>
-          <a:p>
-            <a:fld id="{30063567-F01A-454D-AAAD-56574FBFC9A6}" type="slidenum">
-              <a:rPr lang="ru-RU" smtClean="0"/>
-              <a:t>2</a:t>
-            </a:fld>
-            <a:endParaRPr lang="ru-RU"/>
-          </a:p>
-        </p:txBody>
-      </p:sp>
+      <p:pic>
+        <p:nvPicPr>
+          <p:cNvPr id="99" name="Google Shape;99;p14"/>
+          <p:cNvPicPr preferRelativeResize="0"/>
+          <p:nvPr/>
+        </p:nvPicPr>
+        <p:blipFill>
+          <a:blip r:embed="rId3">
+            <a:alphaModFix/>
+          </a:blip>
+          <a:stretch>
+            <a:fillRect/>
+          </a:stretch>
+        </p:blipFill>
+        <p:spPr>
+          <a:xfrm>
+            <a:off x="6918650" y="3847413"/>
+            <a:ext cx="4968550" cy="2692954"/>
+          </a:xfrm>
+          <a:prstGeom prst="rect">
+            <a:avLst/>
+          </a:prstGeom>
+          <a:noFill/>
+          <a:ln>
+            <a:noFill/>
+          </a:ln>
+        </p:spPr>
+      </p:pic>
+      <p:pic>
+        <p:nvPicPr>
+          <p:cNvPr id="100" name="Google Shape;100;p14"/>
+          <p:cNvPicPr preferRelativeResize="0"/>
+          <p:nvPr/>
+        </p:nvPicPr>
+        <p:blipFill>
+          <a:blip r:embed="rId4">
+            <a:alphaModFix/>
+          </a:blip>
+          <a:stretch>
+            <a:fillRect/>
+          </a:stretch>
+        </p:blipFill>
+        <p:spPr>
+          <a:xfrm>
+            <a:off x="7682300" y="521167"/>
+            <a:ext cx="3991310" cy="2993482"/>
+          </a:xfrm>
+          <a:prstGeom prst="rect">
+            <a:avLst/>
+          </a:prstGeom>
+          <a:noFill/>
+          <a:ln>
+            <a:noFill/>
+          </a:ln>
+        </p:spPr>
+      </p:pic>
     </p:spTree>
-    <p:extLst>
-      <p:ext uri="{BB962C8B-B14F-4D97-AF65-F5344CB8AC3E}">
-        <p14:creationId xmlns:p14="http://schemas.microsoft.com/office/powerpoint/2010/main" val="4133195178"/>
-      </p:ext>
-    </p:extLst>
   </p:cSld>
   <p:clrMapOvr>
     <a:masterClrMapping/>
@@ -4241,7 +4798,7 @@
   <p:cSld>
     <p:spTree>
       <p:nvGrpSpPr>
-        <p:cNvPr id="1" name=""/>
+        <p:cNvPr id="1" name="Shape 104"/>
         <p:cNvGrpSpPr/>
         <p:nvPr/>
       </p:nvGrpSpPr>
@@ -4255,27 +4812,139 @@
       </p:grpSpPr>
       <p:sp>
         <p:nvSpPr>
-          <p:cNvPr id="2" name="Title 1">
-            <a:extLst>
-              <a:ext uri="{FF2B5EF4-FFF2-40B4-BE49-F238E27FC236}">
-                <a16:creationId xmlns:a16="http://schemas.microsoft.com/office/drawing/2014/main" id="{F28B75C9-F2C8-4141-B236-D54EF730E26E}"/>
-              </a:ext>
-            </a:extLst>
-          </p:cNvPr>
-          <p:cNvSpPr>
+          <p:cNvPr id="105" name="Google Shape;105;p15"/>
+          <p:cNvSpPr txBox="1">
             <a:spLocks noGrp="1"/>
           </p:cNvSpPr>
           <p:nvPr>
             <p:ph type="title"/>
           </p:nvPr>
         </p:nvSpPr>
-        <p:spPr/>
+        <p:spPr>
+          <a:xfrm>
+            <a:off x="838200" y="375019"/>
+            <a:ext cx="10515600" cy="1325563"/>
+          </a:xfrm>
+          <a:prstGeom prst="rect">
+            <a:avLst/>
+          </a:prstGeom>
+          <a:noFill/>
+          <a:ln>
+            <a:noFill/>
+          </a:ln>
+        </p:spPr>
         <p:txBody>
-          <a:bodyPr/>
+          <a:bodyPr spcFirstLastPara="1" wrap="square" lIns="91425" tIns="45700" rIns="91425" bIns="45700" anchor="ctr" anchorCtr="0">
+            <a:normAutofit/>
+          </a:bodyPr>
           <a:lstStyle/>
           <a:p>
+            <a:pPr marL="0" lvl="0" indent="0" algn="l" rtl="0">
+              <a:lnSpc>
+                <a:spcPct val="90000"/>
+              </a:lnSpc>
+              <a:spcBef>
+                <a:spcPts val="0"/>
+              </a:spcBef>
+              <a:spcAft>
+                <a:spcPts val="0"/>
+              </a:spcAft>
+              <a:buClr>
+                <a:srgbClr val="3F3F3F"/>
+              </a:buClr>
+              <a:buSzPts val="4400"/>
+              <a:buFont typeface="Calibri"/>
+              <a:buNone/>
+            </a:pPr>
             <a:r>
               <a:rPr lang="ru-RU" b="1" dirty="0">
+                <a:solidFill>
+                  <a:schemeClr val="bg2">
+                    <a:lumMod val="25000"/>
+                  </a:schemeClr>
+                </a:solidFill>
+              </a:rPr>
+              <a:t>Описание проекта:</a:t>
+            </a:r>
+            <a:endParaRPr dirty="0">
+              <a:solidFill>
+                <a:schemeClr val="bg2">
+                  <a:lumMod val="25000"/>
+                </a:schemeClr>
+              </a:solidFill>
+            </a:endParaRPr>
+          </a:p>
+        </p:txBody>
+      </p:sp>
+      <p:sp>
+        <p:nvSpPr>
+          <p:cNvPr id="106" name="Google Shape;106;p15"/>
+          <p:cNvSpPr txBox="1">
+            <a:spLocks noGrp="1"/>
+          </p:cNvSpPr>
+          <p:nvPr>
+            <p:ph type="body" idx="1"/>
+          </p:nvPr>
+        </p:nvSpPr>
+        <p:spPr>
+          <a:xfrm>
+            <a:off x="250971" y="2008175"/>
+            <a:ext cx="6921300" cy="4351200"/>
+          </a:xfrm>
+          <a:prstGeom prst="rect">
+            <a:avLst/>
+          </a:prstGeom>
+          <a:noFill/>
+          <a:ln>
+            <a:noFill/>
+          </a:ln>
+        </p:spPr>
+        <p:txBody>
+          <a:bodyPr spcFirstLastPara="1" wrap="square" lIns="91425" tIns="45700" rIns="91425" bIns="45700" anchor="t" anchorCtr="0">
+            <a:normAutofit/>
+          </a:bodyPr>
+          <a:lstStyle/>
+          <a:p>
+            <a:pPr marL="0" lvl="0" indent="0" algn="l" rtl="0">
+              <a:lnSpc>
+                <a:spcPct val="90000"/>
+              </a:lnSpc>
+              <a:spcBef>
+                <a:spcPts val="0"/>
+              </a:spcBef>
+              <a:spcAft>
+                <a:spcPts val="0"/>
+              </a:spcAft>
+              <a:buClr>
+                <a:schemeClr val="dk1"/>
+              </a:buClr>
+              <a:buSzPts val="2400"/>
+              <a:buNone/>
+            </a:pPr>
+            <a:r>
+              <a:rPr lang="ru-RU" sz="3000" b="1" dirty="0">
+                <a:solidFill>
+                  <a:schemeClr val="tx1">
+                    <a:lumMod val="85000"/>
+                    <a:lumOff val="15000"/>
+                  </a:schemeClr>
+                </a:solidFill>
+              </a:rPr>
+              <a:t>Графический движок</a:t>
+            </a:r>
+            <a:r>
+              <a:rPr lang="ru-RU" sz="3000" dirty="0">
+                <a:solidFill>
+                  <a:schemeClr val="tx1">
+                    <a:lumMod val="85000"/>
+                    <a:lumOff val="15000"/>
+                  </a:schemeClr>
+                </a:solidFill>
+              </a:rPr>
+              <a:t> </a:t>
+            </a:r>
+            <a:r>
+              <a:rPr lang="ru-RU" sz="2400" dirty="0">
                 <a:solidFill>
                   <a:schemeClr val="tx1">
                     <a:lumMod val="75000"/>
@@ -4283,79 +4952,209 @@
                   </a:schemeClr>
                 </a:solidFill>
               </a:rPr>
-              <a:t>Описание проекта:</a:t>
-            </a:r>
+              <a:t>— программное обеспечение, которое предоставляет инструменты для создания и отрисовки двухмерных или трехмерных сцен.</a:t>
+            </a:r>
+            <a:endParaRPr sz="2400" dirty="0">
+              <a:solidFill>
+                <a:schemeClr val="tx1">
+                  <a:lumMod val="75000"/>
+                  <a:lumOff val="25000"/>
+                </a:schemeClr>
+              </a:solidFill>
+            </a:endParaRPr>
+          </a:p>
+          <a:p>
+            <a:pPr marL="0" lvl="0" indent="0" algn="l" rtl="0">
+              <a:lnSpc>
+                <a:spcPct val="90000"/>
+              </a:lnSpc>
+              <a:spcBef>
+                <a:spcPts val="0"/>
+              </a:spcBef>
+              <a:spcAft>
+                <a:spcPts val="0"/>
+              </a:spcAft>
+              <a:buClr>
+                <a:schemeClr val="dk1"/>
+              </a:buClr>
+              <a:buSzPts val="2400"/>
+              <a:buNone/>
+            </a:pPr>
+            <a:endParaRPr sz="2700" dirty="0"/>
+          </a:p>
+          <a:p>
+            <a:pPr marL="0" lvl="0" indent="0" algn="l" rtl="0">
+              <a:lnSpc>
+                <a:spcPct val="90000"/>
+              </a:lnSpc>
+              <a:spcBef>
+                <a:spcPts val="0"/>
+              </a:spcBef>
+              <a:spcAft>
+                <a:spcPts val="0"/>
+              </a:spcAft>
+              <a:buClr>
+                <a:schemeClr val="dk1"/>
+              </a:buClr>
+              <a:buSzPts val="2400"/>
+              <a:buNone/>
+            </a:pPr>
+            <a:r>
+              <a:rPr lang="ru-RU" sz="2400" dirty="0">
+                <a:solidFill>
+                  <a:schemeClr val="tx1">
+                    <a:lumMod val="75000"/>
+                    <a:lumOff val="25000"/>
+                  </a:schemeClr>
+                </a:solidFill>
+              </a:rPr>
+              <a:t>Одним из способов отрисовки сцен является </a:t>
+            </a:r>
+            <a:r>
+              <a:rPr lang="ru-RU" sz="3000" b="1" dirty="0">
+                <a:solidFill>
+                  <a:schemeClr val="tx1">
+                    <a:lumMod val="85000"/>
+                    <a:lumOff val="15000"/>
+                  </a:schemeClr>
+                </a:solidFill>
+              </a:rPr>
+              <a:t>Raymarching</a:t>
+            </a:r>
+            <a:r>
+              <a:rPr lang="ru-RU" sz="2700" b="1" dirty="0"/>
+              <a:t> </a:t>
+            </a:r>
+            <a:r>
+              <a:rPr lang="ru-RU" sz="2400" dirty="0">
+                <a:solidFill>
+                  <a:schemeClr val="tx1">
+                    <a:lumMod val="75000"/>
+                    <a:lumOff val="25000"/>
+                  </a:schemeClr>
+                </a:solidFill>
+              </a:rPr>
+              <a:t>- способ, в котором цвет каждого пикселя определяется посредством запуска луча и анализа его взаимодействия с поверхностями объектов сцены. </a:t>
+            </a:r>
+            <a:endParaRPr sz="2400" dirty="0">
+              <a:solidFill>
+                <a:schemeClr val="tx1">
+                  <a:lumMod val="75000"/>
+                  <a:lumOff val="25000"/>
+                </a:schemeClr>
+              </a:solidFill>
+            </a:endParaRPr>
           </a:p>
         </p:txBody>
       </p:sp>
       <p:sp>
         <p:nvSpPr>
-          <p:cNvPr id="3" name="Content Placeholder 2">
+          <p:cNvPr id="107" name="Google Shape;107;p15"/>
+          <p:cNvSpPr txBox="1">
+            <a:spLocks noGrp="1"/>
+          </p:cNvSpPr>
+          <p:nvPr>
+            <p:ph type="sldNum" idx="12"/>
+          </p:nvPr>
+        </p:nvSpPr>
+        <p:spPr>
+          <a:xfrm>
+            <a:off x="8717200" y="6176825"/>
+            <a:ext cx="2743200" cy="365100"/>
+          </a:xfrm>
+          <a:prstGeom prst="rect">
+            <a:avLst/>
+          </a:prstGeom>
+          <a:noFill/>
+          <a:ln>
+            <a:noFill/>
+          </a:ln>
+        </p:spPr>
+        <p:txBody>
+          <a:bodyPr spcFirstLastPara="1" wrap="square" lIns="91425" tIns="45700" rIns="91425" bIns="45700" anchor="ctr" anchorCtr="0">
+            <a:noAutofit/>
+          </a:bodyPr>
+          <a:lstStyle/>
+          <a:p>
+            <a:pPr marL="0" lvl="0" indent="0" algn="r" rtl="0">
+              <a:spcBef>
+                <a:spcPts val="0"/>
+              </a:spcBef>
+              <a:spcAft>
+                <a:spcPts val="0"/>
+              </a:spcAft>
+              <a:buNone/>
+            </a:pPr>
+            <a:fld id="{00000000-1234-1234-1234-123412341234}" type="slidenum">
+              <a:rPr lang="ru-RU"/>
+              <a:t>3</a:t>
+            </a:fld>
+            <a:endParaRPr/>
+          </a:p>
+        </p:txBody>
+      </p:sp>
+      <p:pic>
+        <p:nvPicPr>
+          <p:cNvPr id="108" name="Google Shape;108;p15"/>
+          <p:cNvPicPr preferRelativeResize="0"/>
+          <p:nvPr/>
+        </p:nvPicPr>
+        <p:blipFill>
+          <a:blip r:embed="rId3">
+            <a:alphaModFix/>
+          </a:blip>
+          <a:stretch>
+            <a:fillRect/>
+          </a:stretch>
+        </p:blipFill>
+        <p:spPr>
+          <a:xfrm>
+            <a:off x="7536299" y="2959110"/>
+            <a:ext cx="3769850" cy="3708649"/>
+          </a:xfrm>
+          <a:prstGeom prst="rect">
+            <a:avLst/>
+          </a:prstGeom>
+          <a:noFill/>
+          <a:ln>
+            <a:noFill/>
+          </a:ln>
+        </p:spPr>
+      </p:pic>
+      <p:pic>
+        <p:nvPicPr>
+          <p:cNvPr id="7" name="Google Shape;109;p15">
             <a:extLst>
               <a:ext uri="{FF2B5EF4-FFF2-40B4-BE49-F238E27FC236}">
-                <a16:creationId xmlns:a16="http://schemas.microsoft.com/office/drawing/2014/main" id="{A7879070-E3CF-4286-8F69-EA366448F747}"/>
+                <a16:creationId xmlns:a16="http://schemas.microsoft.com/office/drawing/2014/main" id="{798A44E7-EF6F-4276-A7AF-9A2B2D1901B9}"/>
               </a:ext>
             </a:extLst>
           </p:cNvPr>
-          <p:cNvSpPr>
-            <a:spLocks noGrp="1"/>
-          </p:cNvSpPr>
-          <p:nvPr>
-            <p:ph idx="1"/>
-          </p:nvPr>
-        </p:nvSpPr>
-        <p:spPr/>
-        <p:txBody>
-          <a:bodyPr>
-            <a:normAutofit/>
-          </a:bodyPr>
-          <a:lstStyle/>
-          <a:p>
-            <a:pPr marL="0" indent="0">
-              <a:buNone/>
-            </a:pPr>
-            <a:r>
-              <a:rPr lang="ru-RU" sz="2400" dirty="0"/>
-              <a:t>Бля...</a:t>
-            </a:r>
-          </a:p>
-        </p:txBody>
-      </p:sp>
-      <p:sp>
-        <p:nvSpPr>
-          <p:cNvPr id="4" name="Slide Number Placeholder 3">
-            <a:extLst>
-              <a:ext uri="{FF2B5EF4-FFF2-40B4-BE49-F238E27FC236}">
-                <a16:creationId xmlns:a16="http://schemas.microsoft.com/office/drawing/2014/main" id="{4669DE48-3384-416D-9062-D83C8114CDEF}"/>
-              </a:ext>
-            </a:extLst>
-          </p:cNvPr>
-          <p:cNvSpPr>
-            <a:spLocks noGrp="1"/>
-          </p:cNvSpPr>
-          <p:nvPr>
-            <p:ph type="sldNum" sz="quarter" idx="12"/>
-          </p:nvPr>
-        </p:nvSpPr>
-        <p:spPr/>
-        <p:txBody>
-          <a:bodyPr/>
-          <a:lstStyle/>
-          <a:p>
-            <a:fld id="{30063567-F01A-454D-AAAD-56574FBFC9A6}" type="slidenum">
-              <a:rPr lang="ru-RU" smtClean="0"/>
-              <a:t>3</a:t>
-            </a:fld>
-            <a:endParaRPr lang="ru-RU"/>
-          </a:p>
-        </p:txBody>
-      </p:sp>
+          <p:cNvPicPr preferRelativeResize="0"/>
+          <p:nvPr/>
+        </p:nvPicPr>
+        <p:blipFill rotWithShape="1">
+          <a:blip r:embed="rId4">
+            <a:alphaModFix/>
+          </a:blip>
+          <a:srcRect l="-20830" r="20830"/>
+          <a:stretch/>
+        </p:blipFill>
+        <p:spPr>
+          <a:xfrm>
+            <a:off x="6096000" y="145838"/>
+            <a:ext cx="5422349" cy="2659475"/>
+          </a:xfrm>
+          <a:prstGeom prst="rect">
+            <a:avLst/>
+          </a:prstGeom>
+          <a:noFill/>
+          <a:ln>
+            <a:noFill/>
+          </a:ln>
+        </p:spPr>
+      </p:pic>
     </p:spTree>
-    <p:extLst>
-      <p:ext uri="{BB962C8B-B14F-4D97-AF65-F5344CB8AC3E}">
-        <p14:creationId xmlns:p14="http://schemas.microsoft.com/office/powerpoint/2010/main" val="1755541825"/>
-      </p:ext>
-    </p:extLst>
   </p:cSld>
   <p:clrMapOvr>
     <a:masterClrMapping/>
@@ -4368,7 +5167,7 @@
   <p:cSld>
     <p:spTree>
       <p:nvGrpSpPr>
-        <p:cNvPr id="1" name=""/>
+        <p:cNvPr id="1" name="Shape 113"/>
         <p:cNvGrpSpPr/>
         <p:nvPr/>
       </p:nvGrpSpPr>
@@ -4382,138 +5181,1528 @@
       </p:grpSpPr>
       <p:sp>
         <p:nvSpPr>
-          <p:cNvPr id="2" name="Title 1">
-            <a:extLst>
-              <a:ext uri="{FF2B5EF4-FFF2-40B4-BE49-F238E27FC236}">
-                <a16:creationId xmlns:a16="http://schemas.microsoft.com/office/drawing/2014/main" id="{691505E8-0EA8-4B65-B7E4-0279F2393FED}"/>
-              </a:ext>
-            </a:extLst>
-          </p:cNvPr>
-          <p:cNvSpPr>
+          <p:cNvPr id="114" name="Google Shape;114;p16"/>
+          <p:cNvSpPr txBox="1">
             <a:spLocks noGrp="1"/>
           </p:cNvSpPr>
           <p:nvPr>
             <p:ph type="title"/>
           </p:nvPr>
         </p:nvSpPr>
-        <p:spPr/>
+        <p:spPr>
+          <a:xfrm>
+            <a:off x="838200" y="424350"/>
+            <a:ext cx="10515600" cy="1325700"/>
+          </a:xfrm>
+          <a:prstGeom prst="rect">
+            <a:avLst/>
+          </a:prstGeom>
+          <a:noFill/>
+          <a:ln>
+            <a:noFill/>
+          </a:ln>
+        </p:spPr>
         <p:txBody>
-          <a:bodyPr/>
+          <a:bodyPr spcFirstLastPara="1" wrap="square" lIns="91425" tIns="45700" rIns="91425" bIns="45700" anchor="ctr" anchorCtr="0">
+            <a:normAutofit/>
+          </a:bodyPr>
           <a:lstStyle/>
           <a:p>
+            <a:pPr marL="0" lvl="0" indent="0" algn="l" rtl="0">
+              <a:lnSpc>
+                <a:spcPct val="90000"/>
+              </a:lnSpc>
+              <a:spcBef>
+                <a:spcPts val="0"/>
+              </a:spcBef>
+              <a:spcAft>
+                <a:spcPts val="0"/>
+              </a:spcAft>
+              <a:buClr>
+                <a:srgbClr val="3F3F3F"/>
+              </a:buClr>
+              <a:buSzPts val="4400"/>
+              <a:buFont typeface="Calibri"/>
+              <a:buNone/>
+            </a:pPr>
             <a:r>
               <a:rPr lang="ru-RU" b="1" dirty="0">
                 <a:solidFill>
-                  <a:schemeClr val="tx1">
-                    <a:lumMod val="75000"/>
-                    <a:lumOff val="25000"/>
-                  </a:schemeClr>
+                  <a:srgbClr val="3F3F3F"/>
                 </a:solidFill>
               </a:rPr>
               <a:t>Сравнение с аналогами:</a:t>
             </a:r>
+            <a:endParaRPr dirty="0"/>
+          </a:p>
+        </p:txBody>
+      </p:sp>
+      <p:sp>
+        <p:nvSpPr>
+          <p:cNvPr id="115" name="Google Shape;115;p16"/>
+          <p:cNvSpPr txBox="1">
+            <a:spLocks noGrp="1"/>
+          </p:cNvSpPr>
+          <p:nvPr>
+            <p:ph type="sldNum" idx="12"/>
+          </p:nvPr>
+        </p:nvSpPr>
+        <p:spPr>
+          <a:xfrm>
+            <a:off x="8610600" y="6356350"/>
+            <a:ext cx="2743200" cy="365125"/>
+          </a:xfrm>
+          <a:prstGeom prst="rect">
+            <a:avLst/>
+          </a:prstGeom>
+          <a:noFill/>
+          <a:ln>
+            <a:noFill/>
+          </a:ln>
+        </p:spPr>
+        <p:txBody>
+          <a:bodyPr spcFirstLastPara="1" wrap="square" lIns="91425" tIns="45700" rIns="91425" bIns="45700" anchor="ctr" anchorCtr="0">
+            <a:noAutofit/>
+          </a:bodyPr>
+          <a:lstStyle/>
+          <a:p>
+            <a:pPr marL="0" lvl="0" indent="0" algn="r" rtl="0">
+              <a:spcBef>
+                <a:spcPts val="0"/>
+              </a:spcBef>
+              <a:spcAft>
+                <a:spcPts val="0"/>
+              </a:spcAft>
+              <a:buNone/>
+            </a:pPr>
+            <a:fld id="{00000000-1234-1234-1234-123412341234}" type="slidenum">
+              <a:rPr lang="ru-RU"/>
+              <a:t>4</a:t>
+            </a:fld>
+            <a:endParaRPr/>
           </a:p>
         </p:txBody>
       </p:sp>
       <p:graphicFrame>
         <p:nvGraphicFramePr>
-          <p:cNvPr id="4" name="Content Placeholder 3">
-            <a:extLst>
-              <a:ext uri="{FF2B5EF4-FFF2-40B4-BE49-F238E27FC236}">
-                <a16:creationId xmlns:a16="http://schemas.microsoft.com/office/drawing/2014/main" id="{A5DAD1ED-FD40-4BD7-B982-20968E983E55}"/>
-              </a:ext>
-            </a:extLst>
-          </p:cNvPr>
-          <p:cNvGraphicFramePr>
-            <a:graphicFrameLocks noGrp="1" noChangeAspect="1"/>
-          </p:cNvGraphicFramePr>
+          <p:cNvPr id="116" name="Google Shape;116;p16"/>
+          <p:cNvGraphicFramePr/>
           <p:nvPr>
-            <p:ph idx="1"/>
             <p:extLst>
               <p:ext uri="{D42A27DB-BD31-4B8C-83A1-F6EECF244321}">
-                <p14:modId xmlns:p14="http://schemas.microsoft.com/office/powerpoint/2010/main" val="263601275"/>
+                <p14:modId xmlns:p14="http://schemas.microsoft.com/office/powerpoint/2010/main" val="33561105"/>
               </p:ext>
             </p:extLst>
           </p:nvPr>
         </p:nvGraphicFramePr>
         <p:xfrm>
-          <a:off x="3230033" y="1690687"/>
-          <a:ext cx="5731933" cy="4489979"/>
+          <a:off x="1314275" y="2019549"/>
+          <a:ext cx="9563449" cy="4188303"/>
         </p:xfrm>
         <a:graphic>
-          <a:graphicData uri="http://schemas.openxmlformats.org/presentationml/2006/ole">
-            <mc:AlternateContent xmlns:mc="http://schemas.openxmlformats.org/markup-compatibility/2006">
-              <mc:Choice xmlns:v="urn:schemas-microsoft-com:vml" Requires="v">
-                <p:oleObj spid="_x0000_s1030" name="Worksheet" r:id="rId3" imgW="6867413" imgH="1533544" progId="Excel.Sheet.12">
-                  <p:embed/>
-                </p:oleObj>
-              </mc:Choice>
-              <mc:Fallback>
-                <p:oleObj name="Worksheet" r:id="rId3" imgW="6867413" imgH="1533544" progId="Excel.Sheet.12">
-                  <p:embed/>
-                  <p:pic>
-                    <p:nvPicPr>
-                      <p:cNvPr id="0" name=""/>
-                      <p:cNvPicPr/>
-                      <p:nvPr/>
-                    </p:nvPicPr>
-                    <p:blipFill>
-                      <a:blip r:embed="rId4"/>
-                      <a:stretch>
-                        <a:fillRect/>
-                      </a:stretch>
-                    </p:blipFill>
-                    <p:spPr>
-                      <a:xfrm>
-                        <a:off x="3230033" y="1690687"/>
-                        <a:ext cx="5731933" cy="4489979"/>
-                      </a:xfrm>
-                      <a:prstGeom prst="rect">
-                        <a:avLst/>
-                      </a:prstGeom>
-                    </p:spPr>
-                  </p:pic>
-                </p:oleObj>
-              </mc:Fallback>
-            </mc:AlternateContent>
+          <a:graphicData uri="http://schemas.openxmlformats.org/drawingml/2006/table">
+            <a:tbl>
+              <a:tblPr>
+                <a:noFill/>
+              </a:tblPr>
+              <a:tblGrid>
+                <a:gridCol w="3974794">
+                  <a:extLst>
+                    <a:ext uri="{9D8B030D-6E8A-4147-A177-3AD203B41FA5}">
+                      <a16:colId xmlns:a16="http://schemas.microsoft.com/office/drawing/2014/main" val="20000"/>
+                    </a:ext>
+                  </a:extLst>
+                </a:gridCol>
+                <a:gridCol w="1750160">
+                  <a:extLst>
+                    <a:ext uri="{9D8B030D-6E8A-4147-A177-3AD203B41FA5}">
+                      <a16:colId xmlns:a16="http://schemas.microsoft.com/office/drawing/2014/main" val="20001"/>
+                    </a:ext>
+                  </a:extLst>
+                </a:gridCol>
+                <a:gridCol w="1712676">
+                  <a:extLst>
+                    <a:ext uri="{9D8B030D-6E8A-4147-A177-3AD203B41FA5}">
+                      <a16:colId xmlns:a16="http://schemas.microsoft.com/office/drawing/2014/main" val="20002"/>
+                    </a:ext>
+                  </a:extLst>
+                </a:gridCol>
+                <a:gridCol w="2125819">
+                  <a:extLst>
+                    <a:ext uri="{9D8B030D-6E8A-4147-A177-3AD203B41FA5}">
+                      <a16:colId xmlns:a16="http://schemas.microsoft.com/office/drawing/2014/main" val="20003"/>
+                    </a:ext>
+                  </a:extLst>
+                </a:gridCol>
+              </a:tblGrid>
+              <a:tr h="561136">
+                <a:tc>
+                  <a:txBody>
+                    <a:bodyPr/>
+                    <a:lstStyle/>
+                    <a:p>
+                      <a:pPr marL="0" lvl="0" indent="0" algn="l" rtl="0">
+                        <a:spcBef>
+                          <a:spcPts val="0"/>
+                        </a:spcBef>
+                        <a:spcAft>
+                          <a:spcPts val="0"/>
+                        </a:spcAft>
+                        <a:buNone/>
+                      </a:pPr>
+                      <a:endParaRPr sz="2000"/>
+                    </a:p>
+                  </a:txBody>
+                  <a:tcPr marL="91425" marR="91425" marT="91425" marB="91425">
+                    <a:lnL w="9525" cap="flat" cmpd="sng">
+                      <a:solidFill>
+                        <a:srgbClr val="888888"/>
+                      </a:solidFill>
+                      <a:prstDash val="solid"/>
+                      <a:round/>
+                      <a:headEnd type="none" w="sm" len="sm"/>
+                      <a:tailEnd type="none" w="sm" len="sm"/>
+                    </a:lnL>
+                    <a:lnR w="9525" cap="flat" cmpd="sng">
+                      <a:solidFill>
+                        <a:srgbClr val="888888"/>
+                      </a:solidFill>
+                      <a:prstDash val="solid"/>
+                      <a:round/>
+                      <a:headEnd type="none" w="sm" len="sm"/>
+                      <a:tailEnd type="none" w="sm" len="sm"/>
+                    </a:lnR>
+                    <a:lnT w="9525" cap="flat" cmpd="sng">
+                      <a:solidFill>
+                        <a:srgbClr val="888888"/>
+                      </a:solidFill>
+                      <a:prstDash val="solid"/>
+                      <a:round/>
+                      <a:headEnd type="none" w="sm" len="sm"/>
+                      <a:tailEnd type="none" w="sm" len="sm"/>
+                    </a:lnT>
+                    <a:lnB w="9525" cap="flat" cmpd="sng">
+                      <a:solidFill>
+                        <a:srgbClr val="888888"/>
+                      </a:solidFill>
+                      <a:prstDash val="solid"/>
+                      <a:round/>
+                      <a:headEnd type="none" w="sm" len="sm"/>
+                      <a:tailEnd type="none" w="sm" len="sm"/>
+                    </a:lnB>
+                  </a:tcPr>
+                </a:tc>
+                <a:tc>
+                  <a:txBody>
+                    <a:bodyPr/>
+                    <a:lstStyle/>
+                    <a:p>
+                      <a:pPr marL="0" lvl="0" indent="0" algn="l" rtl="0">
+                        <a:spcBef>
+                          <a:spcPts val="0"/>
+                        </a:spcBef>
+                        <a:spcAft>
+                          <a:spcPts val="0"/>
+                        </a:spcAft>
+                        <a:buNone/>
+                      </a:pPr>
+                      <a:r>
+                        <a:rPr lang="ru-RU" sz="2000" dirty="0"/>
+                        <a:t>Наш проект</a:t>
+                      </a:r>
+                      <a:endParaRPr sz="2000" dirty="0"/>
+                    </a:p>
+                  </a:txBody>
+                  <a:tcPr marL="91425" marR="91425" marT="91425" marB="91425">
+                    <a:lnL w="9525" cap="flat" cmpd="sng">
+                      <a:solidFill>
+                        <a:srgbClr val="888888"/>
+                      </a:solidFill>
+                      <a:prstDash val="solid"/>
+                      <a:round/>
+                      <a:headEnd type="none" w="sm" len="sm"/>
+                      <a:tailEnd type="none" w="sm" len="sm"/>
+                    </a:lnL>
+                    <a:lnR w="9525" cap="flat" cmpd="sng">
+                      <a:solidFill>
+                        <a:srgbClr val="888888"/>
+                      </a:solidFill>
+                      <a:prstDash val="solid"/>
+                      <a:round/>
+                      <a:headEnd type="none" w="sm" len="sm"/>
+                      <a:tailEnd type="none" w="sm" len="sm"/>
+                    </a:lnR>
+                    <a:lnT w="9525" cap="flat" cmpd="sng">
+                      <a:solidFill>
+                        <a:srgbClr val="888888"/>
+                      </a:solidFill>
+                      <a:prstDash val="solid"/>
+                      <a:round/>
+                      <a:headEnd type="none" w="sm" len="sm"/>
+                      <a:tailEnd type="none" w="sm" len="sm"/>
+                    </a:lnT>
+                    <a:lnB w="9525" cap="flat" cmpd="sng">
+                      <a:solidFill>
+                        <a:srgbClr val="888888"/>
+                      </a:solidFill>
+                      <a:prstDash val="solid"/>
+                      <a:round/>
+                      <a:headEnd type="none" w="sm" len="sm"/>
+                      <a:tailEnd type="none" w="sm" len="sm"/>
+                    </a:lnB>
+                  </a:tcPr>
+                </a:tc>
+                <a:tc>
+                  <a:txBody>
+                    <a:bodyPr/>
+                    <a:lstStyle/>
+                    <a:p>
+                      <a:pPr marL="0" lvl="0" indent="0" algn="l" rtl="0">
+                        <a:spcBef>
+                          <a:spcPts val="0"/>
+                        </a:spcBef>
+                        <a:spcAft>
+                          <a:spcPts val="0"/>
+                        </a:spcAft>
+                        <a:buNone/>
+                      </a:pPr>
+                      <a:r>
+                        <a:rPr lang="ru-RU" sz="2000"/>
+                        <a:t>Unity</a:t>
+                      </a:r>
+                      <a:endParaRPr sz="2000"/>
+                    </a:p>
+                  </a:txBody>
+                  <a:tcPr marL="91425" marR="91425" marT="91425" marB="91425">
+                    <a:lnL w="9525" cap="flat" cmpd="sng">
+                      <a:solidFill>
+                        <a:srgbClr val="888888"/>
+                      </a:solidFill>
+                      <a:prstDash val="solid"/>
+                      <a:round/>
+                      <a:headEnd type="none" w="sm" len="sm"/>
+                      <a:tailEnd type="none" w="sm" len="sm"/>
+                    </a:lnL>
+                    <a:lnR w="9525" cap="flat" cmpd="sng">
+                      <a:solidFill>
+                        <a:srgbClr val="888888"/>
+                      </a:solidFill>
+                      <a:prstDash val="solid"/>
+                      <a:round/>
+                      <a:headEnd type="none" w="sm" len="sm"/>
+                      <a:tailEnd type="none" w="sm" len="sm"/>
+                    </a:lnR>
+                    <a:lnT w="9525" cap="flat" cmpd="sng">
+                      <a:solidFill>
+                        <a:srgbClr val="888888"/>
+                      </a:solidFill>
+                      <a:prstDash val="solid"/>
+                      <a:round/>
+                      <a:headEnd type="none" w="sm" len="sm"/>
+                      <a:tailEnd type="none" w="sm" len="sm"/>
+                    </a:lnT>
+                    <a:lnB w="9525" cap="flat" cmpd="sng">
+                      <a:solidFill>
+                        <a:srgbClr val="888888"/>
+                      </a:solidFill>
+                      <a:prstDash val="solid"/>
+                      <a:round/>
+                      <a:headEnd type="none" w="sm" len="sm"/>
+                      <a:tailEnd type="none" w="sm" len="sm"/>
+                    </a:lnB>
+                  </a:tcPr>
+                </a:tc>
+                <a:tc>
+                  <a:txBody>
+                    <a:bodyPr/>
+                    <a:lstStyle/>
+                    <a:p>
+                      <a:pPr marL="0" lvl="0" indent="0" algn="l" rtl="0">
+                        <a:spcBef>
+                          <a:spcPts val="0"/>
+                        </a:spcBef>
+                        <a:spcAft>
+                          <a:spcPts val="0"/>
+                        </a:spcAft>
+                        <a:buNone/>
+                      </a:pPr>
+                      <a:r>
+                        <a:rPr lang="ru-RU" sz="2000"/>
+                        <a:t>Unreal Engine</a:t>
+                      </a:r>
+                      <a:endParaRPr sz="2000"/>
+                    </a:p>
+                  </a:txBody>
+                  <a:tcPr marL="91425" marR="91425" marT="91425" marB="91425">
+                    <a:lnL w="9525" cap="flat" cmpd="sng">
+                      <a:solidFill>
+                        <a:srgbClr val="888888"/>
+                      </a:solidFill>
+                      <a:prstDash val="solid"/>
+                      <a:round/>
+                      <a:headEnd type="none" w="sm" len="sm"/>
+                      <a:tailEnd type="none" w="sm" len="sm"/>
+                    </a:lnL>
+                    <a:lnR w="9525" cap="flat" cmpd="sng">
+                      <a:solidFill>
+                        <a:srgbClr val="888888"/>
+                      </a:solidFill>
+                      <a:prstDash val="solid"/>
+                      <a:round/>
+                      <a:headEnd type="none" w="sm" len="sm"/>
+                      <a:tailEnd type="none" w="sm" len="sm"/>
+                    </a:lnR>
+                    <a:lnT w="9525" cap="flat" cmpd="sng">
+                      <a:solidFill>
+                        <a:srgbClr val="888888"/>
+                      </a:solidFill>
+                      <a:prstDash val="solid"/>
+                      <a:round/>
+                      <a:headEnd type="none" w="sm" len="sm"/>
+                      <a:tailEnd type="none" w="sm" len="sm"/>
+                    </a:lnT>
+                    <a:lnB w="9525" cap="flat" cmpd="sng">
+                      <a:solidFill>
+                        <a:srgbClr val="888888"/>
+                      </a:solidFill>
+                      <a:prstDash val="solid"/>
+                      <a:round/>
+                      <a:headEnd type="none" w="sm" len="sm"/>
+                      <a:tailEnd type="none" w="sm" len="sm"/>
+                    </a:lnB>
+                  </a:tcPr>
+                </a:tc>
+                <a:extLst>
+                  <a:ext uri="{0D108BD9-81ED-4DB2-BD59-A6C34878D82A}">
+                    <a16:rowId xmlns:a16="http://schemas.microsoft.com/office/drawing/2014/main" val="10000"/>
+                  </a:ext>
+                </a:extLst>
+              </a:tr>
+              <a:tr h="911849">
+                <a:tc>
+                  <a:txBody>
+                    <a:bodyPr/>
+                    <a:lstStyle/>
+                    <a:p>
+                      <a:pPr marL="0" lvl="0" indent="0" algn="l" rtl="0">
+                        <a:spcBef>
+                          <a:spcPts val="0"/>
+                        </a:spcBef>
+                        <a:spcAft>
+                          <a:spcPts val="0"/>
+                        </a:spcAft>
+                        <a:buNone/>
+                      </a:pPr>
+                      <a:r>
+                        <a:rPr lang="ru-RU" sz="2000"/>
+                        <a:t>Отрисовка raymarching-ом</a:t>
+                      </a:r>
+                      <a:endParaRPr sz="2000"/>
+                    </a:p>
+                  </a:txBody>
+                  <a:tcPr marL="91425" marR="91425" marT="91425" marB="91425">
+                    <a:lnL w="9525" cap="flat" cmpd="sng">
+                      <a:solidFill>
+                        <a:srgbClr val="888888"/>
+                      </a:solidFill>
+                      <a:prstDash val="solid"/>
+                      <a:round/>
+                      <a:headEnd type="none" w="sm" len="sm"/>
+                      <a:tailEnd type="none" w="sm" len="sm"/>
+                    </a:lnL>
+                    <a:lnR w="9525" cap="flat" cmpd="sng">
+                      <a:solidFill>
+                        <a:srgbClr val="888888"/>
+                      </a:solidFill>
+                      <a:prstDash val="solid"/>
+                      <a:round/>
+                      <a:headEnd type="none" w="sm" len="sm"/>
+                      <a:tailEnd type="none" w="sm" len="sm"/>
+                    </a:lnR>
+                    <a:lnT w="9525" cap="flat" cmpd="sng">
+                      <a:solidFill>
+                        <a:srgbClr val="888888"/>
+                      </a:solidFill>
+                      <a:prstDash val="solid"/>
+                      <a:round/>
+                      <a:headEnd type="none" w="sm" len="sm"/>
+                      <a:tailEnd type="none" w="sm" len="sm"/>
+                    </a:lnT>
+                    <a:lnB w="9525" cap="flat" cmpd="sng">
+                      <a:solidFill>
+                        <a:srgbClr val="888888"/>
+                      </a:solidFill>
+                      <a:prstDash val="solid"/>
+                      <a:round/>
+                      <a:headEnd type="none" w="sm" len="sm"/>
+                      <a:tailEnd type="none" w="sm" len="sm"/>
+                    </a:lnB>
+                  </a:tcPr>
+                </a:tc>
+                <a:tc>
+                  <a:txBody>
+                    <a:bodyPr/>
+                    <a:lstStyle/>
+                    <a:p>
+                      <a:pPr marL="0" lvl="0" indent="0" algn="l" rtl="0">
+                        <a:spcBef>
+                          <a:spcPts val="0"/>
+                        </a:spcBef>
+                        <a:spcAft>
+                          <a:spcPts val="0"/>
+                        </a:spcAft>
+                        <a:buNone/>
+                      </a:pPr>
+                      <a:r>
+                        <a:rPr lang="ru-RU" sz="2000">
+                          <a:solidFill>
+                            <a:schemeClr val="lt1"/>
+                          </a:solidFill>
+                        </a:rPr>
+                        <a:t>Да</a:t>
+                      </a:r>
+                      <a:endParaRPr sz="2000">
+                        <a:solidFill>
+                          <a:schemeClr val="lt1"/>
+                        </a:solidFill>
+                      </a:endParaRPr>
+                    </a:p>
+                  </a:txBody>
+                  <a:tcPr marL="91425" marR="91425" marT="91425" marB="91425">
+                    <a:lnL w="9525" cap="flat" cmpd="sng">
+                      <a:solidFill>
+                        <a:srgbClr val="888888"/>
+                      </a:solidFill>
+                      <a:prstDash val="solid"/>
+                      <a:round/>
+                      <a:headEnd type="none" w="sm" len="sm"/>
+                      <a:tailEnd type="none" w="sm" len="sm"/>
+                    </a:lnL>
+                    <a:lnR w="9525" cap="flat" cmpd="sng">
+                      <a:solidFill>
+                        <a:srgbClr val="888888"/>
+                      </a:solidFill>
+                      <a:prstDash val="solid"/>
+                      <a:round/>
+                      <a:headEnd type="none" w="sm" len="sm"/>
+                      <a:tailEnd type="none" w="sm" len="sm"/>
+                    </a:lnR>
+                    <a:lnT w="9525" cap="flat" cmpd="sng">
+                      <a:solidFill>
+                        <a:srgbClr val="888888"/>
+                      </a:solidFill>
+                      <a:prstDash val="solid"/>
+                      <a:round/>
+                      <a:headEnd type="none" w="sm" len="sm"/>
+                      <a:tailEnd type="none" w="sm" len="sm"/>
+                    </a:lnT>
+                    <a:lnB w="9525" cap="flat" cmpd="sng">
+                      <a:solidFill>
+                        <a:srgbClr val="888888"/>
+                      </a:solidFill>
+                      <a:prstDash val="solid"/>
+                      <a:round/>
+                      <a:headEnd type="none" w="sm" len="sm"/>
+                      <a:tailEnd type="none" w="sm" len="sm"/>
+                    </a:lnB>
+                    <a:solidFill>
+                      <a:srgbClr val="93C47D"/>
+                    </a:solidFill>
+                  </a:tcPr>
+                </a:tc>
+                <a:tc>
+                  <a:txBody>
+                    <a:bodyPr/>
+                    <a:lstStyle/>
+                    <a:p>
+                      <a:pPr marL="0" lvl="0" indent="0" algn="l" rtl="0">
+                        <a:spcBef>
+                          <a:spcPts val="0"/>
+                        </a:spcBef>
+                        <a:spcAft>
+                          <a:spcPts val="0"/>
+                        </a:spcAft>
+                        <a:buNone/>
+                      </a:pPr>
+                      <a:r>
+                        <a:rPr lang="ru-RU" sz="2000">
+                          <a:solidFill>
+                            <a:schemeClr val="lt1"/>
+                          </a:solidFill>
+                        </a:rPr>
+                        <a:t>Нет</a:t>
+                      </a:r>
+                      <a:endParaRPr sz="2000">
+                        <a:solidFill>
+                          <a:schemeClr val="lt1"/>
+                        </a:solidFill>
+                      </a:endParaRPr>
+                    </a:p>
+                  </a:txBody>
+                  <a:tcPr marL="91425" marR="91425" marT="91425" marB="91425">
+                    <a:lnL w="9525" cap="flat" cmpd="sng">
+                      <a:solidFill>
+                        <a:srgbClr val="888888"/>
+                      </a:solidFill>
+                      <a:prstDash val="solid"/>
+                      <a:round/>
+                      <a:headEnd type="none" w="sm" len="sm"/>
+                      <a:tailEnd type="none" w="sm" len="sm"/>
+                    </a:lnL>
+                    <a:lnR w="9525" cap="flat" cmpd="sng">
+                      <a:solidFill>
+                        <a:srgbClr val="888888"/>
+                      </a:solidFill>
+                      <a:prstDash val="solid"/>
+                      <a:round/>
+                      <a:headEnd type="none" w="sm" len="sm"/>
+                      <a:tailEnd type="none" w="sm" len="sm"/>
+                    </a:lnR>
+                    <a:lnT w="9525" cap="flat" cmpd="sng">
+                      <a:solidFill>
+                        <a:srgbClr val="888888"/>
+                      </a:solidFill>
+                      <a:prstDash val="solid"/>
+                      <a:round/>
+                      <a:headEnd type="none" w="sm" len="sm"/>
+                      <a:tailEnd type="none" w="sm" len="sm"/>
+                    </a:lnT>
+                    <a:lnB w="9525" cap="flat" cmpd="sng">
+                      <a:solidFill>
+                        <a:srgbClr val="888888"/>
+                      </a:solidFill>
+                      <a:prstDash val="solid"/>
+                      <a:round/>
+                      <a:headEnd type="none" w="sm" len="sm"/>
+                      <a:tailEnd type="none" w="sm" len="sm"/>
+                    </a:lnB>
+                    <a:solidFill>
+                      <a:srgbClr val="E06666"/>
+                    </a:solidFill>
+                  </a:tcPr>
+                </a:tc>
+                <a:tc>
+                  <a:txBody>
+                    <a:bodyPr/>
+                    <a:lstStyle/>
+                    <a:p>
+                      <a:pPr marL="0" lvl="0" indent="0" algn="l" rtl="0">
+                        <a:spcBef>
+                          <a:spcPts val="0"/>
+                        </a:spcBef>
+                        <a:spcAft>
+                          <a:spcPts val="0"/>
+                        </a:spcAft>
+                        <a:buNone/>
+                      </a:pPr>
+                      <a:r>
+                        <a:rPr lang="ru-RU" sz="2000">
+                          <a:solidFill>
+                            <a:schemeClr val="lt1"/>
+                          </a:solidFill>
+                        </a:rPr>
+                        <a:t>Нет</a:t>
+                      </a:r>
+                      <a:endParaRPr sz="2000">
+                        <a:solidFill>
+                          <a:schemeClr val="lt1"/>
+                        </a:solidFill>
+                      </a:endParaRPr>
+                    </a:p>
+                  </a:txBody>
+                  <a:tcPr marL="91425" marR="91425" marT="91425" marB="91425">
+                    <a:lnL w="9525" cap="flat" cmpd="sng">
+                      <a:solidFill>
+                        <a:srgbClr val="888888"/>
+                      </a:solidFill>
+                      <a:prstDash val="solid"/>
+                      <a:round/>
+                      <a:headEnd type="none" w="sm" len="sm"/>
+                      <a:tailEnd type="none" w="sm" len="sm"/>
+                    </a:lnL>
+                    <a:lnR w="9525" cap="flat" cmpd="sng">
+                      <a:solidFill>
+                        <a:srgbClr val="888888"/>
+                      </a:solidFill>
+                      <a:prstDash val="solid"/>
+                      <a:round/>
+                      <a:headEnd type="none" w="sm" len="sm"/>
+                      <a:tailEnd type="none" w="sm" len="sm"/>
+                    </a:lnR>
+                    <a:lnT w="9525" cap="flat" cmpd="sng">
+                      <a:solidFill>
+                        <a:srgbClr val="888888"/>
+                      </a:solidFill>
+                      <a:prstDash val="solid"/>
+                      <a:round/>
+                      <a:headEnd type="none" w="sm" len="sm"/>
+                      <a:tailEnd type="none" w="sm" len="sm"/>
+                    </a:lnT>
+                    <a:lnB w="9525" cap="flat" cmpd="sng">
+                      <a:solidFill>
+                        <a:srgbClr val="888888"/>
+                      </a:solidFill>
+                      <a:prstDash val="solid"/>
+                      <a:round/>
+                      <a:headEnd type="none" w="sm" len="sm"/>
+                      <a:tailEnd type="none" w="sm" len="sm"/>
+                    </a:lnB>
+                    <a:solidFill>
+                      <a:srgbClr val="E06666"/>
+                    </a:solidFill>
+                  </a:tcPr>
+                </a:tc>
+                <a:extLst>
+                  <a:ext uri="{0D108BD9-81ED-4DB2-BD59-A6C34878D82A}">
+                    <a16:rowId xmlns:a16="http://schemas.microsoft.com/office/drawing/2014/main" val="10001"/>
+                  </a:ext>
+                </a:extLst>
+              </a:tr>
+              <a:tr h="953683">
+                <a:tc>
+                  <a:txBody>
+                    <a:bodyPr/>
+                    <a:lstStyle/>
+                    <a:p>
+                      <a:pPr marL="0" lvl="0" indent="0" algn="l" rtl="0">
+                        <a:spcBef>
+                          <a:spcPts val="0"/>
+                        </a:spcBef>
+                        <a:spcAft>
+                          <a:spcPts val="0"/>
+                        </a:spcAft>
+                        <a:buNone/>
+                      </a:pPr>
+                      <a:r>
+                        <a:rPr lang="ru-RU" sz="2000"/>
+                        <a:t>Open source</a:t>
+                      </a:r>
+                      <a:endParaRPr sz="2000"/>
+                    </a:p>
+                  </a:txBody>
+                  <a:tcPr marL="91425" marR="91425" marT="91425" marB="91425">
+                    <a:lnL w="9525" cap="flat" cmpd="sng">
+                      <a:solidFill>
+                        <a:srgbClr val="888888"/>
+                      </a:solidFill>
+                      <a:prstDash val="solid"/>
+                      <a:round/>
+                      <a:headEnd type="none" w="sm" len="sm"/>
+                      <a:tailEnd type="none" w="sm" len="sm"/>
+                    </a:lnL>
+                    <a:lnR w="9525" cap="flat" cmpd="sng">
+                      <a:solidFill>
+                        <a:srgbClr val="888888"/>
+                      </a:solidFill>
+                      <a:prstDash val="solid"/>
+                      <a:round/>
+                      <a:headEnd type="none" w="sm" len="sm"/>
+                      <a:tailEnd type="none" w="sm" len="sm"/>
+                    </a:lnR>
+                    <a:lnT w="9525" cap="flat" cmpd="sng">
+                      <a:solidFill>
+                        <a:srgbClr val="888888"/>
+                      </a:solidFill>
+                      <a:prstDash val="solid"/>
+                      <a:round/>
+                      <a:headEnd type="none" w="sm" len="sm"/>
+                      <a:tailEnd type="none" w="sm" len="sm"/>
+                    </a:lnT>
+                    <a:lnB w="9525" cap="flat" cmpd="sng">
+                      <a:solidFill>
+                        <a:srgbClr val="888888"/>
+                      </a:solidFill>
+                      <a:prstDash val="solid"/>
+                      <a:round/>
+                      <a:headEnd type="none" w="sm" len="sm"/>
+                      <a:tailEnd type="none" w="sm" len="sm"/>
+                    </a:lnB>
+                  </a:tcPr>
+                </a:tc>
+                <a:tc>
+                  <a:txBody>
+                    <a:bodyPr/>
+                    <a:lstStyle/>
+                    <a:p>
+                      <a:pPr marL="0" lvl="0" indent="0" algn="l" rtl="0">
+                        <a:spcBef>
+                          <a:spcPts val="0"/>
+                        </a:spcBef>
+                        <a:spcAft>
+                          <a:spcPts val="0"/>
+                        </a:spcAft>
+                        <a:buNone/>
+                      </a:pPr>
+                      <a:r>
+                        <a:rPr lang="ru-RU" sz="2000">
+                          <a:solidFill>
+                            <a:schemeClr val="lt1"/>
+                          </a:solidFill>
+                        </a:rPr>
+                        <a:t>Да</a:t>
+                      </a:r>
+                      <a:endParaRPr sz="2000">
+                        <a:solidFill>
+                          <a:schemeClr val="lt1"/>
+                        </a:solidFill>
+                      </a:endParaRPr>
+                    </a:p>
+                  </a:txBody>
+                  <a:tcPr marL="91425" marR="91425" marT="91425" marB="91425">
+                    <a:lnL w="9525" cap="flat" cmpd="sng">
+                      <a:solidFill>
+                        <a:srgbClr val="888888"/>
+                      </a:solidFill>
+                      <a:prstDash val="solid"/>
+                      <a:round/>
+                      <a:headEnd type="none" w="sm" len="sm"/>
+                      <a:tailEnd type="none" w="sm" len="sm"/>
+                    </a:lnL>
+                    <a:lnR w="9525" cap="flat" cmpd="sng">
+                      <a:solidFill>
+                        <a:srgbClr val="888888"/>
+                      </a:solidFill>
+                      <a:prstDash val="solid"/>
+                      <a:round/>
+                      <a:headEnd type="none" w="sm" len="sm"/>
+                      <a:tailEnd type="none" w="sm" len="sm"/>
+                    </a:lnR>
+                    <a:lnT w="9525" cap="flat" cmpd="sng">
+                      <a:solidFill>
+                        <a:srgbClr val="888888"/>
+                      </a:solidFill>
+                      <a:prstDash val="solid"/>
+                      <a:round/>
+                      <a:headEnd type="none" w="sm" len="sm"/>
+                      <a:tailEnd type="none" w="sm" len="sm"/>
+                    </a:lnT>
+                    <a:lnB w="9525" cap="flat" cmpd="sng">
+                      <a:solidFill>
+                        <a:srgbClr val="888888"/>
+                      </a:solidFill>
+                      <a:prstDash val="solid"/>
+                      <a:round/>
+                      <a:headEnd type="none" w="sm" len="sm"/>
+                      <a:tailEnd type="none" w="sm" len="sm"/>
+                    </a:lnB>
+                    <a:solidFill>
+                      <a:srgbClr val="93C47D"/>
+                    </a:solidFill>
+                  </a:tcPr>
+                </a:tc>
+                <a:tc>
+                  <a:txBody>
+                    <a:bodyPr/>
+                    <a:lstStyle/>
+                    <a:p>
+                      <a:pPr marL="0" lvl="0" indent="0" algn="l" rtl="0">
+                        <a:spcBef>
+                          <a:spcPts val="0"/>
+                        </a:spcBef>
+                        <a:spcAft>
+                          <a:spcPts val="0"/>
+                        </a:spcAft>
+                        <a:buNone/>
+                      </a:pPr>
+                      <a:r>
+                        <a:rPr lang="ru-RU" sz="2000">
+                          <a:solidFill>
+                            <a:schemeClr val="lt1"/>
+                          </a:solidFill>
+                        </a:rPr>
+                        <a:t>Нет</a:t>
+                      </a:r>
+                      <a:endParaRPr sz="2000">
+                        <a:solidFill>
+                          <a:schemeClr val="lt1"/>
+                        </a:solidFill>
+                      </a:endParaRPr>
+                    </a:p>
+                  </a:txBody>
+                  <a:tcPr marL="91425" marR="91425" marT="91425" marB="91425">
+                    <a:lnL w="9525" cap="flat" cmpd="sng">
+                      <a:solidFill>
+                        <a:srgbClr val="888888"/>
+                      </a:solidFill>
+                      <a:prstDash val="solid"/>
+                      <a:round/>
+                      <a:headEnd type="none" w="sm" len="sm"/>
+                      <a:tailEnd type="none" w="sm" len="sm"/>
+                    </a:lnL>
+                    <a:lnR w="9525" cap="flat" cmpd="sng">
+                      <a:solidFill>
+                        <a:srgbClr val="888888"/>
+                      </a:solidFill>
+                      <a:prstDash val="solid"/>
+                      <a:round/>
+                      <a:headEnd type="none" w="sm" len="sm"/>
+                      <a:tailEnd type="none" w="sm" len="sm"/>
+                    </a:lnR>
+                    <a:lnT w="9525" cap="flat" cmpd="sng">
+                      <a:solidFill>
+                        <a:srgbClr val="888888"/>
+                      </a:solidFill>
+                      <a:prstDash val="solid"/>
+                      <a:round/>
+                      <a:headEnd type="none" w="sm" len="sm"/>
+                      <a:tailEnd type="none" w="sm" len="sm"/>
+                    </a:lnT>
+                    <a:lnB w="9525" cap="flat" cmpd="sng">
+                      <a:solidFill>
+                        <a:srgbClr val="888888"/>
+                      </a:solidFill>
+                      <a:prstDash val="solid"/>
+                      <a:round/>
+                      <a:headEnd type="none" w="sm" len="sm"/>
+                      <a:tailEnd type="none" w="sm" len="sm"/>
+                    </a:lnB>
+                    <a:solidFill>
+                      <a:srgbClr val="E06666"/>
+                    </a:solidFill>
+                  </a:tcPr>
+                </a:tc>
+                <a:tc>
+                  <a:txBody>
+                    <a:bodyPr/>
+                    <a:lstStyle/>
+                    <a:p>
+                      <a:pPr marL="0" lvl="0" indent="0" algn="l" rtl="0">
+                        <a:spcBef>
+                          <a:spcPts val="0"/>
+                        </a:spcBef>
+                        <a:spcAft>
+                          <a:spcPts val="0"/>
+                        </a:spcAft>
+                        <a:buNone/>
+                      </a:pPr>
+                      <a:r>
+                        <a:rPr lang="ru-RU" sz="2000">
+                          <a:solidFill>
+                            <a:schemeClr val="lt1"/>
+                          </a:solidFill>
+                        </a:rPr>
+                        <a:t>Нет</a:t>
+                      </a:r>
+                      <a:endParaRPr sz="2000">
+                        <a:solidFill>
+                          <a:schemeClr val="lt1"/>
+                        </a:solidFill>
+                      </a:endParaRPr>
+                    </a:p>
+                  </a:txBody>
+                  <a:tcPr marL="91425" marR="91425" marT="91425" marB="91425">
+                    <a:lnL w="9525" cap="flat" cmpd="sng">
+                      <a:solidFill>
+                        <a:srgbClr val="888888"/>
+                      </a:solidFill>
+                      <a:prstDash val="solid"/>
+                      <a:round/>
+                      <a:headEnd type="none" w="sm" len="sm"/>
+                      <a:tailEnd type="none" w="sm" len="sm"/>
+                    </a:lnL>
+                    <a:lnR w="9525" cap="flat" cmpd="sng">
+                      <a:solidFill>
+                        <a:srgbClr val="888888"/>
+                      </a:solidFill>
+                      <a:prstDash val="solid"/>
+                      <a:round/>
+                      <a:headEnd type="none" w="sm" len="sm"/>
+                      <a:tailEnd type="none" w="sm" len="sm"/>
+                    </a:lnR>
+                    <a:lnT w="9525" cap="flat" cmpd="sng">
+                      <a:solidFill>
+                        <a:srgbClr val="888888"/>
+                      </a:solidFill>
+                      <a:prstDash val="solid"/>
+                      <a:round/>
+                      <a:headEnd type="none" w="sm" len="sm"/>
+                      <a:tailEnd type="none" w="sm" len="sm"/>
+                    </a:lnT>
+                    <a:lnB w="9525" cap="flat" cmpd="sng">
+                      <a:solidFill>
+                        <a:srgbClr val="888888"/>
+                      </a:solidFill>
+                      <a:prstDash val="solid"/>
+                      <a:round/>
+                      <a:headEnd type="none" w="sm" len="sm"/>
+                      <a:tailEnd type="none" w="sm" len="sm"/>
+                    </a:lnB>
+                    <a:solidFill>
+                      <a:srgbClr val="E06666"/>
+                    </a:solidFill>
+                  </a:tcPr>
+                </a:tc>
+                <a:extLst>
+                  <a:ext uri="{0D108BD9-81ED-4DB2-BD59-A6C34878D82A}">
+                    <a16:rowId xmlns:a16="http://schemas.microsoft.com/office/drawing/2014/main" val="10002"/>
+                  </a:ext>
+                </a:extLst>
+              </a:tr>
+              <a:tr h="849786">
+                <a:tc>
+                  <a:txBody>
+                    <a:bodyPr/>
+                    <a:lstStyle/>
+                    <a:p>
+                      <a:pPr marL="0" lvl="0" indent="0" algn="l" rtl="0">
+                        <a:spcBef>
+                          <a:spcPts val="0"/>
+                        </a:spcBef>
+                        <a:spcAft>
+                          <a:spcPts val="0"/>
+                        </a:spcAft>
+                        <a:buNone/>
+                      </a:pPr>
+                      <a:r>
+                        <a:rPr lang="ru-RU" sz="2000" dirty="0"/>
+                        <a:t>Простой пользовательский интерфейс</a:t>
+                      </a:r>
+                      <a:endParaRPr sz="2000" dirty="0"/>
+                    </a:p>
+                  </a:txBody>
+                  <a:tcPr marL="91425" marR="91425" marT="91425" marB="91425">
+                    <a:lnL w="9525" cap="flat" cmpd="sng">
+                      <a:solidFill>
+                        <a:srgbClr val="888888"/>
+                      </a:solidFill>
+                      <a:prstDash val="solid"/>
+                      <a:round/>
+                      <a:headEnd type="none" w="sm" len="sm"/>
+                      <a:tailEnd type="none" w="sm" len="sm"/>
+                    </a:lnL>
+                    <a:lnR w="9525" cap="flat" cmpd="sng">
+                      <a:solidFill>
+                        <a:srgbClr val="888888"/>
+                      </a:solidFill>
+                      <a:prstDash val="solid"/>
+                      <a:round/>
+                      <a:headEnd type="none" w="sm" len="sm"/>
+                      <a:tailEnd type="none" w="sm" len="sm"/>
+                    </a:lnR>
+                    <a:lnT w="9525" cap="flat" cmpd="sng">
+                      <a:solidFill>
+                        <a:srgbClr val="888888"/>
+                      </a:solidFill>
+                      <a:prstDash val="solid"/>
+                      <a:round/>
+                      <a:headEnd type="none" w="sm" len="sm"/>
+                      <a:tailEnd type="none" w="sm" len="sm"/>
+                    </a:lnT>
+                    <a:lnB w="9525" cap="flat" cmpd="sng">
+                      <a:solidFill>
+                        <a:srgbClr val="888888"/>
+                      </a:solidFill>
+                      <a:prstDash val="solid"/>
+                      <a:round/>
+                      <a:headEnd type="none" w="sm" len="sm"/>
+                      <a:tailEnd type="none" w="sm" len="sm"/>
+                    </a:lnB>
+                  </a:tcPr>
+                </a:tc>
+                <a:tc>
+                  <a:txBody>
+                    <a:bodyPr/>
+                    <a:lstStyle/>
+                    <a:p>
+                      <a:pPr marL="0" lvl="0" indent="0" algn="l" rtl="0">
+                        <a:spcBef>
+                          <a:spcPts val="0"/>
+                        </a:spcBef>
+                        <a:spcAft>
+                          <a:spcPts val="0"/>
+                        </a:spcAft>
+                        <a:buNone/>
+                      </a:pPr>
+                      <a:r>
+                        <a:rPr lang="ru-RU" sz="2000">
+                          <a:solidFill>
+                            <a:schemeClr val="lt1"/>
+                          </a:solidFill>
+                        </a:rPr>
+                        <a:t>Да</a:t>
+                      </a:r>
+                      <a:endParaRPr sz="2000">
+                        <a:solidFill>
+                          <a:schemeClr val="lt1"/>
+                        </a:solidFill>
+                      </a:endParaRPr>
+                    </a:p>
+                  </a:txBody>
+                  <a:tcPr marL="91425" marR="91425" marT="91425" marB="91425">
+                    <a:lnL w="9525" cap="flat" cmpd="sng">
+                      <a:solidFill>
+                        <a:srgbClr val="888888"/>
+                      </a:solidFill>
+                      <a:prstDash val="solid"/>
+                      <a:round/>
+                      <a:headEnd type="none" w="sm" len="sm"/>
+                      <a:tailEnd type="none" w="sm" len="sm"/>
+                    </a:lnL>
+                    <a:lnR w="9525" cap="flat" cmpd="sng">
+                      <a:solidFill>
+                        <a:srgbClr val="888888"/>
+                      </a:solidFill>
+                      <a:prstDash val="solid"/>
+                      <a:round/>
+                      <a:headEnd type="none" w="sm" len="sm"/>
+                      <a:tailEnd type="none" w="sm" len="sm"/>
+                    </a:lnR>
+                    <a:lnT w="9525" cap="flat" cmpd="sng">
+                      <a:solidFill>
+                        <a:srgbClr val="888888"/>
+                      </a:solidFill>
+                      <a:prstDash val="solid"/>
+                      <a:round/>
+                      <a:headEnd type="none" w="sm" len="sm"/>
+                      <a:tailEnd type="none" w="sm" len="sm"/>
+                    </a:lnT>
+                    <a:lnB w="9525" cap="flat" cmpd="sng">
+                      <a:solidFill>
+                        <a:srgbClr val="888888"/>
+                      </a:solidFill>
+                      <a:prstDash val="solid"/>
+                      <a:round/>
+                      <a:headEnd type="none" w="sm" len="sm"/>
+                      <a:tailEnd type="none" w="sm" len="sm"/>
+                    </a:lnB>
+                    <a:solidFill>
+                      <a:srgbClr val="93C47D"/>
+                    </a:solidFill>
+                  </a:tcPr>
+                </a:tc>
+                <a:tc>
+                  <a:txBody>
+                    <a:bodyPr/>
+                    <a:lstStyle/>
+                    <a:p>
+                      <a:pPr marL="0" lvl="0" indent="0" algn="l" rtl="0">
+                        <a:spcBef>
+                          <a:spcPts val="0"/>
+                        </a:spcBef>
+                        <a:spcAft>
+                          <a:spcPts val="0"/>
+                        </a:spcAft>
+                        <a:buNone/>
+                      </a:pPr>
+                      <a:r>
+                        <a:rPr lang="ru-RU" sz="2000" dirty="0">
+                          <a:solidFill>
+                            <a:schemeClr val="lt1"/>
+                          </a:solidFill>
+                        </a:rPr>
+                        <a:t>Да</a:t>
+                      </a:r>
+                      <a:endParaRPr sz="2000" dirty="0">
+                        <a:solidFill>
+                          <a:schemeClr val="lt1"/>
+                        </a:solidFill>
+                      </a:endParaRPr>
+                    </a:p>
+                  </a:txBody>
+                  <a:tcPr marL="91425" marR="91425" marT="91425" marB="91425">
+                    <a:lnL w="9525" cap="flat" cmpd="sng">
+                      <a:solidFill>
+                        <a:srgbClr val="888888"/>
+                      </a:solidFill>
+                      <a:prstDash val="solid"/>
+                      <a:round/>
+                      <a:headEnd type="none" w="sm" len="sm"/>
+                      <a:tailEnd type="none" w="sm" len="sm"/>
+                    </a:lnL>
+                    <a:lnR w="9525" cap="flat" cmpd="sng">
+                      <a:solidFill>
+                        <a:srgbClr val="888888"/>
+                      </a:solidFill>
+                      <a:prstDash val="solid"/>
+                      <a:round/>
+                      <a:headEnd type="none" w="sm" len="sm"/>
+                      <a:tailEnd type="none" w="sm" len="sm"/>
+                    </a:lnR>
+                    <a:lnT w="9525" cap="flat" cmpd="sng">
+                      <a:solidFill>
+                        <a:srgbClr val="888888"/>
+                      </a:solidFill>
+                      <a:prstDash val="solid"/>
+                      <a:round/>
+                      <a:headEnd type="none" w="sm" len="sm"/>
+                      <a:tailEnd type="none" w="sm" len="sm"/>
+                    </a:lnT>
+                    <a:lnB w="9525" cap="flat" cmpd="sng">
+                      <a:solidFill>
+                        <a:srgbClr val="888888"/>
+                      </a:solidFill>
+                      <a:prstDash val="solid"/>
+                      <a:round/>
+                      <a:headEnd type="none" w="sm" len="sm"/>
+                      <a:tailEnd type="none" w="sm" len="sm"/>
+                    </a:lnB>
+                    <a:solidFill>
+                      <a:srgbClr val="93C47D"/>
+                    </a:solidFill>
+                  </a:tcPr>
+                </a:tc>
+                <a:tc>
+                  <a:txBody>
+                    <a:bodyPr/>
+                    <a:lstStyle/>
+                    <a:p>
+                      <a:pPr marL="0" lvl="0" indent="0" algn="l" rtl="0">
+                        <a:spcBef>
+                          <a:spcPts val="0"/>
+                        </a:spcBef>
+                        <a:spcAft>
+                          <a:spcPts val="0"/>
+                        </a:spcAft>
+                        <a:buNone/>
+                      </a:pPr>
+                      <a:r>
+                        <a:rPr lang="ru-RU" sz="2000">
+                          <a:solidFill>
+                            <a:schemeClr val="lt1"/>
+                          </a:solidFill>
+                        </a:rPr>
+                        <a:t>Нет</a:t>
+                      </a:r>
+                      <a:endParaRPr sz="2000">
+                        <a:solidFill>
+                          <a:schemeClr val="lt1"/>
+                        </a:solidFill>
+                      </a:endParaRPr>
+                    </a:p>
+                  </a:txBody>
+                  <a:tcPr marL="91425" marR="91425" marT="91425" marB="91425">
+                    <a:lnL w="9525" cap="flat" cmpd="sng">
+                      <a:solidFill>
+                        <a:srgbClr val="888888"/>
+                      </a:solidFill>
+                      <a:prstDash val="solid"/>
+                      <a:round/>
+                      <a:headEnd type="none" w="sm" len="sm"/>
+                      <a:tailEnd type="none" w="sm" len="sm"/>
+                    </a:lnL>
+                    <a:lnR w="9525" cap="flat" cmpd="sng">
+                      <a:solidFill>
+                        <a:srgbClr val="888888"/>
+                      </a:solidFill>
+                      <a:prstDash val="solid"/>
+                      <a:round/>
+                      <a:headEnd type="none" w="sm" len="sm"/>
+                      <a:tailEnd type="none" w="sm" len="sm"/>
+                    </a:lnR>
+                    <a:lnT w="9525" cap="flat" cmpd="sng">
+                      <a:solidFill>
+                        <a:srgbClr val="888888"/>
+                      </a:solidFill>
+                      <a:prstDash val="solid"/>
+                      <a:round/>
+                      <a:headEnd type="none" w="sm" len="sm"/>
+                      <a:tailEnd type="none" w="sm" len="sm"/>
+                    </a:lnT>
+                    <a:lnB w="9525" cap="flat" cmpd="sng">
+                      <a:solidFill>
+                        <a:srgbClr val="888888"/>
+                      </a:solidFill>
+                      <a:prstDash val="solid"/>
+                      <a:round/>
+                      <a:headEnd type="none" w="sm" len="sm"/>
+                      <a:tailEnd type="none" w="sm" len="sm"/>
+                    </a:lnB>
+                    <a:solidFill>
+                      <a:srgbClr val="E06666"/>
+                    </a:solidFill>
+                  </a:tcPr>
+                </a:tc>
+                <a:extLst>
+                  <a:ext uri="{0D108BD9-81ED-4DB2-BD59-A6C34878D82A}">
+                    <a16:rowId xmlns:a16="http://schemas.microsoft.com/office/drawing/2014/main" val="10003"/>
+                  </a:ext>
+                </a:extLst>
+              </a:tr>
+              <a:tr h="911849">
+                <a:tc>
+                  <a:txBody>
+                    <a:bodyPr/>
+                    <a:lstStyle/>
+                    <a:p>
+                      <a:pPr marL="0" lvl="0" indent="0" algn="l" rtl="0">
+                        <a:spcBef>
+                          <a:spcPts val="0"/>
+                        </a:spcBef>
+                        <a:spcAft>
+                          <a:spcPts val="0"/>
+                        </a:spcAft>
+                        <a:buNone/>
+                      </a:pPr>
+                      <a:r>
+                        <a:rPr lang="ru-RU" sz="2000"/>
+                        <a:t>Большой набор инструментов</a:t>
+                      </a:r>
+                      <a:endParaRPr sz="2000"/>
+                    </a:p>
+                  </a:txBody>
+                  <a:tcPr marL="91425" marR="91425" marT="91425" marB="91425">
+                    <a:lnL w="9525" cap="flat" cmpd="sng">
+                      <a:solidFill>
+                        <a:srgbClr val="888888"/>
+                      </a:solidFill>
+                      <a:prstDash val="solid"/>
+                      <a:round/>
+                      <a:headEnd type="none" w="sm" len="sm"/>
+                      <a:tailEnd type="none" w="sm" len="sm"/>
+                    </a:lnL>
+                    <a:lnR w="9525" cap="flat" cmpd="sng">
+                      <a:solidFill>
+                        <a:srgbClr val="888888"/>
+                      </a:solidFill>
+                      <a:prstDash val="solid"/>
+                      <a:round/>
+                      <a:headEnd type="none" w="sm" len="sm"/>
+                      <a:tailEnd type="none" w="sm" len="sm"/>
+                    </a:lnR>
+                    <a:lnT w="9525" cap="flat" cmpd="sng">
+                      <a:solidFill>
+                        <a:srgbClr val="888888"/>
+                      </a:solidFill>
+                      <a:prstDash val="solid"/>
+                      <a:round/>
+                      <a:headEnd type="none" w="sm" len="sm"/>
+                      <a:tailEnd type="none" w="sm" len="sm"/>
+                    </a:lnT>
+                    <a:lnB w="9525" cap="flat" cmpd="sng">
+                      <a:solidFill>
+                        <a:srgbClr val="888888"/>
+                      </a:solidFill>
+                      <a:prstDash val="solid"/>
+                      <a:round/>
+                      <a:headEnd type="none" w="sm" len="sm"/>
+                      <a:tailEnd type="none" w="sm" len="sm"/>
+                    </a:lnB>
+                  </a:tcPr>
+                </a:tc>
+                <a:tc>
+                  <a:txBody>
+                    <a:bodyPr/>
+                    <a:lstStyle/>
+                    <a:p>
+                      <a:pPr marL="0" lvl="0" indent="0" algn="l" rtl="0">
+                        <a:spcBef>
+                          <a:spcPts val="0"/>
+                        </a:spcBef>
+                        <a:spcAft>
+                          <a:spcPts val="0"/>
+                        </a:spcAft>
+                        <a:buNone/>
+                      </a:pPr>
+                      <a:r>
+                        <a:rPr lang="ru-RU" sz="2000">
+                          <a:solidFill>
+                            <a:schemeClr val="lt1"/>
+                          </a:solidFill>
+                        </a:rPr>
+                        <a:t>Нет</a:t>
+                      </a:r>
+                      <a:endParaRPr sz="2000">
+                        <a:solidFill>
+                          <a:schemeClr val="lt1"/>
+                        </a:solidFill>
+                      </a:endParaRPr>
+                    </a:p>
+                  </a:txBody>
+                  <a:tcPr marL="91425" marR="91425" marT="91425" marB="91425">
+                    <a:lnL w="9525" cap="flat" cmpd="sng">
+                      <a:solidFill>
+                        <a:srgbClr val="888888"/>
+                      </a:solidFill>
+                      <a:prstDash val="solid"/>
+                      <a:round/>
+                      <a:headEnd type="none" w="sm" len="sm"/>
+                      <a:tailEnd type="none" w="sm" len="sm"/>
+                    </a:lnL>
+                    <a:lnR w="9525" cap="flat" cmpd="sng">
+                      <a:solidFill>
+                        <a:srgbClr val="888888"/>
+                      </a:solidFill>
+                      <a:prstDash val="solid"/>
+                      <a:round/>
+                      <a:headEnd type="none" w="sm" len="sm"/>
+                      <a:tailEnd type="none" w="sm" len="sm"/>
+                    </a:lnR>
+                    <a:lnT w="9525" cap="flat" cmpd="sng">
+                      <a:solidFill>
+                        <a:srgbClr val="888888"/>
+                      </a:solidFill>
+                      <a:prstDash val="solid"/>
+                      <a:round/>
+                      <a:headEnd type="none" w="sm" len="sm"/>
+                      <a:tailEnd type="none" w="sm" len="sm"/>
+                    </a:lnT>
+                    <a:lnB w="9525" cap="flat" cmpd="sng">
+                      <a:solidFill>
+                        <a:srgbClr val="888888"/>
+                      </a:solidFill>
+                      <a:prstDash val="solid"/>
+                      <a:round/>
+                      <a:headEnd type="none" w="sm" len="sm"/>
+                      <a:tailEnd type="none" w="sm" len="sm"/>
+                    </a:lnB>
+                    <a:solidFill>
+                      <a:srgbClr val="E06666"/>
+                    </a:solidFill>
+                  </a:tcPr>
+                </a:tc>
+                <a:tc>
+                  <a:txBody>
+                    <a:bodyPr/>
+                    <a:lstStyle/>
+                    <a:p>
+                      <a:pPr marL="0" lvl="0" indent="0" algn="l" rtl="0">
+                        <a:spcBef>
+                          <a:spcPts val="0"/>
+                        </a:spcBef>
+                        <a:spcAft>
+                          <a:spcPts val="0"/>
+                        </a:spcAft>
+                        <a:buNone/>
+                      </a:pPr>
+                      <a:r>
+                        <a:rPr lang="ru-RU" sz="2000">
+                          <a:solidFill>
+                            <a:schemeClr val="lt1"/>
+                          </a:solidFill>
+                        </a:rPr>
+                        <a:t>Да</a:t>
+                      </a:r>
+                      <a:endParaRPr sz="2000">
+                        <a:solidFill>
+                          <a:schemeClr val="lt1"/>
+                        </a:solidFill>
+                      </a:endParaRPr>
+                    </a:p>
+                  </a:txBody>
+                  <a:tcPr marL="91425" marR="91425" marT="91425" marB="91425">
+                    <a:lnL w="9525" cap="flat" cmpd="sng">
+                      <a:solidFill>
+                        <a:srgbClr val="888888"/>
+                      </a:solidFill>
+                      <a:prstDash val="solid"/>
+                      <a:round/>
+                      <a:headEnd type="none" w="sm" len="sm"/>
+                      <a:tailEnd type="none" w="sm" len="sm"/>
+                    </a:lnL>
+                    <a:lnR w="9525" cap="flat" cmpd="sng">
+                      <a:solidFill>
+                        <a:srgbClr val="888888"/>
+                      </a:solidFill>
+                      <a:prstDash val="solid"/>
+                      <a:round/>
+                      <a:headEnd type="none" w="sm" len="sm"/>
+                      <a:tailEnd type="none" w="sm" len="sm"/>
+                    </a:lnR>
+                    <a:lnT w="9525" cap="flat" cmpd="sng">
+                      <a:solidFill>
+                        <a:srgbClr val="888888"/>
+                      </a:solidFill>
+                      <a:prstDash val="solid"/>
+                      <a:round/>
+                      <a:headEnd type="none" w="sm" len="sm"/>
+                      <a:tailEnd type="none" w="sm" len="sm"/>
+                    </a:lnT>
+                    <a:lnB w="9525" cap="flat" cmpd="sng">
+                      <a:solidFill>
+                        <a:srgbClr val="888888"/>
+                      </a:solidFill>
+                      <a:prstDash val="solid"/>
+                      <a:round/>
+                      <a:headEnd type="none" w="sm" len="sm"/>
+                      <a:tailEnd type="none" w="sm" len="sm"/>
+                    </a:lnB>
+                    <a:solidFill>
+                      <a:srgbClr val="93C47D"/>
+                    </a:solidFill>
+                  </a:tcPr>
+                </a:tc>
+                <a:tc>
+                  <a:txBody>
+                    <a:bodyPr/>
+                    <a:lstStyle/>
+                    <a:p>
+                      <a:pPr marL="0" lvl="0" indent="0" algn="l" rtl="0">
+                        <a:spcBef>
+                          <a:spcPts val="0"/>
+                        </a:spcBef>
+                        <a:spcAft>
+                          <a:spcPts val="0"/>
+                        </a:spcAft>
+                        <a:buNone/>
+                      </a:pPr>
+                      <a:r>
+                        <a:rPr lang="ru-RU" sz="2000" dirty="0">
+                          <a:solidFill>
+                            <a:schemeClr val="lt1"/>
+                          </a:solidFill>
+                        </a:rPr>
+                        <a:t>Да</a:t>
+                      </a:r>
+                      <a:endParaRPr sz="2000" dirty="0">
+                        <a:solidFill>
+                          <a:schemeClr val="lt1"/>
+                        </a:solidFill>
+                      </a:endParaRPr>
+                    </a:p>
+                  </a:txBody>
+                  <a:tcPr marL="91425" marR="91425" marT="91425" marB="91425">
+                    <a:lnL w="9525" cap="flat" cmpd="sng">
+                      <a:solidFill>
+                        <a:srgbClr val="888888"/>
+                      </a:solidFill>
+                      <a:prstDash val="solid"/>
+                      <a:round/>
+                      <a:headEnd type="none" w="sm" len="sm"/>
+                      <a:tailEnd type="none" w="sm" len="sm"/>
+                    </a:lnL>
+                    <a:lnR w="9525" cap="flat" cmpd="sng">
+                      <a:solidFill>
+                        <a:srgbClr val="888888"/>
+                      </a:solidFill>
+                      <a:prstDash val="solid"/>
+                      <a:round/>
+                      <a:headEnd type="none" w="sm" len="sm"/>
+                      <a:tailEnd type="none" w="sm" len="sm"/>
+                    </a:lnR>
+                    <a:lnT w="9525" cap="flat" cmpd="sng">
+                      <a:solidFill>
+                        <a:srgbClr val="888888"/>
+                      </a:solidFill>
+                      <a:prstDash val="solid"/>
+                      <a:round/>
+                      <a:headEnd type="none" w="sm" len="sm"/>
+                      <a:tailEnd type="none" w="sm" len="sm"/>
+                    </a:lnT>
+                    <a:lnB w="9525" cap="flat" cmpd="sng">
+                      <a:solidFill>
+                        <a:srgbClr val="888888"/>
+                      </a:solidFill>
+                      <a:prstDash val="solid"/>
+                      <a:round/>
+                      <a:headEnd type="none" w="sm" len="sm"/>
+                      <a:tailEnd type="none" w="sm" len="sm"/>
+                    </a:lnB>
+                    <a:solidFill>
+                      <a:srgbClr val="93C47D"/>
+                    </a:solidFill>
+                  </a:tcPr>
+                </a:tc>
+                <a:extLst>
+                  <a:ext uri="{0D108BD9-81ED-4DB2-BD59-A6C34878D82A}">
+                    <a16:rowId xmlns:a16="http://schemas.microsoft.com/office/drawing/2014/main" val="10004"/>
+                  </a:ext>
+                </a:extLst>
+              </a:tr>
+            </a:tbl>
           </a:graphicData>
         </a:graphic>
       </p:graphicFrame>
-      <p:sp>
-        <p:nvSpPr>
-          <p:cNvPr id="5" name="Slide Number Placeholder 4">
-            <a:extLst>
-              <a:ext uri="{FF2B5EF4-FFF2-40B4-BE49-F238E27FC236}">
-                <a16:creationId xmlns:a16="http://schemas.microsoft.com/office/drawing/2014/main" id="{6CA054F1-4D2E-4FB9-9039-71F563F66126}"/>
-              </a:ext>
-            </a:extLst>
-          </p:cNvPr>
-          <p:cNvSpPr>
-            <a:spLocks noGrp="1"/>
-          </p:cNvSpPr>
-          <p:nvPr>
-            <p:ph type="sldNum" sz="quarter" idx="12"/>
-          </p:nvPr>
-        </p:nvSpPr>
-        <p:spPr/>
-        <p:txBody>
-          <a:bodyPr/>
-          <a:lstStyle/>
-          <a:p>
-            <a:fld id="{30063567-F01A-454D-AAAD-56574FBFC9A6}" type="slidenum">
-              <a:rPr lang="ru-RU" smtClean="0"/>
-              <a:t>4</a:t>
-            </a:fld>
-            <a:endParaRPr lang="ru-RU"/>
-          </a:p>
-        </p:txBody>
-      </p:sp>
     </p:spTree>
-    <p:extLst>
-      <p:ext uri="{BB962C8B-B14F-4D97-AF65-F5344CB8AC3E}">
-        <p14:creationId xmlns:p14="http://schemas.microsoft.com/office/powerpoint/2010/main" val="2425947429"/>
-      </p:ext>
-    </p:extLst>
   </p:cSld>
   <p:clrMapOvr>
     <a:masterClrMapping/>
@@ -4688,7 +6877,28 @@
                   </a:schemeClr>
                 </a:solidFill>
               </a:rPr>
-              <a:t>Одна из осных целей нашего проекта – написание движка для работы с визуалом на всех основных платформах (</a:t>
+              <a:t>Одна из осных целей </a:t>
+            </a:r>
+            <a:r>
+              <a:rPr lang="ru-RU" sz="2400" dirty="0">
+                <a:solidFill>
+                  <a:schemeClr val="bg2">
+                    <a:lumMod val="25000"/>
+                  </a:schemeClr>
+                </a:solidFill>
+              </a:rPr>
+              <a:t>нашего</a:t>
+            </a:r>
+            <a:r>
+              <a:rPr lang="ru-RU" sz="2400" dirty="0">
+                <a:solidFill>
+                  <a:schemeClr val="tx1">
+                    <a:lumMod val="75000"/>
+                    <a:lumOff val="25000"/>
+                  </a:schemeClr>
+                </a:solidFill>
+              </a:rPr>
+              <a:t> проекта – написание движка для работы с визуалом на всех основных платформах (</a:t>
             </a:r>
             <a:r>
               <a:rPr lang="en-US" sz="2400" dirty="0">
@@ -5079,7 +7289,7 @@
         </p:nvSpPr>
         <p:spPr>
           <a:xfrm>
-            <a:off x="245533" y="1759348"/>
+            <a:off x="3048000" y="1864414"/>
             <a:ext cx="6096000" cy="1669652"/>
           </a:xfrm>
           <a:prstGeom prst="roundRect">
@@ -5095,9 +7305,8 @@
           </a:solidFill>
           <a:ln>
             <a:solidFill>
-              <a:schemeClr val="accent1">
-                <a:lumMod val="40000"/>
-                <a:lumOff val="60000"/>
+              <a:schemeClr val="bg2">
+                <a:lumMod val="75000"/>
               </a:schemeClr>
             </a:solidFill>
           </a:ln>
@@ -5184,8 +7393,8 @@
         </p:nvSpPr>
         <p:spPr>
           <a:xfrm>
-            <a:off x="5892800" y="4083448"/>
-            <a:ext cx="6096000" cy="2638027"/>
+            <a:off x="1844646" y="3894387"/>
+            <a:ext cx="8502708" cy="2539970"/>
           </a:xfrm>
           <a:prstGeom prst="roundRect">
             <a:avLst>
@@ -5200,9 +7409,8 @@
           </a:solidFill>
           <a:ln>
             <a:solidFill>
-              <a:schemeClr val="accent1">
-                <a:lumMod val="40000"/>
-                <a:lumOff val="60000"/>
+              <a:schemeClr val="bg2">
+                <a:lumMod val="75000"/>
               </a:schemeClr>
             </a:solidFill>
           </a:ln>
@@ -5292,7 +7500,7 @@
                   </a:schemeClr>
                 </a:solidFill>
               </a:rPr>
-              <a:t>Выполняет все инструкции, которые пользователь задал в методе обновления сцены и рисует все видимые объекты (примитивы</a:t>
+              <a:t>Создает все заданные сцены и выполняет все инструкции, которые пользователь задал в методе обновления сцены и рисует все видимые объекты (примитивы</a:t>
             </a:r>
             <a:r>
               <a:rPr lang="en-US" dirty="0">
@@ -5331,80 +7539,54 @@
                   </a:schemeClr>
                 </a:solidFill>
               </a:rPr>
-              <a:t>Выполняет вышеуказанные 2 пункта для всех созданных сцен (обычно работаем с одной сценой)</a:t>
+              <a:t>Выполняет вышеуказанные пункт для всех созданных сцен (обычно работаем с одной сценой)</a:t>
             </a:r>
           </a:p>
         </p:txBody>
       </p:sp>
-      <p:sp>
-        <p:nvSpPr>
-          <p:cNvPr id="16" name="Arrow: Bent 15">
+      <p:cxnSp>
+        <p:nvCxnSpPr>
+          <p:cNvPr id="25" name="Straight Arrow Connector 24">
             <a:extLst>
               <a:ext uri="{FF2B5EF4-FFF2-40B4-BE49-F238E27FC236}">
-                <a16:creationId xmlns:a16="http://schemas.microsoft.com/office/drawing/2014/main" id="{8E1EC518-D79E-49E6-BB87-9C75D0F08250}"/>
+                <a16:creationId xmlns:a16="http://schemas.microsoft.com/office/drawing/2014/main" id="{F4C06310-9720-4A6F-8106-5E61ACCFB188}"/>
               </a:ext>
             </a:extLst>
           </p:cNvPr>
-          <p:cNvSpPr/>
+          <p:cNvCxnSpPr>
+            <a:cxnSpLocks/>
+            <a:stCxn id="5" idx="2"/>
+            <a:endCxn id="8" idx="0"/>
+          </p:cNvCxnSpPr>
           <p:nvPr/>
-        </p:nvSpPr>
+        </p:nvCxnSpPr>
         <p:spPr>
-          <a:xfrm flipV="1">
-            <a:off x="3124200" y="3429000"/>
-            <a:ext cx="2768600" cy="2294467"/>
+          <a:xfrm>
+            <a:off x="6096000" y="3534066"/>
+            <a:ext cx="0" cy="360321"/>
           </a:xfrm>
-          <a:prstGeom prst="bentArrow">
-            <a:avLst>
-              <a:gd name="adj1" fmla="val 11239"/>
-              <a:gd name="adj2" fmla="val 9716"/>
-              <a:gd name="adj3" fmla="val 10108"/>
-              <a:gd name="adj4" fmla="val 25473"/>
-            </a:avLst>
+          <a:prstGeom prst="straightConnector1">
+            <a:avLst/>
           </a:prstGeom>
-          <a:solidFill>
-            <a:schemeClr val="accent1">
-              <a:lumMod val="40000"/>
-              <a:lumOff val="60000"/>
-            </a:schemeClr>
-          </a:solidFill>
           <a:ln>
-            <a:solidFill>
-              <a:schemeClr val="accent1">
-                <a:lumMod val="40000"/>
-                <a:lumOff val="60000"/>
-              </a:schemeClr>
-            </a:solidFill>
+            <a:tailEnd type="triangle"/>
           </a:ln>
         </p:spPr>
         <p:style>
-          <a:lnRef idx="2">
-            <a:schemeClr val="accent1">
-              <a:shade val="50000"/>
-            </a:schemeClr>
+          <a:lnRef idx="1">
+            <a:schemeClr val="accent1"/>
           </a:lnRef>
-          <a:fillRef idx="1">
+          <a:fillRef idx="0">
             <a:schemeClr val="accent1"/>
           </a:fillRef>
           <a:effectRef idx="0">
             <a:schemeClr val="accent1"/>
           </a:effectRef>
           <a:fontRef idx="minor">
-            <a:schemeClr val="lt1"/>
+            <a:schemeClr val="tx1"/>
           </a:fontRef>
         </p:style>
-        <p:txBody>
-          <a:bodyPr rtlCol="0" anchor="ctr"/>
-          <a:lstStyle/>
-          <a:p>
-            <a:pPr algn="ctr"/>
-            <a:endParaRPr lang="ru-RU">
-              <a:solidFill>
-                <a:schemeClr val="tx1"/>
-              </a:solidFill>
-            </a:endParaRPr>
-          </a:p>
-        </p:txBody>
-      </p:sp>
+      </p:cxnSp>
     </p:spTree>
     <p:extLst>
       <p:ext uri="{BB962C8B-B14F-4D97-AF65-F5344CB8AC3E}">
@@ -5496,7 +7678,7 @@
               <a:rPr lang="ru-RU" smtClean="0"/>
               <a:t>7</a:t>
             </a:fld>
-            <a:endParaRPr lang="ru-RU"/>
+            <a:endParaRPr lang="ru-RU" dirty="0"/>
           </a:p>
         </p:txBody>
       </p:sp>
@@ -5514,8 +7696,8 @@
         </p:nvSpPr>
         <p:spPr>
           <a:xfrm>
-            <a:off x="270934" y="1759348"/>
-            <a:ext cx="5664199" cy="1102385"/>
+            <a:off x="606495" y="1577541"/>
+            <a:ext cx="3478944" cy="625316"/>
           </a:xfrm>
           <a:prstGeom prst="roundRect">
             <a:avLst>
@@ -5530,9 +7712,8 @@
           </a:solidFill>
           <a:ln>
             <a:solidFill>
-              <a:schemeClr val="accent1">
-                <a:lumMod val="40000"/>
-                <a:lumOff val="60000"/>
+              <a:schemeClr val="bg2">
+                <a:lumMod val="75000"/>
               </a:schemeClr>
             </a:solidFill>
           </a:ln>
@@ -5558,7 +7739,7 @@
           <a:lstStyle/>
           <a:p>
             <a:r>
-              <a:rPr lang="ru-RU" b="1" dirty="0">
+              <a:rPr lang="ru-RU" sz="1400" b="1" dirty="0">
                 <a:solidFill>
                   <a:schemeClr val="tx1">
                     <a:lumMod val="65000"/>
@@ -5569,7 +7750,7 @@
               <a:t>Рендер</a:t>
             </a:r>
             <a:r>
-              <a:rPr lang="ru-RU" dirty="0">
+              <a:rPr lang="ru-RU" sz="1400" dirty="0">
                 <a:solidFill>
                   <a:schemeClr val="tx1">
                     <a:lumMod val="65000"/>
@@ -5577,7 +7758,18 @@
                   </a:schemeClr>
                 </a:solidFill>
               </a:rPr>
-              <a:t>: класс который создает окно, обрабатывает все колбэки, считает глобальные переменные и запускает обработку всех созданных сцен</a:t>
+              <a:t>: </a:t>
+            </a:r>
+            <a:r>
+              <a:rPr lang="ru-RU" sz="1050" dirty="0">
+                <a:solidFill>
+                  <a:schemeClr val="tx1">
+                    <a:lumMod val="65000"/>
+                    <a:lumOff val="35000"/>
+                  </a:schemeClr>
+                </a:solidFill>
+              </a:rPr>
+              <a:t>класс который создает окно, обрабатывает все колбэки, считает глобальные переменные и запускает обработку всех созданных сцен</a:t>
             </a:r>
           </a:p>
         </p:txBody>
@@ -5596,8 +7788,8 @@
         </p:nvSpPr>
         <p:spPr>
           <a:xfrm>
-            <a:off x="270934" y="3159392"/>
-            <a:ext cx="5664199" cy="1517252"/>
+            <a:off x="606496" y="2523314"/>
+            <a:ext cx="3478944" cy="951250"/>
           </a:xfrm>
           <a:prstGeom prst="roundRect">
             <a:avLst>
@@ -5612,9 +7804,8 @@
           </a:solidFill>
           <a:ln>
             <a:solidFill>
-              <a:schemeClr val="accent1">
-                <a:lumMod val="40000"/>
-                <a:lumOff val="60000"/>
+              <a:schemeClr val="bg2">
+                <a:lumMod val="75000"/>
               </a:schemeClr>
             </a:solidFill>
           </a:ln>
@@ -5640,7 +7831,7 @@
           <a:lstStyle/>
           <a:p>
             <a:r>
-              <a:rPr lang="ru-RU" b="1" dirty="0">
+              <a:rPr lang="ru-RU" sz="1400" b="1" dirty="0">
                 <a:solidFill>
                   <a:schemeClr val="tx1">
                     <a:lumMod val="65000"/>
@@ -5651,7 +7842,7 @@
               <a:t>Сцена</a:t>
             </a:r>
             <a:r>
-              <a:rPr lang="ru-RU" dirty="0">
+              <a:rPr lang="ru-RU" sz="1200" dirty="0">
                 <a:solidFill>
                   <a:schemeClr val="tx1">
                     <a:lumMod val="65000"/>
@@ -5659,17 +7850,1703 @@
                   </a:schemeClr>
                 </a:solidFill>
               </a:rPr>
-              <a:t>: класс который является связующей точкой между движком и пользователем программистом, предоставляет весь функционал по взаимодействию с ресурсами рендера (создание, хранение, отрисовка, удаление)</a:t>
+              <a:t>: </a:t>
+            </a:r>
+            <a:r>
+              <a:rPr lang="ru-RU" sz="1050" dirty="0">
+                <a:solidFill>
+                  <a:schemeClr val="tx1">
+                    <a:lumMod val="65000"/>
+                    <a:lumOff val="35000"/>
+                  </a:schemeClr>
+                </a:solidFill>
+              </a:rPr>
+              <a:t>класс который является связующей точкой между движком и пользователем программистом, предоставляет весь функционал по взаимодействию с ресурсами рендера (создание, хранение, отрисовка, удаление)</a:t>
             </a:r>
           </a:p>
         </p:txBody>
       </p:sp>
+      <p:grpSp>
+        <p:nvGrpSpPr>
+          <p:cNvPr id="33" name="Group 32">
+            <a:extLst>
+              <a:ext uri="{FF2B5EF4-FFF2-40B4-BE49-F238E27FC236}">
+                <a16:creationId xmlns:a16="http://schemas.microsoft.com/office/drawing/2014/main" id="{00B0AF9B-8906-46E4-AEA7-D9CB454DDFCF}"/>
+              </a:ext>
+            </a:extLst>
+          </p:cNvPr>
+          <p:cNvGrpSpPr/>
+          <p:nvPr/>
+        </p:nvGrpSpPr>
+        <p:grpSpPr>
+          <a:xfrm>
+            <a:off x="4906470" y="2239628"/>
+            <a:ext cx="7014556" cy="4469441"/>
+            <a:chOff x="3867325" y="2325641"/>
+            <a:chExt cx="7014556" cy="4469441"/>
+          </a:xfrm>
+        </p:grpSpPr>
+        <p:sp>
+          <p:nvSpPr>
+            <p:cNvPr id="29" name="Rectangle: Rounded Corners 28">
+              <a:extLst>
+                <a:ext uri="{FF2B5EF4-FFF2-40B4-BE49-F238E27FC236}">
+                  <a16:creationId xmlns:a16="http://schemas.microsoft.com/office/drawing/2014/main" id="{15F1E904-A2B7-4905-BCE0-9842A548069A}"/>
+                </a:ext>
+              </a:extLst>
+            </p:cNvPr>
+            <p:cNvSpPr/>
+            <p:nvPr/>
+          </p:nvSpPr>
+          <p:spPr>
+            <a:xfrm>
+              <a:off x="3867325" y="2325641"/>
+              <a:ext cx="7014556" cy="4469441"/>
+            </a:xfrm>
+            <a:prstGeom prst="roundRect">
+              <a:avLst>
+                <a:gd name="adj" fmla="val 4437"/>
+              </a:avLst>
+            </a:prstGeom>
+            <a:solidFill>
+              <a:schemeClr val="accent1">
+                <a:lumMod val="20000"/>
+                <a:lumOff val="80000"/>
+              </a:schemeClr>
+            </a:solidFill>
+            <a:ln>
+              <a:solidFill>
+                <a:schemeClr val="bg2">
+                  <a:lumMod val="50000"/>
+                </a:schemeClr>
+              </a:solidFill>
+            </a:ln>
+          </p:spPr>
+          <p:style>
+            <a:lnRef idx="2">
+              <a:schemeClr val="accent1">
+                <a:shade val="50000"/>
+              </a:schemeClr>
+            </a:lnRef>
+            <a:fillRef idx="1">
+              <a:schemeClr val="accent1"/>
+            </a:fillRef>
+            <a:effectRef idx="0">
+              <a:schemeClr val="accent1"/>
+            </a:effectRef>
+            <a:fontRef idx="minor">
+              <a:schemeClr val="lt1"/>
+            </a:fontRef>
+          </p:style>
+          <p:txBody>
+            <a:bodyPr rtlCol="0" anchor="ctr"/>
+            <a:lstStyle/>
+            <a:p>
+              <a:pPr algn="ctr"/>
+              <a:endParaRPr lang="ru-RU">
+                <a:ln>
+                  <a:solidFill>
+                    <a:schemeClr val="bg2">
+                      <a:lumMod val="50000"/>
+                    </a:schemeClr>
+                  </a:solidFill>
+                </a:ln>
+              </a:endParaRPr>
+            </a:p>
+          </p:txBody>
+        </p:sp>
+        <p:sp>
+          <p:nvSpPr>
+            <p:cNvPr id="23" name="TextBox 22">
+              <a:extLst>
+                <a:ext uri="{FF2B5EF4-FFF2-40B4-BE49-F238E27FC236}">
+                  <a16:creationId xmlns:a16="http://schemas.microsoft.com/office/drawing/2014/main" id="{D895D71E-E824-46DD-A51A-24D04CE050CC}"/>
+                </a:ext>
+              </a:extLst>
+            </p:cNvPr>
+            <p:cNvSpPr txBox="1"/>
+            <p:nvPr/>
+          </p:nvSpPr>
+          <p:spPr>
+            <a:xfrm>
+              <a:off x="7122253" y="3984771"/>
+              <a:ext cx="629175" cy="369332"/>
+            </a:xfrm>
+            <a:prstGeom prst="rect">
+              <a:avLst/>
+            </a:prstGeom>
+            <a:noFill/>
+          </p:spPr>
+          <p:txBody>
+            <a:bodyPr wrap="square" rtlCol="0">
+              <a:spAutoFit/>
+            </a:bodyPr>
+            <a:lstStyle/>
+            <a:p>
+              <a:endParaRPr lang="ru-RU" dirty="0"/>
+            </a:p>
+          </p:txBody>
+        </p:sp>
+        <p:grpSp>
+          <p:nvGrpSpPr>
+            <p:cNvPr id="27" name="Group 26">
+              <a:extLst>
+                <a:ext uri="{FF2B5EF4-FFF2-40B4-BE49-F238E27FC236}">
+                  <a16:creationId xmlns:a16="http://schemas.microsoft.com/office/drawing/2014/main" id="{14472F7F-F0FE-4D95-8D3B-B0D79493BD6C}"/>
+                </a:ext>
+              </a:extLst>
+            </p:cNvPr>
+            <p:cNvGrpSpPr/>
+            <p:nvPr/>
+          </p:nvGrpSpPr>
+          <p:grpSpPr>
+            <a:xfrm>
+              <a:off x="3963333" y="3238596"/>
+              <a:ext cx="3231198" cy="2272289"/>
+              <a:chOff x="2880183" y="2494226"/>
+              <a:chExt cx="3231198" cy="2341613"/>
+            </a:xfrm>
+          </p:grpSpPr>
+          <p:sp>
+            <p:nvSpPr>
+              <p:cNvPr id="16" name="Rectangle: Rounded Corners 15">
+                <a:extLst>
+                  <a:ext uri="{FF2B5EF4-FFF2-40B4-BE49-F238E27FC236}">
+                    <a16:creationId xmlns:a16="http://schemas.microsoft.com/office/drawing/2014/main" id="{CC1BE708-7C0C-4833-979C-09CCE3E71F74}"/>
+                  </a:ext>
+                </a:extLst>
+              </p:cNvPr>
+              <p:cNvSpPr/>
+              <p:nvPr/>
+            </p:nvSpPr>
+            <p:spPr>
+              <a:xfrm>
+                <a:off x="2880183" y="2511630"/>
+                <a:ext cx="3231198" cy="2324209"/>
+              </a:xfrm>
+              <a:prstGeom prst="roundRect">
+                <a:avLst>
+                  <a:gd name="adj" fmla="val 6555"/>
+                </a:avLst>
+              </a:prstGeom>
+              <a:solidFill>
+                <a:schemeClr val="accent1">
+                  <a:lumMod val="20000"/>
+                  <a:lumOff val="80000"/>
+                </a:schemeClr>
+              </a:solidFill>
+              <a:ln>
+                <a:solidFill>
+                  <a:schemeClr val="tx1">
+                    <a:lumMod val="50000"/>
+                    <a:lumOff val="50000"/>
+                  </a:schemeClr>
+                </a:solidFill>
+              </a:ln>
+            </p:spPr>
+            <p:style>
+              <a:lnRef idx="2">
+                <a:schemeClr val="accent1">
+                  <a:shade val="50000"/>
+                </a:schemeClr>
+              </a:lnRef>
+              <a:fillRef idx="1">
+                <a:schemeClr val="accent1"/>
+              </a:fillRef>
+              <a:effectRef idx="0">
+                <a:schemeClr val="accent1"/>
+              </a:effectRef>
+              <a:fontRef idx="minor">
+                <a:schemeClr val="lt1"/>
+              </a:fontRef>
+            </p:style>
+            <p:txBody>
+              <a:bodyPr rtlCol="0" anchor="ctr"/>
+              <a:lstStyle/>
+              <a:p>
+                <a:pPr algn="ctr"/>
+                <a:endParaRPr lang="ru-RU"/>
+              </a:p>
+            </p:txBody>
+          </p:sp>
+          <p:sp>
+            <p:nvSpPr>
+              <p:cNvPr id="7" name="Rectangle: Rounded Corners 6">
+                <a:extLst>
+                  <a:ext uri="{FF2B5EF4-FFF2-40B4-BE49-F238E27FC236}">
+                    <a16:creationId xmlns:a16="http://schemas.microsoft.com/office/drawing/2014/main" id="{14C5DC99-6A45-43DF-B616-C81D007E7C70}"/>
+                  </a:ext>
+                </a:extLst>
+              </p:cNvPr>
+              <p:cNvSpPr/>
+              <p:nvPr/>
+            </p:nvSpPr>
+            <p:spPr>
+              <a:xfrm>
+                <a:off x="2984501" y="2841667"/>
+                <a:ext cx="3022600" cy="718663"/>
+              </a:xfrm>
+              <a:prstGeom prst="roundRect">
+                <a:avLst>
+                  <a:gd name="adj" fmla="val 6893"/>
+                </a:avLst>
+              </a:prstGeom>
+              <a:solidFill>
+                <a:schemeClr val="accent1">
+                  <a:lumMod val="40000"/>
+                  <a:lumOff val="60000"/>
+                </a:schemeClr>
+              </a:solidFill>
+              <a:ln>
+                <a:solidFill>
+                  <a:schemeClr val="bg2">
+                    <a:lumMod val="75000"/>
+                  </a:schemeClr>
+                </a:solidFill>
+              </a:ln>
+            </p:spPr>
+            <p:style>
+              <a:lnRef idx="2">
+                <a:schemeClr val="accent1">
+                  <a:shade val="50000"/>
+                </a:schemeClr>
+              </a:lnRef>
+              <a:fillRef idx="1">
+                <a:schemeClr val="accent1"/>
+              </a:fillRef>
+              <a:effectRef idx="0">
+                <a:schemeClr val="accent1"/>
+              </a:effectRef>
+              <a:fontRef idx="minor">
+                <a:schemeClr val="lt1"/>
+              </a:fontRef>
+            </p:style>
+            <p:txBody>
+              <a:bodyPr rtlCol="0" anchor="ctr"/>
+              <a:lstStyle/>
+              <a:p>
+                <a:r>
+                  <a:rPr lang="ru-RU" sz="1050" b="1" dirty="0">
+                    <a:solidFill>
+                      <a:schemeClr val="tx1">
+                        <a:lumMod val="65000"/>
+                        <a:lumOff val="35000"/>
+                      </a:schemeClr>
+                    </a:solidFill>
+                  </a:rPr>
+                  <a:t>Примитив</a:t>
+                </a:r>
+                <a:r>
+                  <a:rPr lang="ru-RU" sz="1050" dirty="0">
+                    <a:solidFill>
+                      <a:schemeClr val="tx1">
+                        <a:lumMod val="65000"/>
+                        <a:lumOff val="35000"/>
+                      </a:schemeClr>
+                    </a:solidFill>
+                  </a:rPr>
+                  <a:t>: ресурс содержащий внутри себя вершинный массив, шейдер, матрицу всех стандартных преобразований + методы настроек всех этих полей</a:t>
+                </a:r>
+              </a:p>
+            </p:txBody>
+          </p:sp>
+          <p:sp>
+            <p:nvSpPr>
+              <p:cNvPr id="8" name="Rectangle: Rounded Corners 7">
+                <a:extLst>
+                  <a:ext uri="{FF2B5EF4-FFF2-40B4-BE49-F238E27FC236}">
+                    <a16:creationId xmlns:a16="http://schemas.microsoft.com/office/drawing/2014/main" id="{59CA5412-59DA-4A0A-8419-FDCE1DA26EAB}"/>
+                  </a:ext>
+                </a:extLst>
+              </p:cNvPr>
+              <p:cNvSpPr/>
+              <p:nvPr/>
+            </p:nvSpPr>
+            <p:spPr>
+              <a:xfrm>
+                <a:off x="2984501" y="3631959"/>
+                <a:ext cx="3022600" cy="579352"/>
+              </a:xfrm>
+              <a:prstGeom prst="roundRect">
+                <a:avLst>
+                  <a:gd name="adj" fmla="val 6893"/>
+                </a:avLst>
+              </a:prstGeom>
+              <a:solidFill>
+                <a:schemeClr val="accent1">
+                  <a:lumMod val="40000"/>
+                  <a:lumOff val="60000"/>
+                </a:schemeClr>
+              </a:solidFill>
+              <a:ln>
+                <a:solidFill>
+                  <a:schemeClr val="bg2">
+                    <a:lumMod val="75000"/>
+                  </a:schemeClr>
+                </a:solidFill>
+              </a:ln>
+            </p:spPr>
+            <p:style>
+              <a:lnRef idx="2">
+                <a:schemeClr val="accent1">
+                  <a:shade val="50000"/>
+                </a:schemeClr>
+              </a:lnRef>
+              <a:fillRef idx="1">
+                <a:schemeClr val="accent1"/>
+              </a:fillRef>
+              <a:effectRef idx="0">
+                <a:schemeClr val="accent1"/>
+              </a:effectRef>
+              <a:fontRef idx="minor">
+                <a:schemeClr val="lt1"/>
+              </a:fontRef>
+            </p:style>
+            <p:txBody>
+              <a:bodyPr rtlCol="0" anchor="ctr"/>
+              <a:lstStyle/>
+              <a:p>
+                <a:r>
+                  <a:rPr lang="ru-RU" sz="1050" b="1" dirty="0">
+                    <a:solidFill>
+                      <a:schemeClr val="tx1">
+                        <a:lumMod val="65000"/>
+                        <a:lumOff val="35000"/>
+                      </a:schemeClr>
+                    </a:solidFill>
+                  </a:rPr>
+                  <a:t>Модель</a:t>
+                </a:r>
+                <a:r>
+                  <a:rPr lang="ru-RU" sz="1050" dirty="0">
+                    <a:solidFill>
+                      <a:schemeClr val="tx1">
+                        <a:lumMod val="65000"/>
+                        <a:lumOff val="35000"/>
+                      </a:schemeClr>
+                    </a:solidFill>
+                  </a:rPr>
+                  <a:t>: множество примитивов, загружается из файла формата </a:t>
+                </a:r>
+                <a:r>
+                  <a:rPr lang="en-US" sz="1050" dirty="0">
+                    <a:solidFill>
+                      <a:schemeClr val="tx1">
+                        <a:lumMod val="65000"/>
+                        <a:lumOff val="35000"/>
+                      </a:schemeClr>
+                    </a:solidFill>
+                  </a:rPr>
+                  <a:t>.obj (</a:t>
+                </a:r>
+                <a:r>
+                  <a:rPr lang="ru-RU" sz="1050" dirty="0">
+                    <a:solidFill>
+                      <a:schemeClr val="tx1">
+                        <a:lumMod val="65000"/>
+                        <a:lumOff val="35000"/>
+                      </a:schemeClr>
+                    </a:solidFill>
+                  </a:rPr>
+                  <a:t>на данный момент поддерживается только данный формат</a:t>
+                </a:r>
+                <a:r>
+                  <a:rPr lang="en-US" sz="1050" dirty="0">
+                    <a:solidFill>
+                      <a:schemeClr val="tx1">
+                        <a:lumMod val="65000"/>
+                        <a:lumOff val="35000"/>
+                      </a:schemeClr>
+                    </a:solidFill>
+                  </a:rPr>
+                  <a:t>)</a:t>
+                </a:r>
+                <a:endParaRPr lang="ru-RU" sz="1050" dirty="0">
+                  <a:solidFill>
+                    <a:schemeClr val="tx1">
+                      <a:lumMod val="65000"/>
+                      <a:lumOff val="35000"/>
+                    </a:schemeClr>
+                  </a:solidFill>
+                </a:endParaRPr>
+              </a:p>
+            </p:txBody>
+          </p:sp>
+          <p:sp>
+            <p:nvSpPr>
+              <p:cNvPr id="14" name="Rectangle: Rounded Corners 13">
+                <a:extLst>
+                  <a:ext uri="{FF2B5EF4-FFF2-40B4-BE49-F238E27FC236}">
+                    <a16:creationId xmlns:a16="http://schemas.microsoft.com/office/drawing/2014/main" id="{2D221FDB-43CD-4206-A052-2A5506F7C6D0}"/>
+                  </a:ext>
+                </a:extLst>
+              </p:cNvPr>
+              <p:cNvSpPr/>
+              <p:nvPr/>
+            </p:nvSpPr>
+            <p:spPr>
+              <a:xfrm>
+                <a:off x="2984501" y="4274877"/>
+                <a:ext cx="3022600" cy="488385"/>
+              </a:xfrm>
+              <a:prstGeom prst="roundRect">
+                <a:avLst>
+                  <a:gd name="adj" fmla="val 6893"/>
+                </a:avLst>
+              </a:prstGeom>
+              <a:solidFill>
+                <a:schemeClr val="accent1">
+                  <a:lumMod val="40000"/>
+                  <a:lumOff val="60000"/>
+                </a:schemeClr>
+              </a:solidFill>
+              <a:ln>
+                <a:solidFill>
+                  <a:schemeClr val="bg2">
+                    <a:lumMod val="75000"/>
+                  </a:schemeClr>
+                </a:solidFill>
+              </a:ln>
+            </p:spPr>
+            <p:style>
+              <a:lnRef idx="2">
+                <a:schemeClr val="accent1">
+                  <a:shade val="50000"/>
+                </a:schemeClr>
+              </a:lnRef>
+              <a:fillRef idx="1">
+                <a:schemeClr val="accent1"/>
+              </a:fillRef>
+              <a:effectRef idx="0">
+                <a:schemeClr val="accent1"/>
+              </a:effectRef>
+              <a:fontRef idx="minor">
+                <a:schemeClr val="lt1"/>
+              </a:fontRef>
+            </p:style>
+            <p:txBody>
+              <a:bodyPr rtlCol="0" anchor="ctr"/>
+              <a:lstStyle/>
+              <a:p>
+                <a:r>
+                  <a:rPr lang="ru-RU" sz="1050" b="1" dirty="0">
+                    <a:solidFill>
+                      <a:schemeClr val="tx1">
+                        <a:lumMod val="65000"/>
+                        <a:lumOff val="35000"/>
+                      </a:schemeClr>
+                    </a:solidFill>
+                  </a:rPr>
+                  <a:t>Твоя часть</a:t>
+                </a:r>
+                <a:r>
+                  <a:rPr lang="ru-RU" sz="1050" dirty="0">
+                    <a:solidFill>
+                      <a:schemeClr val="tx1">
+                        <a:lumMod val="65000"/>
+                        <a:lumOff val="35000"/>
+                      </a:schemeClr>
+                    </a:solidFill>
+                  </a:rPr>
+                  <a:t>: ...</a:t>
+                </a:r>
+              </a:p>
+            </p:txBody>
+          </p:sp>
+          <p:sp>
+            <p:nvSpPr>
+              <p:cNvPr id="24" name="TextBox 23">
+                <a:extLst>
+                  <a:ext uri="{FF2B5EF4-FFF2-40B4-BE49-F238E27FC236}">
+                    <a16:creationId xmlns:a16="http://schemas.microsoft.com/office/drawing/2014/main" id="{2D05D6D9-A55A-4AC5-AC65-003B7546B309}"/>
+                  </a:ext>
+                </a:extLst>
+              </p:cNvPr>
+              <p:cNvSpPr txBox="1"/>
+              <p:nvPr/>
+            </p:nvSpPr>
+            <p:spPr>
+              <a:xfrm>
+                <a:off x="2915175" y="2494226"/>
+                <a:ext cx="2298584" cy="237874"/>
+              </a:xfrm>
+              <a:prstGeom prst="rect">
+                <a:avLst/>
+              </a:prstGeom>
+              <a:noFill/>
+            </p:spPr>
+            <p:txBody>
+              <a:bodyPr wrap="square" rtlCol="0">
+                <a:spAutoFit/>
+              </a:bodyPr>
+              <a:lstStyle/>
+              <a:p>
+                <a:r>
+                  <a:rPr lang="ru-RU" sz="900" b="1" dirty="0">
+                    <a:solidFill>
+                      <a:schemeClr val="bg2">
+                        <a:lumMod val="25000"/>
+                      </a:schemeClr>
+                    </a:solidFill>
+                  </a:rPr>
+                  <a:t>Сложные ресурсы рендера:</a:t>
+                </a:r>
+              </a:p>
+            </p:txBody>
+          </p:sp>
+        </p:grpSp>
+        <p:grpSp>
+          <p:nvGrpSpPr>
+            <p:cNvPr id="28" name="Group 27">
+              <a:extLst>
+                <a:ext uri="{FF2B5EF4-FFF2-40B4-BE49-F238E27FC236}">
+                  <a16:creationId xmlns:a16="http://schemas.microsoft.com/office/drawing/2014/main" id="{D136794D-0C51-4EC1-9DBF-DDAA9F3D4E80}"/>
+                </a:ext>
+              </a:extLst>
+            </p:cNvPr>
+            <p:cNvGrpSpPr/>
+            <p:nvPr/>
+          </p:nvGrpSpPr>
+          <p:grpSpPr>
+            <a:xfrm>
+              <a:off x="7290539" y="3243279"/>
+              <a:ext cx="3478944" cy="3478195"/>
+              <a:chOff x="7357145" y="2995559"/>
+              <a:chExt cx="3412338" cy="3725916"/>
+            </a:xfrm>
+          </p:grpSpPr>
+          <p:grpSp>
+            <p:nvGrpSpPr>
+              <p:cNvPr id="20" name="Group 19">
+                <a:extLst>
+                  <a:ext uri="{FF2B5EF4-FFF2-40B4-BE49-F238E27FC236}">
+                    <a16:creationId xmlns:a16="http://schemas.microsoft.com/office/drawing/2014/main" id="{EFB5BFDD-B505-438E-B413-BF6D60829A46}"/>
+                  </a:ext>
+                </a:extLst>
+              </p:cNvPr>
+              <p:cNvGrpSpPr/>
+              <p:nvPr/>
+            </p:nvGrpSpPr>
+            <p:grpSpPr>
+              <a:xfrm>
+                <a:off x="7357145" y="2995559"/>
+                <a:ext cx="3412338" cy="3725916"/>
+                <a:chOff x="3414319" y="3603565"/>
+                <a:chExt cx="3506598" cy="3117911"/>
+              </a:xfrm>
+            </p:grpSpPr>
+            <p:sp>
+              <p:nvSpPr>
+                <p:cNvPr id="15" name="Rectangle: Rounded Corners 14">
+                  <a:extLst>
+                    <a:ext uri="{FF2B5EF4-FFF2-40B4-BE49-F238E27FC236}">
+                      <a16:creationId xmlns:a16="http://schemas.microsoft.com/office/drawing/2014/main" id="{7500EE98-A442-44D9-9030-3985393A1F40}"/>
+                    </a:ext>
+                  </a:extLst>
+                </p:cNvPr>
+                <p:cNvSpPr/>
+                <p:nvPr/>
+              </p:nvSpPr>
+              <p:spPr>
+                <a:xfrm>
+                  <a:off x="3414319" y="3603565"/>
+                  <a:ext cx="3506598" cy="3117911"/>
+                </a:xfrm>
+                <a:prstGeom prst="roundRect">
+                  <a:avLst>
+                    <a:gd name="adj" fmla="val 6555"/>
+                  </a:avLst>
+                </a:prstGeom>
+                <a:solidFill>
+                  <a:schemeClr val="accent1">
+                    <a:lumMod val="20000"/>
+                    <a:lumOff val="80000"/>
+                  </a:schemeClr>
+                </a:solidFill>
+                <a:ln>
+                  <a:solidFill>
+                    <a:schemeClr val="tx1">
+                      <a:lumMod val="50000"/>
+                      <a:lumOff val="50000"/>
+                    </a:schemeClr>
+                  </a:solidFill>
+                </a:ln>
+              </p:spPr>
+              <p:style>
+                <a:lnRef idx="2">
+                  <a:schemeClr val="accent1">
+                    <a:shade val="50000"/>
+                  </a:schemeClr>
+                </a:lnRef>
+                <a:fillRef idx="1">
+                  <a:schemeClr val="accent1"/>
+                </a:fillRef>
+                <a:effectRef idx="0">
+                  <a:schemeClr val="accent1"/>
+                </a:effectRef>
+                <a:fontRef idx="minor">
+                  <a:schemeClr val="lt1"/>
+                </a:fontRef>
+              </p:style>
+              <p:txBody>
+                <a:bodyPr rtlCol="0" anchor="ctr"/>
+                <a:lstStyle/>
+                <a:p>
+                  <a:endParaRPr lang="ru-RU" dirty="0"/>
+                </a:p>
+              </p:txBody>
+            </p:sp>
+            <p:sp>
+              <p:nvSpPr>
+                <p:cNvPr id="19" name="TextBox 18">
+                  <a:extLst>
+                    <a:ext uri="{FF2B5EF4-FFF2-40B4-BE49-F238E27FC236}">
+                      <a16:creationId xmlns:a16="http://schemas.microsoft.com/office/drawing/2014/main" id="{B1D8ADCE-A19E-4CF2-8012-C14424AF820B}"/>
+                    </a:ext>
+                  </a:extLst>
+                </p:cNvPr>
+                <p:cNvSpPr txBox="1"/>
+                <p:nvPr/>
+              </p:nvSpPr>
+              <p:spPr>
+                <a:xfrm>
+                  <a:off x="3478597" y="3614507"/>
+                  <a:ext cx="2592236" cy="206922"/>
+                </a:xfrm>
+                <a:prstGeom prst="rect">
+                  <a:avLst/>
+                </a:prstGeom>
+                <a:noFill/>
+              </p:spPr>
+              <p:txBody>
+                <a:bodyPr wrap="square" rtlCol="0">
+                  <a:spAutoFit/>
+                </a:bodyPr>
+                <a:lstStyle/>
+                <a:p>
+                  <a:r>
+                    <a:rPr lang="ru-RU" sz="900" b="1" dirty="0">
+                      <a:solidFill>
+                        <a:schemeClr val="bg2">
+                          <a:lumMod val="25000"/>
+                        </a:schemeClr>
+                      </a:solidFill>
+                    </a:rPr>
+                    <a:t>Базовые ресурсы рендера:</a:t>
+                  </a:r>
+                </a:p>
+              </p:txBody>
+            </p:sp>
+          </p:grpSp>
+          <p:sp>
+            <p:nvSpPr>
+              <p:cNvPr id="9" name="Rectangle: Rounded Corners 8">
+                <a:extLst>
+                  <a:ext uri="{FF2B5EF4-FFF2-40B4-BE49-F238E27FC236}">
+                    <a16:creationId xmlns:a16="http://schemas.microsoft.com/office/drawing/2014/main" id="{61ECBB77-E3EB-40EF-B4E2-E17FDEE50E28}"/>
+                  </a:ext>
+                </a:extLst>
+              </p:cNvPr>
+              <p:cNvSpPr/>
+              <p:nvPr/>
+            </p:nvSpPr>
+            <p:spPr>
+              <a:xfrm>
+                <a:off x="7552287" y="3313085"/>
+                <a:ext cx="2592236" cy="673752"/>
+              </a:xfrm>
+              <a:prstGeom prst="roundRect">
+                <a:avLst>
+                  <a:gd name="adj" fmla="val 6893"/>
+                </a:avLst>
+              </a:prstGeom>
+              <a:solidFill>
+                <a:schemeClr val="accent1">
+                  <a:lumMod val="40000"/>
+                  <a:lumOff val="60000"/>
+                </a:schemeClr>
+              </a:solidFill>
+              <a:ln>
+                <a:solidFill>
+                  <a:schemeClr val="bg2">
+                    <a:lumMod val="75000"/>
+                  </a:schemeClr>
+                </a:solidFill>
+              </a:ln>
+            </p:spPr>
+            <p:style>
+              <a:lnRef idx="2">
+                <a:schemeClr val="accent1">
+                  <a:shade val="50000"/>
+                </a:schemeClr>
+              </a:lnRef>
+              <a:fillRef idx="1">
+                <a:schemeClr val="accent1"/>
+              </a:fillRef>
+              <a:effectRef idx="0">
+                <a:schemeClr val="accent1"/>
+              </a:effectRef>
+              <a:fontRef idx="minor">
+                <a:schemeClr val="lt1"/>
+              </a:fontRef>
+            </p:style>
+            <p:txBody>
+              <a:bodyPr rtlCol="0" anchor="ctr"/>
+              <a:lstStyle/>
+              <a:p>
+                <a:r>
+                  <a:rPr lang="ru-RU" sz="1050" b="1" dirty="0">
+                    <a:solidFill>
+                      <a:schemeClr val="tx1">
+                        <a:lumMod val="65000"/>
+                        <a:lumOff val="35000"/>
+                      </a:schemeClr>
+                    </a:solidFill>
+                  </a:rPr>
+                  <a:t>Вершинный буфер</a:t>
+                </a:r>
+                <a:r>
+                  <a:rPr lang="ru-RU" sz="1050" dirty="0">
+                    <a:solidFill>
+                      <a:schemeClr val="tx1">
+                        <a:lumMod val="65000"/>
+                        <a:lumOff val="35000"/>
+                      </a:schemeClr>
+                    </a:solidFill>
+                  </a:rPr>
+                  <a:t>: множество точек с заданными характеристиками, пример характеристик: позиция, цвет, текстурная координата, нормаль к точке </a:t>
+                </a:r>
+              </a:p>
+            </p:txBody>
+          </p:sp>
+          <p:sp>
+            <p:nvSpPr>
+              <p:cNvPr id="10" name="Rectangle: Rounded Corners 9">
+                <a:extLst>
+                  <a:ext uri="{FF2B5EF4-FFF2-40B4-BE49-F238E27FC236}">
+                    <a16:creationId xmlns:a16="http://schemas.microsoft.com/office/drawing/2014/main" id="{375ED3DC-71AF-422B-9EE3-7D426D6B5376}"/>
+                  </a:ext>
+                </a:extLst>
+              </p:cNvPr>
+              <p:cNvSpPr/>
+              <p:nvPr/>
+            </p:nvSpPr>
+            <p:spPr>
+              <a:xfrm>
+                <a:off x="7552287" y="4123688"/>
+                <a:ext cx="2927795" cy="565386"/>
+              </a:xfrm>
+              <a:prstGeom prst="roundRect">
+                <a:avLst>
+                  <a:gd name="adj" fmla="val 6893"/>
+                </a:avLst>
+              </a:prstGeom>
+              <a:solidFill>
+                <a:schemeClr val="accent1">
+                  <a:lumMod val="40000"/>
+                  <a:lumOff val="60000"/>
+                </a:schemeClr>
+              </a:solidFill>
+              <a:ln>
+                <a:solidFill>
+                  <a:schemeClr val="bg2">
+                    <a:lumMod val="75000"/>
+                  </a:schemeClr>
+                </a:solidFill>
+              </a:ln>
+            </p:spPr>
+            <p:style>
+              <a:lnRef idx="2">
+                <a:schemeClr val="accent1">
+                  <a:shade val="50000"/>
+                </a:schemeClr>
+              </a:lnRef>
+              <a:fillRef idx="1">
+                <a:schemeClr val="accent1"/>
+              </a:fillRef>
+              <a:effectRef idx="0">
+                <a:schemeClr val="accent1"/>
+              </a:effectRef>
+              <a:fontRef idx="minor">
+                <a:schemeClr val="lt1"/>
+              </a:fontRef>
+            </p:style>
+            <p:txBody>
+              <a:bodyPr rtlCol="0" anchor="ctr"/>
+              <a:lstStyle/>
+              <a:p>
+                <a:r>
+                  <a:rPr lang="ru-RU" sz="1050" b="1" dirty="0">
+                    <a:solidFill>
+                      <a:schemeClr val="tx1">
+                        <a:lumMod val="65000"/>
+                        <a:lumOff val="35000"/>
+                      </a:schemeClr>
+                    </a:solidFill>
+                  </a:rPr>
+                  <a:t>Буфер индексов</a:t>
+                </a:r>
+                <a:r>
+                  <a:rPr lang="ru-RU" sz="1050" dirty="0">
+                    <a:solidFill>
+                      <a:schemeClr val="tx1">
+                        <a:lumMod val="65000"/>
+                        <a:lumOff val="35000"/>
+                      </a:schemeClr>
+                    </a:solidFill>
+                  </a:rPr>
+                  <a:t>: массив целых чисел, для определения порядка рисования точек (существует парно к каждому буфферу вершин)</a:t>
+                </a:r>
+              </a:p>
+            </p:txBody>
+          </p:sp>
+          <p:sp>
+            <p:nvSpPr>
+              <p:cNvPr id="12" name="Rectangle: Rounded Corners 11">
+                <a:extLst>
+                  <a:ext uri="{FF2B5EF4-FFF2-40B4-BE49-F238E27FC236}">
+                    <a16:creationId xmlns:a16="http://schemas.microsoft.com/office/drawing/2014/main" id="{F69523D6-B5D4-401E-A788-1FC2DC7BA43F}"/>
+                  </a:ext>
+                </a:extLst>
+              </p:cNvPr>
+              <p:cNvSpPr/>
+              <p:nvPr/>
+            </p:nvSpPr>
+            <p:spPr>
+              <a:xfrm>
+                <a:off x="7552013" y="4850616"/>
+                <a:ext cx="3022600" cy="565386"/>
+              </a:xfrm>
+              <a:prstGeom prst="roundRect">
+                <a:avLst>
+                  <a:gd name="adj" fmla="val 6893"/>
+                </a:avLst>
+              </a:prstGeom>
+              <a:solidFill>
+                <a:schemeClr val="accent1">
+                  <a:lumMod val="40000"/>
+                  <a:lumOff val="60000"/>
+                </a:schemeClr>
+              </a:solidFill>
+              <a:ln>
+                <a:solidFill>
+                  <a:schemeClr val="bg2">
+                    <a:lumMod val="75000"/>
+                  </a:schemeClr>
+                </a:solidFill>
+              </a:ln>
+            </p:spPr>
+            <p:style>
+              <a:lnRef idx="2">
+                <a:schemeClr val="accent1">
+                  <a:shade val="50000"/>
+                </a:schemeClr>
+              </a:lnRef>
+              <a:fillRef idx="1">
+                <a:schemeClr val="accent1"/>
+              </a:fillRef>
+              <a:effectRef idx="0">
+                <a:schemeClr val="accent1"/>
+              </a:effectRef>
+              <a:fontRef idx="minor">
+                <a:schemeClr val="lt1"/>
+              </a:fontRef>
+            </p:style>
+            <p:txBody>
+              <a:bodyPr rtlCol="0" anchor="ctr"/>
+              <a:lstStyle/>
+              <a:p>
+                <a:r>
+                  <a:rPr lang="ru-RU" sz="1050" b="1" dirty="0">
+                    <a:solidFill>
+                      <a:schemeClr val="tx1">
+                        <a:lumMod val="65000"/>
+                        <a:lumOff val="35000"/>
+                      </a:schemeClr>
+                    </a:solidFill>
+                  </a:rPr>
+                  <a:t>Вершинный массив</a:t>
+                </a:r>
+                <a:r>
+                  <a:rPr lang="ru-RU" sz="1050" dirty="0">
+                    <a:solidFill>
+                      <a:schemeClr val="tx1">
+                        <a:lumMod val="65000"/>
+                        <a:lumOff val="35000"/>
+                      </a:schemeClr>
+                    </a:solidFill>
+                  </a:rPr>
+                  <a:t>: пара из вершинного буфера и буфера индексов, как раз этот объект имеет внутри себя метод «нарисуй»</a:t>
+                </a:r>
+              </a:p>
+            </p:txBody>
+          </p:sp>
+          <p:sp>
+            <p:nvSpPr>
+              <p:cNvPr id="13" name="Rectangle: Rounded Corners 12">
+                <a:extLst>
+                  <a:ext uri="{FF2B5EF4-FFF2-40B4-BE49-F238E27FC236}">
+                    <a16:creationId xmlns:a16="http://schemas.microsoft.com/office/drawing/2014/main" id="{280D8568-5C36-490F-9951-17BCBE361E80}"/>
+                  </a:ext>
+                </a:extLst>
+              </p:cNvPr>
+              <p:cNvSpPr/>
+              <p:nvPr/>
+            </p:nvSpPr>
+            <p:spPr>
+              <a:xfrm>
+                <a:off x="7552287" y="6249836"/>
+                <a:ext cx="3022600" cy="345298"/>
+              </a:xfrm>
+              <a:prstGeom prst="roundRect">
+                <a:avLst>
+                  <a:gd name="adj" fmla="val 6893"/>
+                </a:avLst>
+              </a:prstGeom>
+              <a:solidFill>
+                <a:schemeClr val="accent1">
+                  <a:lumMod val="40000"/>
+                  <a:lumOff val="60000"/>
+                </a:schemeClr>
+              </a:solidFill>
+              <a:ln>
+                <a:solidFill>
+                  <a:schemeClr val="bg2">
+                    <a:lumMod val="75000"/>
+                  </a:schemeClr>
+                </a:solidFill>
+              </a:ln>
+            </p:spPr>
+            <p:style>
+              <a:lnRef idx="2">
+                <a:schemeClr val="accent1">
+                  <a:shade val="50000"/>
+                </a:schemeClr>
+              </a:lnRef>
+              <a:fillRef idx="1">
+                <a:schemeClr val="accent1"/>
+              </a:fillRef>
+              <a:effectRef idx="0">
+                <a:schemeClr val="accent1"/>
+              </a:effectRef>
+              <a:fontRef idx="minor">
+                <a:schemeClr val="lt1"/>
+              </a:fontRef>
+            </p:style>
+            <p:txBody>
+              <a:bodyPr rtlCol="0" anchor="ctr"/>
+              <a:lstStyle/>
+              <a:p>
+                <a:r>
+                  <a:rPr lang="ru-RU" sz="1050" b="1" dirty="0">
+                    <a:solidFill>
+                      <a:schemeClr val="tx1">
+                        <a:lumMod val="65000"/>
+                        <a:lumOff val="35000"/>
+                      </a:schemeClr>
+                    </a:solidFill>
+                  </a:rPr>
+                  <a:t>Шейдер</a:t>
+                </a:r>
+                <a:r>
+                  <a:rPr lang="ru-RU" sz="1050" dirty="0">
+                    <a:solidFill>
+                      <a:schemeClr val="tx1">
+                        <a:lumMod val="65000"/>
+                        <a:lumOff val="35000"/>
+                      </a:schemeClr>
+                    </a:solidFill>
+                  </a:rPr>
+                  <a:t>: микропрограмма исполняемая на видеокарте</a:t>
+                </a:r>
+              </a:p>
+            </p:txBody>
+          </p:sp>
+          <p:sp>
+            <p:nvSpPr>
+              <p:cNvPr id="26" name="Rectangle: Rounded Corners 25">
+                <a:extLst>
+                  <a:ext uri="{FF2B5EF4-FFF2-40B4-BE49-F238E27FC236}">
+                    <a16:creationId xmlns:a16="http://schemas.microsoft.com/office/drawing/2014/main" id="{CA24EFCC-4A2C-46EA-B10E-B36CBC03FB42}"/>
+                  </a:ext>
+                </a:extLst>
+              </p:cNvPr>
+              <p:cNvSpPr/>
+              <p:nvPr/>
+            </p:nvSpPr>
+            <p:spPr>
+              <a:xfrm>
+                <a:off x="7552013" y="5577545"/>
+                <a:ext cx="3022600" cy="565386"/>
+              </a:xfrm>
+              <a:prstGeom prst="roundRect">
+                <a:avLst>
+                  <a:gd name="adj" fmla="val 6893"/>
+                </a:avLst>
+              </a:prstGeom>
+              <a:solidFill>
+                <a:schemeClr val="accent1">
+                  <a:lumMod val="40000"/>
+                  <a:lumOff val="60000"/>
+                </a:schemeClr>
+              </a:solidFill>
+              <a:ln>
+                <a:solidFill>
+                  <a:schemeClr val="bg2">
+                    <a:lumMod val="75000"/>
+                  </a:schemeClr>
+                </a:solidFill>
+              </a:ln>
+            </p:spPr>
+            <p:style>
+              <a:lnRef idx="2">
+                <a:schemeClr val="accent1">
+                  <a:shade val="50000"/>
+                </a:schemeClr>
+              </a:lnRef>
+              <a:fillRef idx="1">
+                <a:schemeClr val="accent1"/>
+              </a:fillRef>
+              <a:effectRef idx="0">
+                <a:schemeClr val="accent1"/>
+              </a:effectRef>
+              <a:fontRef idx="minor">
+                <a:schemeClr val="lt1"/>
+              </a:fontRef>
+            </p:style>
+            <p:txBody>
+              <a:bodyPr rtlCol="0" anchor="ctr"/>
+              <a:lstStyle/>
+              <a:p>
+                <a:r>
+                  <a:rPr lang="ru-RU" sz="1050" b="1" dirty="0">
+                    <a:solidFill>
+                      <a:schemeClr val="tx1">
+                        <a:lumMod val="65000"/>
+                        <a:lumOff val="35000"/>
+                      </a:schemeClr>
+                    </a:solidFill>
+                  </a:rPr>
+                  <a:t>Буффер данных для шейдеров (</a:t>
+                </a:r>
+                <a:r>
+                  <a:rPr lang="en-US" sz="1050" b="1" dirty="0">
+                    <a:solidFill>
+                      <a:schemeClr val="tx1">
+                        <a:lumMod val="65000"/>
+                        <a:lumOff val="35000"/>
+                      </a:schemeClr>
+                    </a:solidFill>
+                  </a:rPr>
+                  <a:t>SSBO</a:t>
+                </a:r>
+                <a:r>
+                  <a:rPr lang="ru-RU" sz="1050" b="1" dirty="0">
+                    <a:solidFill>
+                      <a:schemeClr val="tx1">
+                        <a:lumMod val="65000"/>
+                        <a:lumOff val="35000"/>
+                      </a:schemeClr>
+                    </a:solidFill>
+                  </a:rPr>
+                  <a:t>)</a:t>
+                </a:r>
+                <a:r>
+                  <a:rPr lang="ru-RU" sz="1050" dirty="0">
+                    <a:solidFill>
+                      <a:schemeClr val="tx1">
+                        <a:lumMod val="65000"/>
+                        <a:lumOff val="35000"/>
+                      </a:schemeClr>
+                    </a:solidFill>
+                  </a:rPr>
+                  <a:t>: буффер, который хранит в себе массив данных заданого типа, до которого есть доступ с шейдеров</a:t>
+                </a:r>
+              </a:p>
+            </p:txBody>
+          </p:sp>
+        </p:grpSp>
+        <p:sp>
+          <p:nvSpPr>
+            <p:cNvPr id="30" name="TextBox 29">
+              <a:extLst>
+                <a:ext uri="{FF2B5EF4-FFF2-40B4-BE49-F238E27FC236}">
+                  <a16:creationId xmlns:a16="http://schemas.microsoft.com/office/drawing/2014/main" id="{8F16A416-A414-4731-82A8-8070BFEAAC50}"/>
+                </a:ext>
+              </a:extLst>
+            </p:cNvPr>
+            <p:cNvSpPr txBox="1"/>
+            <p:nvPr/>
+          </p:nvSpPr>
+          <p:spPr>
+            <a:xfrm>
+              <a:off x="3975198" y="2457974"/>
+              <a:ext cx="3004442" cy="369332"/>
+            </a:xfrm>
+            <a:prstGeom prst="rect">
+              <a:avLst/>
+            </a:prstGeom>
+            <a:noFill/>
+          </p:spPr>
+          <p:txBody>
+            <a:bodyPr wrap="square" rtlCol="0">
+              <a:spAutoFit/>
+            </a:bodyPr>
+            <a:lstStyle/>
+            <a:p>
+              <a:r>
+                <a:rPr lang="ru-RU" b="1" dirty="0">
+                  <a:solidFill>
+                    <a:schemeClr val="bg2">
+                      <a:lumMod val="50000"/>
+                    </a:schemeClr>
+                  </a:solidFill>
+                </a:rPr>
+                <a:t>Ресурсы рендера:</a:t>
+              </a:r>
+            </a:p>
+          </p:txBody>
+        </p:sp>
+      </p:grpSp>
+      <p:grpSp>
+        <p:nvGrpSpPr>
+          <p:cNvPr id="37" name="Group 36">
+            <a:extLst>
+              <a:ext uri="{FF2B5EF4-FFF2-40B4-BE49-F238E27FC236}">
+                <a16:creationId xmlns:a16="http://schemas.microsoft.com/office/drawing/2014/main" id="{9AE7EB79-03D5-4AB2-B2E6-6888AAA77426}"/>
+              </a:ext>
+            </a:extLst>
+          </p:cNvPr>
+          <p:cNvGrpSpPr/>
+          <p:nvPr/>
+        </p:nvGrpSpPr>
+        <p:grpSpPr>
+          <a:xfrm>
+            <a:off x="522967" y="5583623"/>
+            <a:ext cx="2933725" cy="1009240"/>
+            <a:chOff x="61145" y="5347109"/>
+            <a:chExt cx="2933725" cy="1009240"/>
+          </a:xfrm>
+        </p:grpSpPr>
+        <p:sp>
+          <p:nvSpPr>
+            <p:cNvPr id="35" name="Rectangle: Rounded Corners 34">
+              <a:extLst>
+                <a:ext uri="{FF2B5EF4-FFF2-40B4-BE49-F238E27FC236}">
+                  <a16:creationId xmlns:a16="http://schemas.microsoft.com/office/drawing/2014/main" id="{B1E519FD-B745-4527-99AC-885C2D1AFCD5}"/>
+                </a:ext>
+              </a:extLst>
+            </p:cNvPr>
+            <p:cNvSpPr/>
+            <p:nvPr/>
+          </p:nvSpPr>
+          <p:spPr>
+            <a:xfrm>
+              <a:off x="94767" y="5363886"/>
+              <a:ext cx="2900103" cy="992463"/>
+            </a:xfrm>
+            <a:prstGeom prst="roundRect">
+              <a:avLst>
+                <a:gd name="adj" fmla="val 6555"/>
+              </a:avLst>
+            </a:prstGeom>
+            <a:solidFill>
+              <a:schemeClr val="accent1">
+                <a:lumMod val="20000"/>
+                <a:lumOff val="80000"/>
+              </a:schemeClr>
+            </a:solidFill>
+            <a:ln>
+              <a:solidFill>
+                <a:schemeClr val="tx1">
+                  <a:lumMod val="50000"/>
+                  <a:lumOff val="50000"/>
+                </a:schemeClr>
+              </a:solidFill>
+            </a:ln>
+          </p:spPr>
+          <p:style>
+            <a:lnRef idx="2">
+              <a:schemeClr val="accent1">
+                <a:shade val="50000"/>
+              </a:schemeClr>
+            </a:lnRef>
+            <a:fillRef idx="1">
+              <a:schemeClr val="accent1"/>
+            </a:fillRef>
+            <a:effectRef idx="0">
+              <a:schemeClr val="accent1"/>
+            </a:effectRef>
+            <a:fontRef idx="minor">
+              <a:schemeClr val="lt1"/>
+            </a:fontRef>
+          </p:style>
+          <p:txBody>
+            <a:bodyPr rtlCol="0" anchor="ctr"/>
+            <a:lstStyle/>
+            <a:p>
+              <a:pPr algn="ctr"/>
+              <a:endParaRPr lang="ru-RU"/>
+            </a:p>
+          </p:txBody>
+        </p:sp>
+        <p:sp>
+          <p:nvSpPr>
+            <p:cNvPr id="32" name="Rectangle: Rounded Corners 31">
+              <a:extLst>
+                <a:ext uri="{FF2B5EF4-FFF2-40B4-BE49-F238E27FC236}">
+                  <a16:creationId xmlns:a16="http://schemas.microsoft.com/office/drawing/2014/main" id="{FF8DF7DD-A727-4E9C-9B4C-91D5D3A48155}"/>
+                </a:ext>
+              </a:extLst>
+            </p:cNvPr>
+            <p:cNvSpPr/>
+            <p:nvPr/>
+          </p:nvSpPr>
+          <p:spPr>
+            <a:xfrm>
+              <a:off x="161813" y="6024644"/>
+              <a:ext cx="2740712" cy="256269"/>
+            </a:xfrm>
+            <a:prstGeom prst="roundRect">
+              <a:avLst>
+                <a:gd name="adj" fmla="val 6893"/>
+              </a:avLst>
+            </a:prstGeom>
+            <a:solidFill>
+              <a:schemeClr val="accent1">
+                <a:lumMod val="40000"/>
+                <a:lumOff val="60000"/>
+              </a:schemeClr>
+            </a:solidFill>
+            <a:ln>
+              <a:solidFill>
+                <a:schemeClr val="bg2">
+                  <a:lumMod val="75000"/>
+                </a:schemeClr>
+              </a:solidFill>
+            </a:ln>
+          </p:spPr>
+          <p:style>
+            <a:lnRef idx="2">
+              <a:schemeClr val="accent1">
+                <a:shade val="50000"/>
+              </a:schemeClr>
+            </a:lnRef>
+            <a:fillRef idx="1">
+              <a:schemeClr val="accent1"/>
+            </a:fillRef>
+            <a:effectRef idx="0">
+              <a:schemeClr val="accent1"/>
+            </a:effectRef>
+            <a:fontRef idx="minor">
+              <a:schemeClr val="lt1"/>
+            </a:fontRef>
+          </p:style>
+          <p:txBody>
+            <a:bodyPr rtlCol="0" anchor="ctr"/>
+            <a:lstStyle/>
+            <a:p>
+              <a:r>
+                <a:rPr lang="ru-RU" sz="1050" b="1" dirty="0">
+                  <a:solidFill>
+                    <a:schemeClr val="tx1">
+                      <a:lumMod val="65000"/>
+                      <a:lumOff val="35000"/>
+                    </a:schemeClr>
+                  </a:solidFill>
+                </a:rPr>
+                <a:t>Вектора</a:t>
+              </a:r>
+              <a:r>
+                <a:rPr lang="ru-RU" sz="1050" dirty="0">
+                  <a:solidFill>
+                    <a:schemeClr val="tx1">
+                      <a:lumMod val="65000"/>
+                      <a:lumOff val="35000"/>
+                    </a:schemeClr>
+                  </a:solidFill>
+                </a:rPr>
+                <a:t>: 3х-компонентные, 2х-копонентные</a:t>
+              </a:r>
+            </a:p>
+          </p:txBody>
+        </p:sp>
+        <p:sp>
+          <p:nvSpPr>
+            <p:cNvPr id="34" name="Rectangle: Rounded Corners 33">
+              <a:extLst>
+                <a:ext uri="{FF2B5EF4-FFF2-40B4-BE49-F238E27FC236}">
+                  <a16:creationId xmlns:a16="http://schemas.microsoft.com/office/drawing/2014/main" id="{C27789DA-DCF0-41F3-8444-49ACE418C589}"/>
+                </a:ext>
+              </a:extLst>
+            </p:cNvPr>
+            <p:cNvSpPr/>
+            <p:nvPr/>
+          </p:nvSpPr>
+          <p:spPr>
+            <a:xfrm>
+              <a:off x="1013295" y="5692939"/>
+              <a:ext cx="1037747" cy="256269"/>
+            </a:xfrm>
+            <a:prstGeom prst="roundRect">
+              <a:avLst>
+                <a:gd name="adj" fmla="val 6893"/>
+              </a:avLst>
+            </a:prstGeom>
+            <a:solidFill>
+              <a:schemeClr val="accent1">
+                <a:lumMod val="40000"/>
+                <a:lumOff val="60000"/>
+              </a:schemeClr>
+            </a:solidFill>
+            <a:ln>
+              <a:solidFill>
+                <a:schemeClr val="bg2">
+                  <a:lumMod val="75000"/>
+                </a:schemeClr>
+              </a:solidFill>
+            </a:ln>
+          </p:spPr>
+          <p:style>
+            <a:lnRef idx="2">
+              <a:schemeClr val="accent1">
+                <a:shade val="50000"/>
+              </a:schemeClr>
+            </a:lnRef>
+            <a:fillRef idx="1">
+              <a:schemeClr val="accent1"/>
+            </a:fillRef>
+            <a:effectRef idx="0">
+              <a:schemeClr val="accent1"/>
+            </a:effectRef>
+            <a:fontRef idx="minor">
+              <a:schemeClr val="lt1"/>
+            </a:fontRef>
+          </p:style>
+          <p:txBody>
+            <a:bodyPr rtlCol="0" anchor="ctr"/>
+            <a:lstStyle/>
+            <a:p>
+              <a:r>
+                <a:rPr lang="ru-RU" sz="1050" b="1" dirty="0">
+                  <a:solidFill>
+                    <a:schemeClr val="tx1">
+                      <a:lumMod val="65000"/>
+                      <a:lumOff val="35000"/>
+                    </a:schemeClr>
+                  </a:solidFill>
+                </a:rPr>
+                <a:t>Матрицы</a:t>
+              </a:r>
+              <a:r>
+                <a:rPr lang="ru-RU" sz="1050" dirty="0">
+                  <a:solidFill>
+                    <a:schemeClr val="tx1">
+                      <a:lumMod val="65000"/>
+                      <a:lumOff val="35000"/>
+                    </a:schemeClr>
+                  </a:solidFill>
+                </a:rPr>
+                <a:t>: 4х4</a:t>
+              </a:r>
+            </a:p>
+          </p:txBody>
+        </p:sp>
+        <p:sp>
+          <p:nvSpPr>
+            <p:cNvPr id="36" name="TextBox 35">
+              <a:extLst>
+                <a:ext uri="{FF2B5EF4-FFF2-40B4-BE49-F238E27FC236}">
+                  <a16:creationId xmlns:a16="http://schemas.microsoft.com/office/drawing/2014/main" id="{F9EE03C5-F426-4374-92AD-981002BA6343}"/>
+                </a:ext>
+              </a:extLst>
+            </p:cNvPr>
+            <p:cNvSpPr txBox="1"/>
+            <p:nvPr/>
+          </p:nvSpPr>
+          <p:spPr>
+            <a:xfrm>
+              <a:off x="61145" y="5347109"/>
+              <a:ext cx="2296161" cy="307777"/>
+            </a:xfrm>
+            <a:prstGeom prst="rect">
+              <a:avLst/>
+            </a:prstGeom>
+            <a:noFill/>
+          </p:spPr>
+          <p:txBody>
+            <a:bodyPr wrap="square" rtlCol="0">
+              <a:spAutoFit/>
+            </a:bodyPr>
+            <a:lstStyle/>
+            <a:p>
+              <a:r>
+                <a:rPr lang="ru-RU" sz="1400" b="1" dirty="0">
+                  <a:solidFill>
+                    <a:schemeClr val="bg2">
+                      <a:lumMod val="50000"/>
+                    </a:schemeClr>
+                  </a:solidFill>
+                </a:rPr>
+                <a:t>Модуль математики:</a:t>
+              </a:r>
+            </a:p>
+          </p:txBody>
+        </p:sp>
+      </p:grpSp>
+      <p:grpSp>
+        <p:nvGrpSpPr>
+          <p:cNvPr id="40" name="Group 39">
+            <a:extLst>
+              <a:ext uri="{FF2B5EF4-FFF2-40B4-BE49-F238E27FC236}">
+                <a16:creationId xmlns:a16="http://schemas.microsoft.com/office/drawing/2014/main" id="{39BF3EE0-C181-42B3-B8AA-CF083C082098}"/>
+              </a:ext>
+            </a:extLst>
+          </p:cNvPr>
+          <p:cNvGrpSpPr/>
+          <p:nvPr/>
+        </p:nvGrpSpPr>
+        <p:grpSpPr>
+          <a:xfrm>
+            <a:off x="522967" y="4495838"/>
+            <a:ext cx="3811156" cy="992463"/>
+            <a:chOff x="75501" y="4075179"/>
+            <a:chExt cx="3811156" cy="992463"/>
+          </a:xfrm>
+        </p:grpSpPr>
+        <p:sp>
+          <p:nvSpPr>
+            <p:cNvPr id="38" name="Rectangle: Rounded Corners 37">
+              <a:extLst>
+                <a:ext uri="{FF2B5EF4-FFF2-40B4-BE49-F238E27FC236}">
+                  <a16:creationId xmlns:a16="http://schemas.microsoft.com/office/drawing/2014/main" id="{AB3C54F6-3054-432A-BC69-4A7C9EC53F5C}"/>
+                </a:ext>
+              </a:extLst>
+            </p:cNvPr>
+            <p:cNvSpPr/>
+            <p:nvPr/>
+          </p:nvSpPr>
+          <p:spPr>
+            <a:xfrm>
+              <a:off x="128389" y="4075179"/>
+              <a:ext cx="3758268" cy="992463"/>
+            </a:xfrm>
+            <a:prstGeom prst="roundRect">
+              <a:avLst>
+                <a:gd name="adj" fmla="val 6555"/>
+              </a:avLst>
+            </a:prstGeom>
+            <a:solidFill>
+              <a:schemeClr val="accent1">
+                <a:lumMod val="20000"/>
+                <a:lumOff val="80000"/>
+              </a:schemeClr>
+            </a:solidFill>
+            <a:ln>
+              <a:solidFill>
+                <a:schemeClr val="tx1">
+                  <a:lumMod val="50000"/>
+                  <a:lumOff val="50000"/>
+                </a:schemeClr>
+              </a:solidFill>
+            </a:ln>
+          </p:spPr>
+          <p:style>
+            <a:lnRef idx="2">
+              <a:schemeClr val="accent1">
+                <a:shade val="50000"/>
+              </a:schemeClr>
+            </a:lnRef>
+            <a:fillRef idx="1">
+              <a:schemeClr val="accent1"/>
+            </a:fillRef>
+            <a:effectRef idx="0">
+              <a:schemeClr val="accent1"/>
+            </a:effectRef>
+            <a:fontRef idx="minor">
+              <a:schemeClr val="lt1"/>
+            </a:fontRef>
+          </p:style>
+          <p:txBody>
+            <a:bodyPr rtlCol="0" anchor="ctr"/>
+            <a:lstStyle/>
+            <a:p>
+              <a:pPr algn="ctr"/>
+              <a:endParaRPr lang="ru-RU"/>
+            </a:p>
+          </p:txBody>
+        </p:sp>
+        <p:sp>
+          <p:nvSpPr>
+            <p:cNvPr id="31" name="Rectangle: Rounded Corners 30">
+              <a:extLst>
+                <a:ext uri="{FF2B5EF4-FFF2-40B4-BE49-F238E27FC236}">
+                  <a16:creationId xmlns:a16="http://schemas.microsoft.com/office/drawing/2014/main" id="{AEA4659E-6875-47C5-9B2A-9266BF9185BC}"/>
+                </a:ext>
+              </a:extLst>
+            </p:cNvPr>
+            <p:cNvSpPr/>
+            <p:nvPr/>
+          </p:nvSpPr>
+          <p:spPr>
+            <a:xfrm>
+              <a:off x="268051" y="4476359"/>
+              <a:ext cx="3478944" cy="439884"/>
+            </a:xfrm>
+            <a:prstGeom prst="roundRect">
+              <a:avLst>
+                <a:gd name="adj" fmla="val 6893"/>
+              </a:avLst>
+            </a:prstGeom>
+            <a:solidFill>
+              <a:schemeClr val="accent1">
+                <a:lumMod val="40000"/>
+                <a:lumOff val="60000"/>
+              </a:schemeClr>
+            </a:solidFill>
+            <a:ln>
+              <a:solidFill>
+                <a:schemeClr val="bg2">
+                  <a:lumMod val="75000"/>
+                </a:schemeClr>
+              </a:solidFill>
+            </a:ln>
+          </p:spPr>
+          <p:style>
+            <a:lnRef idx="2">
+              <a:schemeClr val="accent1">
+                <a:shade val="50000"/>
+              </a:schemeClr>
+            </a:lnRef>
+            <a:fillRef idx="1">
+              <a:schemeClr val="accent1"/>
+            </a:fillRef>
+            <a:effectRef idx="0">
+              <a:schemeClr val="accent1"/>
+            </a:effectRef>
+            <a:fontRef idx="minor">
+              <a:schemeClr val="lt1"/>
+            </a:fontRef>
+          </p:style>
+          <p:txBody>
+            <a:bodyPr rtlCol="0" anchor="ctr"/>
+            <a:lstStyle/>
+            <a:p>
+              <a:r>
+                <a:rPr lang="ru-RU" sz="1050" b="1" dirty="0">
+                  <a:solidFill>
+                    <a:schemeClr val="tx1">
+                      <a:lumMod val="65000"/>
+                      <a:lumOff val="35000"/>
+                    </a:schemeClr>
+                  </a:solidFill>
+                </a:rPr>
+                <a:t>Камера</a:t>
+              </a:r>
+              <a:r>
+                <a:rPr lang="ru-RU" sz="1050" dirty="0">
+                  <a:solidFill>
+                    <a:schemeClr val="tx1">
+                      <a:lumMod val="65000"/>
+                      <a:lumOff val="35000"/>
+                    </a:schemeClr>
+                  </a:solidFill>
+                </a:rPr>
+                <a:t>: матиматический объект, относительно которого происходит весь рендер</a:t>
+              </a:r>
+            </a:p>
+          </p:txBody>
+        </p:sp>
+        <p:sp>
+          <p:nvSpPr>
+            <p:cNvPr id="39" name="TextBox 38">
+              <a:extLst>
+                <a:ext uri="{FF2B5EF4-FFF2-40B4-BE49-F238E27FC236}">
+                  <a16:creationId xmlns:a16="http://schemas.microsoft.com/office/drawing/2014/main" id="{FB4E8ACF-D4E9-455F-A4DE-B337002BE768}"/>
+                </a:ext>
+              </a:extLst>
+            </p:cNvPr>
+            <p:cNvSpPr txBox="1"/>
+            <p:nvPr/>
+          </p:nvSpPr>
+          <p:spPr>
+            <a:xfrm>
+              <a:off x="75501" y="4079624"/>
+              <a:ext cx="2416029" cy="307777"/>
+            </a:xfrm>
+            <a:prstGeom prst="rect">
+              <a:avLst/>
+            </a:prstGeom>
+            <a:noFill/>
+          </p:spPr>
+          <p:txBody>
+            <a:bodyPr wrap="square" rtlCol="0">
+              <a:spAutoFit/>
+            </a:bodyPr>
+            <a:lstStyle/>
+            <a:p>
+              <a:r>
+                <a:rPr lang="ru-RU" sz="1400" b="1" dirty="0">
+                  <a:solidFill>
+                    <a:schemeClr val="bg2">
+                      <a:lumMod val="50000"/>
+                    </a:schemeClr>
+                  </a:solidFill>
+                </a:rPr>
+                <a:t>Утилиты:</a:t>
+              </a:r>
+            </a:p>
+          </p:txBody>
+        </p:sp>
+      </p:grpSp>
+      <p:cxnSp>
+        <p:nvCxnSpPr>
+          <p:cNvPr id="44" name="Straight Arrow Connector 43">
+            <a:extLst>
+              <a:ext uri="{FF2B5EF4-FFF2-40B4-BE49-F238E27FC236}">
+                <a16:creationId xmlns:a16="http://schemas.microsoft.com/office/drawing/2014/main" id="{A1E61E4A-3401-4EBF-95C1-A997DC0E6BB8}"/>
+              </a:ext>
+            </a:extLst>
+          </p:cNvPr>
+          <p:cNvCxnSpPr>
+            <a:stCxn id="6" idx="0"/>
+            <a:endCxn id="5" idx="2"/>
+          </p:cNvCxnSpPr>
+          <p:nvPr/>
+        </p:nvCxnSpPr>
+        <p:spPr>
+          <a:xfrm flipH="1" flipV="1">
+            <a:off x="2345967" y="2202857"/>
+            <a:ext cx="1" cy="320457"/>
+          </a:xfrm>
+          <a:prstGeom prst="straightConnector1">
+            <a:avLst/>
+          </a:prstGeom>
+          <a:ln>
+            <a:tailEnd type="triangle"/>
+          </a:ln>
+        </p:spPr>
+        <p:style>
+          <a:lnRef idx="1">
+            <a:schemeClr val="accent1"/>
+          </a:lnRef>
+          <a:fillRef idx="0">
+            <a:schemeClr val="accent1"/>
+          </a:fillRef>
+          <a:effectRef idx="0">
+            <a:schemeClr val="accent1"/>
+          </a:effectRef>
+          <a:fontRef idx="minor">
+            <a:schemeClr val="tx1"/>
+          </a:fontRef>
+        </p:style>
+      </p:cxnSp>
       <p:sp>
         <p:nvSpPr>
-          <p:cNvPr id="7" name="Rectangle: Rounded Corners 6">
+          <p:cNvPr id="46" name="Left Bracket 45">
             <a:extLst>
               <a:ext uri="{FF2B5EF4-FFF2-40B4-BE49-F238E27FC236}">
-                <a16:creationId xmlns:a16="http://schemas.microsoft.com/office/drawing/2014/main" id="{14C5DC99-6A45-43DF-B616-C81D007E7C70}"/>
+                <a16:creationId xmlns:a16="http://schemas.microsoft.com/office/drawing/2014/main" id="{26BA3481-F1E5-45D5-90CF-11F474E90858}"/>
               </a:ext>
             </a:extLst>
           </p:cNvPr>
@@ -5678,365 +9555,456 @@
         </p:nvSpPr>
         <p:spPr>
           <a:xfrm>
-            <a:off x="6858000" y="1780188"/>
-            <a:ext cx="3022600" cy="946079"/>
+            <a:off x="408491" y="4327479"/>
+            <a:ext cx="245596" cy="2444311"/>
           </a:xfrm>
-          <a:prstGeom prst="roundRect">
+          <a:prstGeom prst="leftBracket">
             <a:avLst>
-              <a:gd name="adj" fmla="val 6893"/>
+              <a:gd name="adj" fmla="val 81762"/>
             </a:avLst>
           </a:prstGeom>
-          <a:solidFill>
-            <a:schemeClr val="accent1">
-              <a:lumMod val="40000"/>
-              <a:lumOff val="60000"/>
-            </a:schemeClr>
-          </a:solidFill>
-          <a:ln>
-            <a:solidFill>
-              <a:schemeClr val="accent1">
-                <a:lumMod val="40000"/>
-                <a:lumOff val="60000"/>
-              </a:schemeClr>
-            </a:solidFill>
-          </a:ln>
         </p:spPr>
         <p:style>
-          <a:lnRef idx="2">
-            <a:schemeClr val="accent1">
-              <a:shade val="50000"/>
-            </a:schemeClr>
+          <a:lnRef idx="1">
+            <a:schemeClr val="accent1"/>
           </a:lnRef>
-          <a:fillRef idx="1">
+          <a:fillRef idx="0">
             <a:schemeClr val="accent1"/>
           </a:fillRef>
           <a:effectRef idx="0">
             <a:schemeClr val="accent1"/>
           </a:effectRef>
           <a:fontRef idx="minor">
-            <a:schemeClr val="lt1"/>
+            <a:schemeClr val="tx1"/>
           </a:fontRef>
         </p:style>
         <p:txBody>
           <a:bodyPr rtlCol="0" anchor="ctr"/>
           <a:lstStyle/>
           <a:p>
-            <a:r>
-              <a:rPr lang="ru-RU" sz="1400" b="1" dirty="0">
-                <a:solidFill>
-                  <a:schemeClr val="tx1">
-                    <a:lumMod val="65000"/>
-                    <a:lumOff val="35000"/>
-                  </a:schemeClr>
-                </a:solidFill>
-              </a:rPr>
-              <a:t>Примитив</a:t>
-            </a:r>
-            <a:r>
-              <a:rPr lang="ru-RU" sz="1400" dirty="0">
-                <a:solidFill>
-                  <a:schemeClr val="tx1">
-                    <a:lumMod val="65000"/>
-                    <a:lumOff val="35000"/>
-                  </a:schemeClr>
-                </a:solidFill>
-              </a:rPr>
-              <a:t>: ресурс рендера преставляющий из себя набор точек с определенными свойствами, которые можно нарисовать</a:t>
-            </a:r>
+            <a:pPr algn="ctr"/>
+            <a:endParaRPr lang="ru-RU"/>
           </a:p>
         </p:txBody>
       </p:sp>
-      <p:sp>
-        <p:nvSpPr>
-          <p:cNvPr id="8" name="Rectangle: Rounded Corners 7">
+      <p:cxnSp>
+        <p:nvCxnSpPr>
+          <p:cNvPr id="50" name="Connector: Curved 49">
             <a:extLst>
               <a:ext uri="{FF2B5EF4-FFF2-40B4-BE49-F238E27FC236}">
-                <a16:creationId xmlns:a16="http://schemas.microsoft.com/office/drawing/2014/main" id="{59CA5412-59DA-4A0A-8419-FDCE1DA26EAB}"/>
+                <a16:creationId xmlns:a16="http://schemas.microsoft.com/office/drawing/2014/main" id="{962C2A9C-05AB-4A5B-9B6C-BF5BBA71C4B2}"/>
               </a:ext>
             </a:extLst>
           </p:cNvPr>
-          <p:cNvSpPr/>
+          <p:cNvCxnSpPr>
+            <a:cxnSpLocks/>
+            <a:stCxn id="46" idx="1"/>
+            <a:endCxn id="6" idx="2"/>
+          </p:cNvCxnSpPr>
           <p:nvPr/>
-        </p:nvSpPr>
+        </p:nvCxnSpPr>
         <p:spPr>
-          <a:xfrm>
-            <a:off x="6858000" y="2861733"/>
-            <a:ext cx="3022600" cy="1102385"/>
+          <a:xfrm rot="10800000" flipH="1">
+            <a:off x="408490" y="3474565"/>
+            <a:ext cx="1937477" cy="2075071"/>
           </a:xfrm>
-          <a:prstGeom prst="roundRect">
+          <a:prstGeom prst="curvedConnector4">
             <a:avLst>
-              <a:gd name="adj" fmla="val 6893"/>
+              <a:gd name="adj1" fmla="val -11799"/>
+              <a:gd name="adj2" fmla="val 79449"/>
             </a:avLst>
           </a:prstGeom>
-          <a:solidFill>
-            <a:schemeClr val="accent1">
-              <a:lumMod val="40000"/>
-              <a:lumOff val="60000"/>
-            </a:schemeClr>
-          </a:solidFill>
           <a:ln>
-            <a:solidFill>
-              <a:schemeClr val="accent1">
-                <a:lumMod val="40000"/>
-                <a:lumOff val="60000"/>
-              </a:schemeClr>
-            </a:solidFill>
+            <a:tailEnd type="triangle"/>
           </a:ln>
         </p:spPr>
         <p:style>
-          <a:lnRef idx="2">
-            <a:schemeClr val="accent1">
-              <a:shade val="50000"/>
-            </a:schemeClr>
+          <a:lnRef idx="1">
+            <a:schemeClr val="accent1"/>
           </a:lnRef>
-          <a:fillRef idx="1">
+          <a:fillRef idx="0">
             <a:schemeClr val="accent1"/>
           </a:fillRef>
           <a:effectRef idx="0">
             <a:schemeClr val="accent1"/>
           </a:effectRef>
           <a:fontRef idx="minor">
-            <a:schemeClr val="lt1"/>
+            <a:schemeClr val="tx1"/>
           </a:fontRef>
         </p:style>
-        <p:txBody>
-          <a:bodyPr rtlCol="0" anchor="ctr"/>
-          <a:lstStyle/>
-          <a:p>
-            <a:r>
-              <a:rPr lang="ru-RU" sz="1400" b="1" dirty="0">
-                <a:solidFill>
-                  <a:schemeClr val="tx1">
-                    <a:lumMod val="65000"/>
-                    <a:lumOff val="35000"/>
-                  </a:schemeClr>
-                </a:solidFill>
-              </a:rPr>
-              <a:t>Модель</a:t>
-            </a:r>
-            <a:r>
-              <a:rPr lang="ru-RU" sz="1400" dirty="0">
-                <a:solidFill>
-                  <a:schemeClr val="tx1">
-                    <a:lumMod val="65000"/>
-                    <a:lumOff val="35000"/>
-                  </a:schemeClr>
-                </a:solidFill>
-              </a:rPr>
-              <a:t>: множество примитивов, загружается из файла формата </a:t>
-            </a:r>
-            <a:r>
-              <a:rPr lang="en-US" sz="1400" dirty="0">
-                <a:solidFill>
-                  <a:schemeClr val="tx1">
-                    <a:lumMod val="65000"/>
-                    <a:lumOff val="35000"/>
-                  </a:schemeClr>
-                </a:solidFill>
-              </a:rPr>
-              <a:t>.obj (</a:t>
-            </a:r>
-            <a:r>
-              <a:rPr lang="ru-RU" sz="1400" dirty="0">
-                <a:solidFill>
-                  <a:schemeClr val="tx1">
-                    <a:lumMod val="65000"/>
-                    <a:lumOff val="35000"/>
-                  </a:schemeClr>
-                </a:solidFill>
-              </a:rPr>
-              <a:t>на данный момент поддерживается только данный формат</a:t>
-            </a:r>
-            <a:r>
-              <a:rPr lang="en-US" sz="1400" dirty="0">
-                <a:solidFill>
-                  <a:schemeClr val="tx1">
-                    <a:lumMod val="65000"/>
-                    <a:lumOff val="35000"/>
-                  </a:schemeClr>
-                </a:solidFill>
-              </a:rPr>
-              <a:t>)</a:t>
-            </a:r>
-            <a:endParaRPr lang="ru-RU" sz="1400" dirty="0">
-              <a:solidFill>
-                <a:schemeClr val="tx1">
-                  <a:lumMod val="65000"/>
-                  <a:lumOff val="35000"/>
-                </a:schemeClr>
-              </a:solidFill>
-            </a:endParaRPr>
-          </a:p>
-        </p:txBody>
-      </p:sp>
-      <p:sp>
-        <p:nvSpPr>
-          <p:cNvPr id="9" name="Rectangle: Rounded Corners 8">
+      </p:cxnSp>
+      <p:cxnSp>
+        <p:nvCxnSpPr>
+          <p:cNvPr id="56" name="Connector: Curved 55">
             <a:extLst>
               <a:ext uri="{FF2B5EF4-FFF2-40B4-BE49-F238E27FC236}">
-                <a16:creationId xmlns:a16="http://schemas.microsoft.com/office/drawing/2014/main" id="{61ECBB77-E3EB-40EF-B4E2-E17FDEE50E28}"/>
+                <a16:creationId xmlns:a16="http://schemas.microsoft.com/office/drawing/2014/main" id="{431A21D7-0246-44E7-8158-59CFAD5F73EA}"/>
               </a:ext>
             </a:extLst>
           </p:cNvPr>
-          <p:cNvSpPr/>
+          <p:cNvCxnSpPr>
+            <a:cxnSpLocks/>
+            <a:stCxn id="29" idx="1"/>
+            <a:endCxn id="6" idx="2"/>
+          </p:cNvCxnSpPr>
           <p:nvPr/>
-        </p:nvSpPr>
+        </p:nvCxnSpPr>
         <p:spPr>
-          <a:xfrm>
-            <a:off x="6858000" y="4099584"/>
-            <a:ext cx="3022600" cy="1293683"/>
+          <a:xfrm rot="10800000">
+            <a:off x="2345968" y="3474565"/>
+            <a:ext cx="2560502" cy="999785"/>
           </a:xfrm>
-          <a:prstGeom prst="roundRect">
-            <a:avLst>
-              <a:gd name="adj" fmla="val 6893"/>
-            </a:avLst>
+          <a:prstGeom prst="curvedConnector2">
+            <a:avLst/>
           </a:prstGeom>
-          <a:solidFill>
-            <a:schemeClr val="accent1">
-              <a:lumMod val="40000"/>
-              <a:lumOff val="60000"/>
-            </a:schemeClr>
-          </a:solidFill>
           <a:ln>
-            <a:solidFill>
-              <a:schemeClr val="accent1">
-                <a:lumMod val="40000"/>
-                <a:lumOff val="60000"/>
-              </a:schemeClr>
-            </a:solidFill>
+            <a:tailEnd type="triangle"/>
           </a:ln>
         </p:spPr>
         <p:style>
-          <a:lnRef idx="2">
-            <a:schemeClr val="accent1">
-              <a:shade val="50000"/>
-            </a:schemeClr>
+          <a:lnRef idx="1">
+            <a:schemeClr val="accent1"/>
           </a:lnRef>
-          <a:fillRef idx="1">
+          <a:fillRef idx="0">
             <a:schemeClr val="accent1"/>
           </a:fillRef>
           <a:effectRef idx="0">
             <a:schemeClr val="accent1"/>
           </a:effectRef>
           <a:fontRef idx="minor">
-            <a:schemeClr val="lt1"/>
+            <a:schemeClr val="tx1"/>
           </a:fontRef>
         </p:style>
+      </p:cxnSp>
+    </p:spTree>
+    <p:extLst>
+      <p:ext uri="{BB962C8B-B14F-4D97-AF65-F5344CB8AC3E}">
+        <p14:creationId xmlns:p14="http://schemas.microsoft.com/office/powerpoint/2010/main" val="1626596765"/>
+      </p:ext>
+    </p:extLst>
+  </p:cSld>
+  <p:clrMapOvr>
+    <a:masterClrMapping/>
+  </p:clrMapOvr>
+</p:sld>
+</file>
+
+<file path=ppt/slides/slide8.xml><?xml version="1.0" encoding="utf-8"?>
+<p:sld xmlns:a="http://schemas.openxmlformats.org/drawingml/2006/main" xmlns:r="http://schemas.openxmlformats.org/officeDocument/2006/relationships" xmlns:p="http://schemas.openxmlformats.org/presentationml/2006/main">
+  <p:cSld>
+    <p:spTree>
+      <p:nvGrpSpPr>
+        <p:cNvPr id="1" name=""/>
+        <p:cNvGrpSpPr/>
+        <p:nvPr/>
+      </p:nvGrpSpPr>
+      <p:grpSpPr>
+        <a:xfrm>
+          <a:off x="0" y="0"/>
+          <a:ext cx="0" cy="0"/>
+          <a:chOff x="0" y="0"/>
+          <a:chExt cx="0" cy="0"/>
+        </a:xfrm>
+      </p:grpSpPr>
+      <p:sp>
+        <p:nvSpPr>
+          <p:cNvPr id="2" name="Title 1">
+            <a:extLst>
+              <a:ext uri="{FF2B5EF4-FFF2-40B4-BE49-F238E27FC236}">
+                <a16:creationId xmlns:a16="http://schemas.microsoft.com/office/drawing/2014/main" id="{E67B6161-498E-41C7-8AD3-DFD31C4366E3}"/>
+              </a:ext>
+            </a:extLst>
+          </p:cNvPr>
+          <p:cNvSpPr>
+            <a:spLocks noGrp="1"/>
+          </p:cNvSpPr>
+          <p:nvPr>
+            <p:ph type="title"/>
+          </p:nvPr>
+        </p:nvSpPr>
+        <p:spPr/>
         <p:txBody>
-          <a:bodyPr rtlCol="0" anchor="ctr"/>
+          <a:bodyPr/>
           <a:lstStyle/>
           <a:p>
             <a:r>
-              <a:rPr lang="ru-RU" sz="1400" b="1" dirty="0">
+              <a:rPr lang="ru-RU" b="1" dirty="0">
                 <a:solidFill>
-                  <a:schemeClr val="tx1">
-                    <a:lumMod val="65000"/>
-                    <a:lumOff val="35000"/>
+                  <a:schemeClr val="bg2">
+                    <a:lumMod val="25000"/>
                   </a:schemeClr>
                 </a:solidFill>
               </a:rPr>
-              <a:t>Вершинный буфер</a:t>
-            </a:r>
-            <a:r>
-              <a:rPr lang="ru-RU" sz="1400" dirty="0">
-                <a:solidFill>
-                  <a:schemeClr val="tx1">
-                    <a:lumMod val="65000"/>
-                    <a:lumOff val="35000"/>
-                  </a:schemeClr>
-                </a:solidFill>
-              </a:rPr>
-              <a:t>: множество точек с заданными характеристиками, пример характеристик: позиция, цвет, текстурная координата, нормаль к точке </a:t>
+              <a:t>Задачи Кураленка Святослава (рендер):</a:t>
             </a:r>
           </a:p>
         </p:txBody>
       </p:sp>
       <p:sp>
         <p:nvSpPr>
-          <p:cNvPr id="10" name="Rectangle: Rounded Corners 9">
+          <p:cNvPr id="3" name="Content Placeholder 2">
             <a:extLst>
               <a:ext uri="{FF2B5EF4-FFF2-40B4-BE49-F238E27FC236}">
-                <a16:creationId xmlns:a16="http://schemas.microsoft.com/office/drawing/2014/main" id="{375ED3DC-71AF-422B-9EE3-7D426D6B5376}"/>
+                <a16:creationId xmlns:a16="http://schemas.microsoft.com/office/drawing/2014/main" id="{76A8E026-6C6F-44C6-9256-E8C9486C4206}"/>
               </a:ext>
             </a:extLst>
           </p:cNvPr>
-          <p:cNvSpPr/>
-          <p:nvPr/>
+          <p:cNvSpPr>
+            <a:spLocks noGrp="1"/>
+          </p:cNvSpPr>
+          <p:nvPr>
+            <p:ph idx="1"/>
+          </p:nvPr>
         </p:nvSpPr>
         <p:spPr>
           <a:xfrm>
-            <a:off x="6858000" y="5557568"/>
-            <a:ext cx="3022600" cy="1293683"/>
+            <a:off x="838200" y="1847850"/>
+            <a:ext cx="10515600" cy="4351338"/>
           </a:xfrm>
-          <a:prstGeom prst="roundRect">
-            <a:avLst>
-              <a:gd name="adj" fmla="val 6893"/>
-            </a:avLst>
-          </a:prstGeom>
-          <a:solidFill>
-            <a:schemeClr val="accent1">
-              <a:lumMod val="40000"/>
-              <a:lumOff val="60000"/>
-            </a:schemeClr>
-          </a:solidFill>
-          <a:ln>
-            <a:solidFill>
-              <a:schemeClr val="accent1">
-                <a:lumMod val="40000"/>
-                <a:lumOff val="60000"/>
-              </a:schemeClr>
-            </a:solidFill>
-          </a:ln>
         </p:spPr>
-        <p:style>
-          <a:lnRef idx="2">
-            <a:schemeClr val="accent1">
-              <a:shade val="50000"/>
-            </a:schemeClr>
-          </a:lnRef>
-          <a:fillRef idx="1">
-            <a:schemeClr val="accent1"/>
-          </a:fillRef>
-          <a:effectRef idx="0">
-            <a:schemeClr val="accent1"/>
-          </a:effectRef>
-          <a:fontRef idx="minor">
-            <a:schemeClr val="lt1"/>
-          </a:fontRef>
-        </p:style>
         <p:txBody>
-          <a:bodyPr rtlCol="0" anchor="ctr"/>
+          <a:bodyPr/>
           <a:lstStyle/>
           <a:p>
             <a:r>
-              <a:rPr lang="ru-RU" sz="1400" b="1" dirty="0">
-                <a:solidFill>
-                  <a:schemeClr val="tx1">
-                    <a:lumMod val="65000"/>
-                    <a:lumOff val="35000"/>
-                  </a:schemeClr>
-                </a:solidFill>
-              </a:rPr>
-              <a:t>Буфер индексов</a:t>
-            </a:r>
-            <a:r>
-              <a:rPr lang="ru-RU" sz="1400" dirty="0">
-                <a:solidFill>
-                  <a:schemeClr val="tx1">
-                    <a:lumMod val="65000"/>
-                    <a:lumOff val="35000"/>
-                  </a:schemeClr>
-                </a:solidFill>
-              </a:rPr>
-              <a:t>: множество точек с заданными характеристиками, пример характеристик: позиция, цвет, текстурная координата, нормаль к точке </a:t>
-            </a:r>
+              <a:rPr lang="ru-RU" dirty="0"/>
+              <a:t>Сделано:</a:t>
+            </a:r>
+          </a:p>
+          <a:p>
+            <a:pPr lvl="1"/>
+            <a:r>
+              <a:rPr lang="ru-RU" dirty="0"/>
+              <a:t>Модуль создания окна и обработка ввода от клавтатуры</a:t>
+            </a:r>
+          </a:p>
+          <a:p>
+            <a:pPr lvl="1"/>
+            <a:r>
+              <a:rPr lang="ru-RU" dirty="0"/>
+              <a:t>Модуль инитиализации графической библеотеки </a:t>
+            </a:r>
+            <a:r>
+              <a:rPr lang="en-US" dirty="0"/>
+              <a:t>OpenGL</a:t>
+            </a:r>
+          </a:p>
+          <a:p>
+            <a:pPr lvl="1"/>
+            <a:r>
+              <a:rPr lang="ru-RU" dirty="0"/>
+              <a:t>Реализация ресурсов рендера:</a:t>
+            </a:r>
+          </a:p>
+          <a:p>
+            <a:pPr lvl="2"/>
+            <a:r>
+              <a:rPr lang="ru-RU" dirty="0"/>
+              <a:t>Буффера (вершинный</a:t>
+            </a:r>
+            <a:r>
+              <a:rPr lang="en-US" dirty="0"/>
+              <a:t>/</a:t>
+            </a:r>
+            <a:r>
+              <a:rPr lang="ru-RU" dirty="0"/>
+              <a:t>индексов</a:t>
+            </a:r>
+            <a:r>
+              <a:rPr lang="en-US" dirty="0"/>
+              <a:t>/</a:t>
+            </a:r>
+            <a:r>
+              <a:rPr lang="ru-RU" dirty="0"/>
+              <a:t>вершинный массив</a:t>
+            </a:r>
+            <a:r>
+              <a:rPr lang="en-US" dirty="0"/>
+              <a:t>/</a:t>
+            </a:r>
+            <a:r>
+              <a:rPr lang="ru-RU" dirty="0"/>
+              <a:t>данных для шейдеров)</a:t>
+            </a:r>
+          </a:p>
+          <a:p>
+            <a:pPr lvl="2"/>
+            <a:endParaRPr lang="ru-RU" dirty="0"/>
+          </a:p>
+        </p:txBody>
+      </p:sp>
+      <p:sp>
+        <p:nvSpPr>
+          <p:cNvPr id="4" name="Slide Number Placeholder 3">
+            <a:extLst>
+              <a:ext uri="{FF2B5EF4-FFF2-40B4-BE49-F238E27FC236}">
+                <a16:creationId xmlns:a16="http://schemas.microsoft.com/office/drawing/2014/main" id="{24CEA806-4464-4EFB-AF47-DBF7F2FAEDBF}"/>
+              </a:ext>
+            </a:extLst>
+          </p:cNvPr>
+          <p:cNvSpPr>
+            <a:spLocks noGrp="1"/>
+          </p:cNvSpPr>
+          <p:nvPr>
+            <p:ph type="sldNum" sz="quarter" idx="12"/>
+          </p:nvPr>
+        </p:nvSpPr>
+        <p:spPr/>
+        <p:txBody>
+          <a:bodyPr/>
+          <a:lstStyle/>
+          <a:p>
+            <a:fld id="{30063567-F01A-454D-AAAD-56574FBFC9A6}" type="slidenum">
+              <a:rPr lang="ru-RU" smtClean="0"/>
+              <a:t>8</a:t>
+            </a:fld>
+            <a:endParaRPr lang="ru-RU"/>
           </a:p>
         </p:txBody>
       </p:sp>
     </p:spTree>
     <p:extLst>
       <p:ext uri="{BB962C8B-B14F-4D97-AF65-F5344CB8AC3E}">
-        <p14:creationId xmlns:p14="http://schemas.microsoft.com/office/powerpoint/2010/main" val="1626596765"/>
+        <p14:creationId xmlns:p14="http://schemas.microsoft.com/office/powerpoint/2010/main" val="687733714"/>
+      </p:ext>
+    </p:extLst>
+  </p:cSld>
+  <p:clrMapOvr>
+    <a:masterClrMapping/>
+  </p:clrMapOvr>
+</p:sld>
+</file>
+
+<file path=ppt/slides/slide9.xml><?xml version="1.0" encoding="utf-8"?>
+<p:sld xmlns:a="http://schemas.openxmlformats.org/drawingml/2006/main" xmlns:r="http://schemas.openxmlformats.org/officeDocument/2006/relationships" xmlns:p="http://schemas.openxmlformats.org/presentationml/2006/main">
+  <p:cSld>
+    <p:spTree>
+      <p:nvGrpSpPr>
+        <p:cNvPr id="1" name=""/>
+        <p:cNvGrpSpPr/>
+        <p:nvPr/>
+      </p:nvGrpSpPr>
+      <p:grpSpPr>
+        <a:xfrm>
+          <a:off x="0" y="0"/>
+          <a:ext cx="0" cy="0"/>
+          <a:chOff x="0" y="0"/>
+          <a:chExt cx="0" cy="0"/>
+        </a:xfrm>
+      </p:grpSpPr>
+      <p:sp>
+        <p:nvSpPr>
+          <p:cNvPr id="3" name="Content Placeholder 2">
+            <a:extLst>
+              <a:ext uri="{FF2B5EF4-FFF2-40B4-BE49-F238E27FC236}">
+                <a16:creationId xmlns:a16="http://schemas.microsoft.com/office/drawing/2014/main" id="{0C3CA12C-9258-4ED4-80D3-D5CE5A424AFF}"/>
+              </a:ext>
+            </a:extLst>
+          </p:cNvPr>
+          <p:cNvSpPr>
+            <a:spLocks noGrp="1"/>
+          </p:cNvSpPr>
+          <p:nvPr>
+            <p:ph idx="1"/>
+          </p:nvPr>
+        </p:nvSpPr>
+        <p:spPr>
+          <a:xfrm>
+            <a:off x="838200" y="5393247"/>
+            <a:ext cx="10515600" cy="562936"/>
+          </a:xfrm>
+        </p:spPr>
+        <p:txBody>
+          <a:bodyPr/>
+          <a:lstStyle/>
+          <a:p>
+            <a:pPr marL="0" indent="0" algn="ctr">
+              <a:buNone/>
+            </a:pPr>
+            <a:r>
+              <a:rPr lang="en-US" dirty="0">
+                <a:hlinkClick r:id="rId2"/>
+              </a:rPr>
+              <a:t>github.com/DmitriyVlasovDV1/</a:t>
+            </a:r>
+            <a:r>
+              <a:rPr lang="en-US" dirty="0" err="1">
+                <a:hlinkClick r:id="rId2"/>
+              </a:rPr>
+              <a:t>CppRMRT</a:t>
+            </a:r>
+            <a:endParaRPr lang="ru-RU" dirty="0"/>
+          </a:p>
+        </p:txBody>
+      </p:sp>
+      <p:sp>
+        <p:nvSpPr>
+          <p:cNvPr id="4" name="Slide Number Placeholder 3">
+            <a:extLst>
+              <a:ext uri="{FF2B5EF4-FFF2-40B4-BE49-F238E27FC236}">
+                <a16:creationId xmlns:a16="http://schemas.microsoft.com/office/drawing/2014/main" id="{722F8424-61CA-4D29-A395-6D4FC03D8596}"/>
+              </a:ext>
+            </a:extLst>
+          </p:cNvPr>
+          <p:cNvSpPr>
+            <a:spLocks noGrp="1"/>
+          </p:cNvSpPr>
+          <p:nvPr>
+            <p:ph type="sldNum" sz="quarter" idx="12"/>
+          </p:nvPr>
+        </p:nvSpPr>
+        <p:spPr>
+          <a:xfrm>
+            <a:off x="8736435" y="6492875"/>
+            <a:ext cx="2743200" cy="365125"/>
+          </a:xfrm>
+        </p:spPr>
+        <p:txBody>
+          <a:bodyPr/>
+          <a:lstStyle/>
+          <a:p>
+            <a:fld id="{30063567-F01A-454D-AAAD-56574FBFC9A6}" type="slidenum">
+              <a:rPr lang="ru-RU" smtClean="0"/>
+              <a:t>9</a:t>
+            </a:fld>
+            <a:endParaRPr lang="ru-RU"/>
+          </a:p>
+        </p:txBody>
+      </p:sp>
+      <p:pic>
+        <p:nvPicPr>
+          <p:cNvPr id="6" name="Picture 5">
+            <a:extLst>
+              <a:ext uri="{FF2B5EF4-FFF2-40B4-BE49-F238E27FC236}">
+                <a16:creationId xmlns:a16="http://schemas.microsoft.com/office/drawing/2014/main" id="{4027F457-FD5D-458D-AD6E-31C0BCD932D1}"/>
+              </a:ext>
+            </a:extLst>
+          </p:cNvPr>
+          <p:cNvPicPr>
+            <a:picLocks noChangeAspect="1"/>
+          </p:cNvPicPr>
+          <p:nvPr/>
+        </p:nvPicPr>
+        <p:blipFill>
+          <a:blip r:embed="rId3"/>
+          <a:stretch>
+            <a:fillRect/>
+          </a:stretch>
+        </p:blipFill>
+        <p:spPr>
+          <a:xfrm>
+            <a:off x="4357382" y="901817"/>
+            <a:ext cx="3477236" cy="3477236"/>
+          </a:xfrm>
+          <a:prstGeom prst="rect">
+            <a:avLst/>
+          </a:prstGeom>
+        </p:spPr>
+      </p:pic>
+    </p:spTree>
+    <p:extLst>
+      <p:ext uri="{BB962C8B-B14F-4D97-AF65-F5344CB8AC3E}">
+        <p14:creationId xmlns:p14="http://schemas.microsoft.com/office/powerpoint/2010/main" val="2778473336"/>
       </p:ext>
     </p:extLst>
   </p:cSld>

--- a/doc/presentation.pptx
+++ b/doc/presentation.pptx
@@ -9824,12 +9824,15 @@
             </a:r>
             <a:r>
               <a:rPr lang="ru-RU" dirty="0"/>
-              <a:t>данных для шейдеров)</a:t>
+              <a:t>данных для шейдеров) – создание, удаление</a:t>
             </a:r>
           </a:p>
           <a:p>
             <a:pPr lvl="2"/>
-            <a:endParaRPr lang="ru-RU" dirty="0"/>
+            <a:r>
+              <a:rPr lang="ru-RU" dirty="0"/>
+              <a:t>Шейдера – загрузка, компиляция</a:t>
+            </a:r>
           </a:p>
         </p:txBody>
       </p:sp>

--- a/doc/presentation.pptx
+++ b/doc/presentation.pptx
@@ -5,7 +5,7 @@
     <p:sldMasterId id="2147483648" r:id="rId1"/>
   </p:sldMasterIdLst>
   <p:notesMasterIdLst>
-    <p:notesMasterId r:id="rId11"/>
+    <p:notesMasterId r:id="rId12"/>
   </p:notesMasterIdLst>
   <p:sldIdLst>
     <p:sldId id="256" r:id="rId2"/>
@@ -16,7 +16,8 @@
     <p:sldId id="261" r:id="rId7"/>
     <p:sldId id="262" r:id="rId8"/>
     <p:sldId id="264" r:id="rId9"/>
-    <p:sldId id="263" r:id="rId10"/>
+    <p:sldId id="267" r:id="rId10"/>
+    <p:sldId id="263" r:id="rId11"/>
   </p:sldIdLst>
   <p:sldSz cx="12192000" cy="6858000"/>
   <p:notesSz cx="6858000" cy="9144000"/>
@@ -734,6 +735,110 @@
       <p:sp>
         <p:nvSpPr>
           <p:cNvPr id="112" name="Google Shape;112;p4:notes"/>
+          <p:cNvSpPr>
+            <a:spLocks noGrp="1" noRot="1" noChangeAspect="1"/>
+          </p:cNvSpPr>
+          <p:nvPr>
+            <p:ph type="sldImg" idx="2"/>
+          </p:nvPr>
+        </p:nvSpPr>
+        <p:spPr>
+          <a:xfrm>
+            <a:off x="685800" y="1143000"/>
+            <a:ext cx="5486400" cy="3086100"/>
+          </a:xfrm>
+          <a:custGeom>
+            <a:avLst/>
+            <a:gdLst/>
+            <a:ahLst/>
+            <a:cxnLst/>
+            <a:rect l="l" t="t" r="r" b="b"/>
+            <a:pathLst>
+              <a:path w="120000" h="120000" extrusionOk="0">
+                <a:moveTo>
+                  <a:pt x="0" y="0"/>
+                </a:moveTo>
+                <a:lnTo>
+                  <a:pt x="120000" y="0"/>
+                </a:lnTo>
+                <a:lnTo>
+                  <a:pt x="120000" y="120000"/>
+                </a:lnTo>
+                <a:lnTo>
+                  <a:pt x="0" y="120000"/>
+                </a:lnTo>
+                <a:close/>
+              </a:path>
+            </a:pathLst>
+          </a:custGeom>
+        </p:spPr>
+      </p:sp>
+    </p:spTree>
+  </p:cSld>
+  <p:clrMapOvr>
+    <a:masterClrMapping/>
+  </p:clrMapOvr>
+</p:notes>
+</file>
+
+<file path=ppt/notesSlides/notesSlide4.xml><?xml version="1.0" encoding="utf-8"?>
+<p:notes xmlns:a="http://schemas.openxmlformats.org/drawingml/2006/main" xmlns:r="http://schemas.openxmlformats.org/officeDocument/2006/relationships" xmlns:p="http://schemas.openxmlformats.org/presentationml/2006/main" showMasterSp="0" showMasterPhAnim="0">
+  <p:cSld>
+    <p:spTree>
+      <p:nvGrpSpPr>
+        <p:cNvPr id="1" name="Shape 183"/>
+        <p:cNvGrpSpPr/>
+        <p:nvPr/>
+      </p:nvGrpSpPr>
+      <p:grpSpPr>
+        <a:xfrm>
+          <a:off x="0" y="0"/>
+          <a:ext cx="0" cy="0"/>
+          <a:chOff x="0" y="0"/>
+          <a:chExt cx="0" cy="0"/>
+        </a:xfrm>
+      </p:grpSpPr>
+      <p:sp>
+        <p:nvSpPr>
+          <p:cNvPr id="184" name="Google Shape;184;g22c829f65bd_0_0:notes"/>
+          <p:cNvSpPr txBox="1">
+            <a:spLocks noGrp="1"/>
+          </p:cNvSpPr>
+          <p:nvPr>
+            <p:ph type="body" idx="1"/>
+          </p:nvPr>
+        </p:nvSpPr>
+        <p:spPr>
+          <a:xfrm>
+            <a:off x="685800" y="4400550"/>
+            <a:ext cx="5486400" cy="3600600"/>
+          </a:xfrm>
+          <a:prstGeom prst="rect">
+            <a:avLst/>
+          </a:prstGeom>
+        </p:spPr>
+        <p:txBody>
+          <a:bodyPr spcFirstLastPara="1" wrap="square" lIns="91425" tIns="45700" rIns="91425" bIns="45700" anchor="t" anchorCtr="0">
+            <a:noAutofit/>
+          </a:bodyPr>
+          <a:lstStyle/>
+          <a:p>
+            <a:pPr marL="0" lvl="0" indent="0" algn="l" rtl="0">
+              <a:spcBef>
+                <a:spcPts val="0"/>
+              </a:spcBef>
+              <a:spcAft>
+                <a:spcPts val="0"/>
+              </a:spcAft>
+              <a:buNone/>
+            </a:pPr>
+            <a:endParaRPr/>
+          </a:p>
+        </p:txBody>
+      </p:sp>
+      <p:sp>
+        <p:nvSpPr>
+          <p:cNvPr id="185" name="Google Shape;185;g22c829f65bd_0_0:notes"/>
           <p:cNvSpPr>
             <a:spLocks noGrp="1" noRot="1" noChangeAspect="1"/>
           </p:cNvSpPr>
@@ -4502,6 +4607,145 @@
     <p:extLst>
       <p:ext uri="{BB962C8B-B14F-4D97-AF65-F5344CB8AC3E}">
         <p14:creationId xmlns:p14="http://schemas.microsoft.com/office/powerpoint/2010/main" val="4219050597"/>
+      </p:ext>
+    </p:extLst>
+  </p:cSld>
+  <p:clrMapOvr>
+    <a:masterClrMapping/>
+  </p:clrMapOvr>
+</p:sld>
+</file>
+
+<file path=ppt/slides/slide10.xml><?xml version="1.0" encoding="utf-8"?>
+<p:sld xmlns:a="http://schemas.openxmlformats.org/drawingml/2006/main" xmlns:r="http://schemas.openxmlformats.org/officeDocument/2006/relationships" xmlns:p="http://schemas.openxmlformats.org/presentationml/2006/main">
+  <p:cSld>
+    <p:spTree>
+      <p:nvGrpSpPr>
+        <p:cNvPr id="1" name=""/>
+        <p:cNvGrpSpPr/>
+        <p:nvPr/>
+      </p:nvGrpSpPr>
+      <p:grpSpPr>
+        <a:xfrm>
+          <a:off x="0" y="0"/>
+          <a:ext cx="0" cy="0"/>
+          <a:chOff x="0" y="0"/>
+          <a:chExt cx="0" cy="0"/>
+        </a:xfrm>
+      </p:grpSpPr>
+      <p:sp>
+        <p:nvSpPr>
+          <p:cNvPr id="3" name="Content Placeholder 2">
+            <a:extLst>
+              <a:ext uri="{FF2B5EF4-FFF2-40B4-BE49-F238E27FC236}">
+                <a16:creationId xmlns:a16="http://schemas.microsoft.com/office/drawing/2014/main" id="{0C3CA12C-9258-4ED4-80D3-D5CE5A424AFF}"/>
+              </a:ext>
+            </a:extLst>
+          </p:cNvPr>
+          <p:cNvSpPr>
+            <a:spLocks noGrp="1"/>
+          </p:cNvSpPr>
+          <p:nvPr>
+            <p:ph idx="1"/>
+          </p:nvPr>
+        </p:nvSpPr>
+        <p:spPr>
+          <a:xfrm>
+            <a:off x="838200" y="5393247"/>
+            <a:ext cx="10515600" cy="562936"/>
+          </a:xfrm>
+        </p:spPr>
+        <p:txBody>
+          <a:bodyPr/>
+          <a:lstStyle/>
+          <a:p>
+            <a:pPr marL="0" indent="0" algn="ctr">
+              <a:buNone/>
+            </a:pPr>
+            <a:r>
+              <a:rPr lang="en-US" dirty="0">
+                <a:hlinkClick r:id="rId2"/>
+              </a:rPr>
+              <a:t>github.com/DmitriyVlasovDV1/</a:t>
+            </a:r>
+            <a:r>
+              <a:rPr lang="en-US" dirty="0" err="1">
+                <a:hlinkClick r:id="rId2"/>
+              </a:rPr>
+              <a:t>CppRMRT</a:t>
+            </a:r>
+            <a:endParaRPr lang="ru-RU" dirty="0"/>
+          </a:p>
+        </p:txBody>
+      </p:sp>
+      <p:sp>
+        <p:nvSpPr>
+          <p:cNvPr id="4" name="Slide Number Placeholder 3">
+            <a:extLst>
+              <a:ext uri="{FF2B5EF4-FFF2-40B4-BE49-F238E27FC236}">
+                <a16:creationId xmlns:a16="http://schemas.microsoft.com/office/drawing/2014/main" id="{722F8424-61CA-4D29-A395-6D4FC03D8596}"/>
+              </a:ext>
+            </a:extLst>
+          </p:cNvPr>
+          <p:cNvSpPr>
+            <a:spLocks noGrp="1"/>
+          </p:cNvSpPr>
+          <p:nvPr>
+            <p:ph type="sldNum" sz="quarter" idx="12"/>
+          </p:nvPr>
+        </p:nvSpPr>
+        <p:spPr>
+          <a:xfrm>
+            <a:off x="8736435" y="6492875"/>
+            <a:ext cx="2743200" cy="365125"/>
+          </a:xfrm>
+        </p:spPr>
+        <p:txBody>
+          <a:bodyPr/>
+          <a:lstStyle/>
+          <a:p>
+            <a:fld id="{30063567-F01A-454D-AAAD-56574FBFC9A6}" type="slidenum">
+              <a:rPr lang="ru-RU" smtClean="0"/>
+              <a:t>10</a:t>
+            </a:fld>
+            <a:endParaRPr lang="ru-RU"/>
+          </a:p>
+        </p:txBody>
+      </p:sp>
+      <p:pic>
+        <p:nvPicPr>
+          <p:cNvPr id="6" name="Picture 5">
+            <a:extLst>
+              <a:ext uri="{FF2B5EF4-FFF2-40B4-BE49-F238E27FC236}">
+                <a16:creationId xmlns:a16="http://schemas.microsoft.com/office/drawing/2014/main" id="{4027F457-FD5D-458D-AD6E-31C0BCD932D1}"/>
+              </a:ext>
+            </a:extLst>
+          </p:cNvPr>
+          <p:cNvPicPr>
+            <a:picLocks noChangeAspect="1"/>
+          </p:cNvPicPr>
+          <p:nvPr/>
+        </p:nvPicPr>
+        <p:blipFill>
+          <a:blip r:embed="rId3"/>
+          <a:stretch>
+            <a:fillRect/>
+          </a:stretch>
+        </p:blipFill>
+        <p:spPr>
+          <a:xfrm>
+            <a:off x="4357382" y="901817"/>
+            <a:ext cx="3477236" cy="3477236"/>
+          </a:xfrm>
+          <a:prstGeom prst="rect">
+            <a:avLst/>
+          </a:prstGeom>
+        </p:spPr>
+      </p:pic>
+    </p:spTree>
+    <p:extLst>
+      <p:ext uri="{BB962C8B-B14F-4D97-AF65-F5344CB8AC3E}">
+        <p14:creationId xmlns:p14="http://schemas.microsoft.com/office/powerpoint/2010/main" val="2778473336"/>
       </p:ext>
     </p:extLst>
   </p:cSld>
@@ -9008,12 +9252,142 @@
           </p:txBody>
         </p:sp>
       </p:grpSp>
+      <p:cxnSp>
+        <p:nvCxnSpPr>
+          <p:cNvPr id="44" name="Straight Arrow Connector 43">
+            <a:extLst>
+              <a:ext uri="{FF2B5EF4-FFF2-40B4-BE49-F238E27FC236}">
+                <a16:creationId xmlns:a16="http://schemas.microsoft.com/office/drawing/2014/main" id="{A1E61E4A-3401-4EBF-95C1-A997DC0E6BB8}"/>
+              </a:ext>
+            </a:extLst>
+          </p:cNvPr>
+          <p:cNvCxnSpPr>
+            <a:stCxn id="6" idx="0"/>
+            <a:endCxn id="5" idx="2"/>
+          </p:cNvCxnSpPr>
+          <p:nvPr/>
+        </p:nvCxnSpPr>
+        <p:spPr>
+          <a:xfrm flipH="1" flipV="1">
+            <a:off x="2345967" y="2202857"/>
+            <a:ext cx="1" cy="320457"/>
+          </a:xfrm>
+          <a:prstGeom prst="straightConnector1">
+            <a:avLst/>
+          </a:prstGeom>
+          <a:ln>
+            <a:tailEnd type="triangle"/>
+          </a:ln>
+        </p:spPr>
+        <p:style>
+          <a:lnRef idx="1">
+            <a:schemeClr val="accent1"/>
+          </a:lnRef>
+          <a:fillRef idx="0">
+            <a:schemeClr val="accent1"/>
+          </a:fillRef>
+          <a:effectRef idx="0">
+            <a:schemeClr val="accent1"/>
+          </a:effectRef>
+          <a:fontRef idx="minor">
+            <a:schemeClr val="tx1"/>
+          </a:fontRef>
+        </p:style>
+      </p:cxnSp>
+      <p:cxnSp>
+        <p:nvCxnSpPr>
+          <p:cNvPr id="50" name="Connector: Curved 49">
+            <a:extLst>
+              <a:ext uri="{FF2B5EF4-FFF2-40B4-BE49-F238E27FC236}">
+                <a16:creationId xmlns:a16="http://schemas.microsoft.com/office/drawing/2014/main" id="{962C2A9C-05AB-4A5B-9B6C-BF5BBA71C4B2}"/>
+              </a:ext>
+            </a:extLst>
+          </p:cNvPr>
+          <p:cNvCxnSpPr>
+            <a:cxnSpLocks/>
+            <a:stCxn id="38" idx="0"/>
+            <a:endCxn id="6" idx="2"/>
+          </p:cNvCxnSpPr>
+          <p:nvPr/>
+        </p:nvCxnSpPr>
+        <p:spPr>
+          <a:xfrm rot="5400000" flipH="1" flipV="1">
+            <a:off x="1679327" y="3945346"/>
+            <a:ext cx="1137423" cy="195860"/>
+          </a:xfrm>
+          <a:prstGeom prst="curvedConnector3">
+            <a:avLst>
+              <a:gd name="adj1" fmla="val 95728"/>
+            </a:avLst>
+          </a:prstGeom>
+          <a:ln>
+            <a:tailEnd type="triangle"/>
+          </a:ln>
+        </p:spPr>
+        <p:style>
+          <a:lnRef idx="1">
+            <a:schemeClr val="accent1"/>
+          </a:lnRef>
+          <a:fillRef idx="0">
+            <a:schemeClr val="accent1"/>
+          </a:fillRef>
+          <a:effectRef idx="0">
+            <a:schemeClr val="accent1"/>
+          </a:effectRef>
+          <a:fontRef idx="minor">
+            <a:schemeClr val="tx1"/>
+          </a:fontRef>
+        </p:style>
+      </p:cxnSp>
+      <p:cxnSp>
+        <p:nvCxnSpPr>
+          <p:cNvPr id="56" name="Connector: Curved 55">
+            <a:extLst>
+              <a:ext uri="{FF2B5EF4-FFF2-40B4-BE49-F238E27FC236}">
+                <a16:creationId xmlns:a16="http://schemas.microsoft.com/office/drawing/2014/main" id="{431A21D7-0246-44E7-8158-59CFAD5F73EA}"/>
+              </a:ext>
+            </a:extLst>
+          </p:cNvPr>
+          <p:cNvCxnSpPr>
+            <a:cxnSpLocks/>
+            <a:stCxn id="29" idx="1"/>
+            <a:endCxn id="6" idx="2"/>
+          </p:cNvCxnSpPr>
+          <p:nvPr/>
+        </p:nvCxnSpPr>
+        <p:spPr>
+          <a:xfrm rot="10800000">
+            <a:off x="2345968" y="3474565"/>
+            <a:ext cx="2560502" cy="999785"/>
+          </a:xfrm>
+          <a:prstGeom prst="curvedConnector2">
+            <a:avLst/>
+          </a:prstGeom>
+          <a:ln>
+            <a:tailEnd type="triangle"/>
+          </a:ln>
+        </p:spPr>
+        <p:style>
+          <a:lnRef idx="1">
+            <a:schemeClr val="accent1"/>
+          </a:lnRef>
+          <a:fillRef idx="0">
+            <a:schemeClr val="accent1"/>
+          </a:fillRef>
+          <a:effectRef idx="0">
+            <a:schemeClr val="accent1"/>
+          </a:effectRef>
+          <a:fontRef idx="minor">
+            <a:schemeClr val="tx1"/>
+          </a:fontRef>
+        </p:style>
+      </p:cxnSp>
       <p:grpSp>
         <p:nvGrpSpPr>
-          <p:cNvPr id="37" name="Group 36">
+          <p:cNvPr id="81" name="Group 80">
             <a:extLst>
               <a:ext uri="{FF2B5EF4-FFF2-40B4-BE49-F238E27FC236}">
-                <a16:creationId xmlns:a16="http://schemas.microsoft.com/office/drawing/2014/main" id="{9AE7EB79-03D5-4AB2-B2E6-6888AAA77426}"/>
+                <a16:creationId xmlns:a16="http://schemas.microsoft.com/office/drawing/2014/main" id="{63E4F054-7D77-4C4B-87D9-C638064EFD7F}"/>
               </a:ext>
             </a:extLst>
           </p:cNvPr>
@@ -9022,296 +9396,10 @@
         </p:nvGrpSpPr>
         <p:grpSpPr>
           <a:xfrm>
-            <a:off x="522967" y="5583623"/>
-            <a:ext cx="2933725" cy="1009240"/>
-            <a:chOff x="61145" y="5347109"/>
-            <a:chExt cx="2933725" cy="1009240"/>
-          </a:xfrm>
-        </p:grpSpPr>
-        <p:sp>
-          <p:nvSpPr>
-            <p:cNvPr id="35" name="Rectangle: Rounded Corners 34">
-              <a:extLst>
-                <a:ext uri="{FF2B5EF4-FFF2-40B4-BE49-F238E27FC236}">
-                  <a16:creationId xmlns:a16="http://schemas.microsoft.com/office/drawing/2014/main" id="{B1E519FD-B745-4527-99AC-885C2D1AFCD5}"/>
-                </a:ext>
-              </a:extLst>
-            </p:cNvPr>
-            <p:cNvSpPr/>
-            <p:nvPr/>
-          </p:nvSpPr>
-          <p:spPr>
-            <a:xfrm>
-              <a:off x="94767" y="5363886"/>
-              <a:ext cx="2900103" cy="992463"/>
-            </a:xfrm>
-            <a:prstGeom prst="roundRect">
-              <a:avLst>
-                <a:gd name="adj" fmla="val 6555"/>
-              </a:avLst>
-            </a:prstGeom>
-            <a:solidFill>
-              <a:schemeClr val="accent1">
-                <a:lumMod val="20000"/>
-                <a:lumOff val="80000"/>
-              </a:schemeClr>
-            </a:solidFill>
-            <a:ln>
-              <a:solidFill>
-                <a:schemeClr val="tx1">
-                  <a:lumMod val="50000"/>
-                  <a:lumOff val="50000"/>
-                </a:schemeClr>
-              </a:solidFill>
-            </a:ln>
-          </p:spPr>
-          <p:style>
-            <a:lnRef idx="2">
-              <a:schemeClr val="accent1">
-                <a:shade val="50000"/>
-              </a:schemeClr>
-            </a:lnRef>
-            <a:fillRef idx="1">
-              <a:schemeClr val="accent1"/>
-            </a:fillRef>
-            <a:effectRef idx="0">
-              <a:schemeClr val="accent1"/>
-            </a:effectRef>
-            <a:fontRef idx="minor">
-              <a:schemeClr val="lt1"/>
-            </a:fontRef>
-          </p:style>
-          <p:txBody>
-            <a:bodyPr rtlCol="0" anchor="ctr"/>
-            <a:lstStyle/>
-            <a:p>
-              <a:pPr algn="ctr"/>
-              <a:endParaRPr lang="ru-RU"/>
-            </a:p>
-          </p:txBody>
-        </p:sp>
-        <p:sp>
-          <p:nvSpPr>
-            <p:cNvPr id="32" name="Rectangle: Rounded Corners 31">
-              <a:extLst>
-                <a:ext uri="{FF2B5EF4-FFF2-40B4-BE49-F238E27FC236}">
-                  <a16:creationId xmlns:a16="http://schemas.microsoft.com/office/drawing/2014/main" id="{FF8DF7DD-A727-4E9C-9B4C-91D5D3A48155}"/>
-                </a:ext>
-              </a:extLst>
-            </p:cNvPr>
-            <p:cNvSpPr/>
-            <p:nvPr/>
-          </p:nvSpPr>
-          <p:spPr>
-            <a:xfrm>
-              <a:off x="161813" y="6024644"/>
-              <a:ext cx="2740712" cy="256269"/>
-            </a:xfrm>
-            <a:prstGeom prst="roundRect">
-              <a:avLst>
-                <a:gd name="adj" fmla="val 6893"/>
-              </a:avLst>
-            </a:prstGeom>
-            <a:solidFill>
-              <a:schemeClr val="accent1">
-                <a:lumMod val="40000"/>
-                <a:lumOff val="60000"/>
-              </a:schemeClr>
-            </a:solidFill>
-            <a:ln>
-              <a:solidFill>
-                <a:schemeClr val="bg2">
-                  <a:lumMod val="75000"/>
-                </a:schemeClr>
-              </a:solidFill>
-            </a:ln>
-          </p:spPr>
-          <p:style>
-            <a:lnRef idx="2">
-              <a:schemeClr val="accent1">
-                <a:shade val="50000"/>
-              </a:schemeClr>
-            </a:lnRef>
-            <a:fillRef idx="1">
-              <a:schemeClr val="accent1"/>
-            </a:fillRef>
-            <a:effectRef idx="0">
-              <a:schemeClr val="accent1"/>
-            </a:effectRef>
-            <a:fontRef idx="minor">
-              <a:schemeClr val="lt1"/>
-            </a:fontRef>
-          </p:style>
-          <p:txBody>
-            <a:bodyPr rtlCol="0" anchor="ctr"/>
-            <a:lstStyle/>
-            <a:p>
-              <a:r>
-                <a:rPr lang="ru-RU" sz="1050" b="1" dirty="0">
-                  <a:solidFill>
-                    <a:schemeClr val="tx1">
-                      <a:lumMod val="65000"/>
-                      <a:lumOff val="35000"/>
-                    </a:schemeClr>
-                  </a:solidFill>
-                </a:rPr>
-                <a:t>Вектора</a:t>
-              </a:r>
-              <a:r>
-                <a:rPr lang="ru-RU" sz="1050" dirty="0">
-                  <a:solidFill>
-                    <a:schemeClr val="tx1">
-                      <a:lumMod val="65000"/>
-                      <a:lumOff val="35000"/>
-                    </a:schemeClr>
-                  </a:solidFill>
-                </a:rPr>
-                <a:t>: 3х-компонентные, 2х-копонентные</a:t>
-              </a:r>
-            </a:p>
-          </p:txBody>
-        </p:sp>
-        <p:sp>
-          <p:nvSpPr>
-            <p:cNvPr id="34" name="Rectangle: Rounded Corners 33">
-              <a:extLst>
-                <a:ext uri="{FF2B5EF4-FFF2-40B4-BE49-F238E27FC236}">
-                  <a16:creationId xmlns:a16="http://schemas.microsoft.com/office/drawing/2014/main" id="{C27789DA-DCF0-41F3-8444-49ACE418C589}"/>
-                </a:ext>
-              </a:extLst>
-            </p:cNvPr>
-            <p:cNvSpPr/>
-            <p:nvPr/>
-          </p:nvSpPr>
-          <p:spPr>
-            <a:xfrm>
-              <a:off x="1013295" y="5692939"/>
-              <a:ext cx="1037747" cy="256269"/>
-            </a:xfrm>
-            <a:prstGeom prst="roundRect">
-              <a:avLst>
-                <a:gd name="adj" fmla="val 6893"/>
-              </a:avLst>
-            </a:prstGeom>
-            <a:solidFill>
-              <a:schemeClr val="accent1">
-                <a:lumMod val="40000"/>
-                <a:lumOff val="60000"/>
-              </a:schemeClr>
-            </a:solidFill>
-            <a:ln>
-              <a:solidFill>
-                <a:schemeClr val="bg2">
-                  <a:lumMod val="75000"/>
-                </a:schemeClr>
-              </a:solidFill>
-            </a:ln>
-          </p:spPr>
-          <p:style>
-            <a:lnRef idx="2">
-              <a:schemeClr val="accent1">
-                <a:shade val="50000"/>
-              </a:schemeClr>
-            </a:lnRef>
-            <a:fillRef idx="1">
-              <a:schemeClr val="accent1"/>
-            </a:fillRef>
-            <a:effectRef idx="0">
-              <a:schemeClr val="accent1"/>
-            </a:effectRef>
-            <a:fontRef idx="minor">
-              <a:schemeClr val="lt1"/>
-            </a:fontRef>
-          </p:style>
-          <p:txBody>
-            <a:bodyPr rtlCol="0" anchor="ctr"/>
-            <a:lstStyle/>
-            <a:p>
-              <a:r>
-                <a:rPr lang="ru-RU" sz="1050" b="1" dirty="0">
-                  <a:solidFill>
-                    <a:schemeClr val="tx1">
-                      <a:lumMod val="65000"/>
-                      <a:lumOff val="35000"/>
-                    </a:schemeClr>
-                  </a:solidFill>
-                </a:rPr>
-                <a:t>Матрицы</a:t>
-              </a:r>
-              <a:r>
-                <a:rPr lang="ru-RU" sz="1050" dirty="0">
-                  <a:solidFill>
-                    <a:schemeClr val="tx1">
-                      <a:lumMod val="65000"/>
-                      <a:lumOff val="35000"/>
-                    </a:schemeClr>
-                  </a:solidFill>
-                </a:rPr>
-                <a:t>: 4х4</a:t>
-              </a:r>
-            </a:p>
-          </p:txBody>
-        </p:sp>
-        <p:sp>
-          <p:nvSpPr>
-            <p:cNvPr id="36" name="TextBox 35">
-              <a:extLst>
-                <a:ext uri="{FF2B5EF4-FFF2-40B4-BE49-F238E27FC236}">
-                  <a16:creationId xmlns:a16="http://schemas.microsoft.com/office/drawing/2014/main" id="{F9EE03C5-F426-4374-92AD-981002BA6343}"/>
-                </a:ext>
-              </a:extLst>
-            </p:cNvPr>
-            <p:cNvSpPr txBox="1"/>
-            <p:nvPr/>
-          </p:nvSpPr>
-          <p:spPr>
-            <a:xfrm>
-              <a:off x="61145" y="5347109"/>
-              <a:ext cx="2296161" cy="307777"/>
-            </a:xfrm>
-            <a:prstGeom prst="rect">
-              <a:avLst/>
-            </a:prstGeom>
-            <a:noFill/>
-          </p:spPr>
-          <p:txBody>
-            <a:bodyPr wrap="square" rtlCol="0">
-              <a:spAutoFit/>
-            </a:bodyPr>
-            <a:lstStyle/>
-            <a:p>
-              <a:r>
-                <a:rPr lang="ru-RU" sz="1400" b="1" dirty="0">
-                  <a:solidFill>
-                    <a:schemeClr val="bg2">
-                      <a:lumMod val="50000"/>
-                    </a:schemeClr>
-                  </a:solidFill>
-                </a:rPr>
-                <a:t>Модуль математики:</a:t>
-              </a:r>
-            </a:p>
-          </p:txBody>
-        </p:sp>
-      </p:grpSp>
-      <p:grpSp>
-        <p:nvGrpSpPr>
-          <p:cNvPr id="40" name="Group 39">
-            <a:extLst>
-              <a:ext uri="{FF2B5EF4-FFF2-40B4-BE49-F238E27FC236}">
-                <a16:creationId xmlns:a16="http://schemas.microsoft.com/office/drawing/2014/main" id="{39BF3EE0-C181-42B3-B8AA-CF083C082098}"/>
-              </a:ext>
-            </a:extLst>
-          </p:cNvPr>
-          <p:cNvGrpSpPr/>
-          <p:nvPr/>
-        </p:nvGrpSpPr>
-        <p:grpSpPr>
-          <a:xfrm>
-            <a:off x="522967" y="4495838"/>
-            <a:ext cx="3811156" cy="992463"/>
-            <a:chOff x="75501" y="4075179"/>
-            <a:chExt cx="3811156" cy="992463"/>
+            <a:off x="270974" y="4611987"/>
+            <a:ext cx="3758268" cy="1599544"/>
+            <a:chOff x="575855" y="4495838"/>
+            <a:chExt cx="3758268" cy="1599544"/>
           </a:xfrm>
         </p:grpSpPr>
         <p:sp>
@@ -9328,8 +9416,8 @@
           </p:nvSpPr>
           <p:spPr>
             <a:xfrm>
-              <a:off x="128389" y="4075179"/>
-              <a:ext cx="3758268" cy="992463"/>
+              <a:off x="575855" y="4495838"/>
+              <a:ext cx="3758268" cy="1599544"/>
             </a:xfrm>
             <a:prstGeom prst="roundRect">
               <a:avLst>
@@ -9390,7 +9478,7 @@
           </p:nvSpPr>
           <p:spPr>
             <a:xfrm>
-              <a:off x="268051" y="4476359"/>
+              <a:off x="715517" y="4897018"/>
               <a:ext cx="3478944" cy="439884"/>
             </a:xfrm>
             <a:prstGeom prst="roundRect">
@@ -9471,7 +9559,7 @@
           </p:nvSpPr>
           <p:spPr>
             <a:xfrm>
-              <a:off x="75501" y="4079624"/>
+              <a:off x="577584" y="4518051"/>
               <a:ext cx="2416029" cy="307777"/>
             </a:xfrm>
             <a:prstGeom prst="rect">
@@ -9498,184 +9586,169 @@
             </a:p>
           </p:txBody>
         </p:sp>
+        <p:sp>
+          <p:nvSpPr>
+            <p:cNvPr id="34" name="Rectangle: Rounded Corners 33">
+              <a:extLst>
+                <a:ext uri="{FF2B5EF4-FFF2-40B4-BE49-F238E27FC236}">
+                  <a16:creationId xmlns:a16="http://schemas.microsoft.com/office/drawing/2014/main" id="{C27789DA-DCF0-41F3-8444-49ACE418C589}"/>
+                </a:ext>
+              </a:extLst>
+            </p:cNvPr>
+            <p:cNvSpPr/>
+            <p:nvPr/>
+          </p:nvSpPr>
+          <p:spPr>
+            <a:xfrm>
+              <a:off x="715517" y="5759705"/>
+              <a:ext cx="1037747" cy="256269"/>
+            </a:xfrm>
+            <a:prstGeom prst="roundRect">
+              <a:avLst>
+                <a:gd name="adj" fmla="val 6893"/>
+              </a:avLst>
+            </a:prstGeom>
+            <a:solidFill>
+              <a:schemeClr val="accent1">
+                <a:lumMod val="40000"/>
+                <a:lumOff val="60000"/>
+              </a:schemeClr>
+            </a:solidFill>
+            <a:ln>
+              <a:solidFill>
+                <a:schemeClr val="bg2">
+                  <a:lumMod val="75000"/>
+                </a:schemeClr>
+              </a:solidFill>
+            </a:ln>
+          </p:spPr>
+          <p:style>
+            <a:lnRef idx="2">
+              <a:schemeClr val="accent1">
+                <a:shade val="50000"/>
+              </a:schemeClr>
+            </a:lnRef>
+            <a:fillRef idx="1">
+              <a:schemeClr val="accent1"/>
+            </a:fillRef>
+            <a:effectRef idx="0">
+              <a:schemeClr val="accent1"/>
+            </a:effectRef>
+            <a:fontRef idx="minor">
+              <a:schemeClr val="lt1"/>
+            </a:fontRef>
+          </p:style>
+          <p:txBody>
+            <a:bodyPr rtlCol="0" anchor="ctr"/>
+            <a:lstStyle/>
+            <a:p>
+              <a:r>
+                <a:rPr lang="ru-RU" sz="1050" b="1" dirty="0">
+                  <a:solidFill>
+                    <a:schemeClr val="tx1">
+                      <a:lumMod val="65000"/>
+                      <a:lumOff val="35000"/>
+                    </a:schemeClr>
+                  </a:solidFill>
+                </a:rPr>
+                <a:t>Матрицы</a:t>
+              </a:r>
+              <a:r>
+                <a:rPr lang="ru-RU" sz="1050" dirty="0">
+                  <a:solidFill>
+                    <a:schemeClr val="tx1">
+                      <a:lumMod val="65000"/>
+                      <a:lumOff val="35000"/>
+                    </a:schemeClr>
+                  </a:solidFill>
+                </a:rPr>
+                <a:t>: 4х4</a:t>
+              </a:r>
+            </a:p>
+          </p:txBody>
+        </p:sp>
+        <p:sp>
+          <p:nvSpPr>
+            <p:cNvPr id="32" name="Rectangle: Rounded Corners 31">
+              <a:extLst>
+                <a:ext uri="{FF2B5EF4-FFF2-40B4-BE49-F238E27FC236}">
+                  <a16:creationId xmlns:a16="http://schemas.microsoft.com/office/drawing/2014/main" id="{FF8DF7DD-A727-4E9C-9B4C-91D5D3A48155}"/>
+                </a:ext>
+              </a:extLst>
+            </p:cNvPr>
+            <p:cNvSpPr/>
+            <p:nvPr/>
+          </p:nvSpPr>
+          <p:spPr>
+            <a:xfrm>
+              <a:off x="715517" y="5432246"/>
+              <a:ext cx="2740712" cy="256269"/>
+            </a:xfrm>
+            <a:prstGeom prst="roundRect">
+              <a:avLst>
+                <a:gd name="adj" fmla="val 6893"/>
+              </a:avLst>
+            </a:prstGeom>
+            <a:solidFill>
+              <a:schemeClr val="accent1">
+                <a:lumMod val="40000"/>
+                <a:lumOff val="60000"/>
+              </a:schemeClr>
+            </a:solidFill>
+            <a:ln>
+              <a:solidFill>
+                <a:schemeClr val="bg2">
+                  <a:lumMod val="75000"/>
+                </a:schemeClr>
+              </a:solidFill>
+            </a:ln>
+          </p:spPr>
+          <p:style>
+            <a:lnRef idx="2">
+              <a:schemeClr val="accent1">
+                <a:shade val="50000"/>
+              </a:schemeClr>
+            </a:lnRef>
+            <a:fillRef idx="1">
+              <a:schemeClr val="accent1"/>
+            </a:fillRef>
+            <a:effectRef idx="0">
+              <a:schemeClr val="accent1"/>
+            </a:effectRef>
+            <a:fontRef idx="minor">
+              <a:schemeClr val="lt1"/>
+            </a:fontRef>
+          </p:style>
+          <p:txBody>
+            <a:bodyPr rtlCol="0" anchor="ctr"/>
+            <a:lstStyle/>
+            <a:p>
+              <a:r>
+                <a:rPr lang="ru-RU" sz="1050" b="1" dirty="0">
+                  <a:solidFill>
+                    <a:schemeClr val="tx1">
+                      <a:lumMod val="65000"/>
+                      <a:lumOff val="35000"/>
+                    </a:schemeClr>
+                  </a:solidFill>
+                </a:rPr>
+                <a:t>Вектора</a:t>
+              </a:r>
+              <a:r>
+                <a:rPr lang="ru-RU" sz="1050" dirty="0">
+                  <a:solidFill>
+                    <a:schemeClr val="tx1">
+                      <a:lumMod val="65000"/>
+                      <a:lumOff val="35000"/>
+                    </a:schemeClr>
+                  </a:solidFill>
+                </a:rPr>
+                <a:t>: 3х-компонентные, 2х-копонентные</a:t>
+              </a:r>
+            </a:p>
+          </p:txBody>
+        </p:sp>
       </p:grpSp>
-      <p:cxnSp>
-        <p:nvCxnSpPr>
-          <p:cNvPr id="44" name="Straight Arrow Connector 43">
-            <a:extLst>
-              <a:ext uri="{FF2B5EF4-FFF2-40B4-BE49-F238E27FC236}">
-                <a16:creationId xmlns:a16="http://schemas.microsoft.com/office/drawing/2014/main" id="{A1E61E4A-3401-4EBF-95C1-A997DC0E6BB8}"/>
-              </a:ext>
-            </a:extLst>
-          </p:cNvPr>
-          <p:cNvCxnSpPr>
-            <a:stCxn id="6" idx="0"/>
-            <a:endCxn id="5" idx="2"/>
-          </p:cNvCxnSpPr>
-          <p:nvPr/>
-        </p:nvCxnSpPr>
-        <p:spPr>
-          <a:xfrm flipH="1" flipV="1">
-            <a:off x="2345967" y="2202857"/>
-            <a:ext cx="1" cy="320457"/>
-          </a:xfrm>
-          <a:prstGeom prst="straightConnector1">
-            <a:avLst/>
-          </a:prstGeom>
-          <a:ln>
-            <a:tailEnd type="triangle"/>
-          </a:ln>
-        </p:spPr>
-        <p:style>
-          <a:lnRef idx="1">
-            <a:schemeClr val="accent1"/>
-          </a:lnRef>
-          <a:fillRef idx="0">
-            <a:schemeClr val="accent1"/>
-          </a:fillRef>
-          <a:effectRef idx="0">
-            <a:schemeClr val="accent1"/>
-          </a:effectRef>
-          <a:fontRef idx="minor">
-            <a:schemeClr val="tx1"/>
-          </a:fontRef>
-        </p:style>
-      </p:cxnSp>
-      <p:sp>
-        <p:nvSpPr>
-          <p:cNvPr id="46" name="Left Bracket 45">
-            <a:extLst>
-              <a:ext uri="{FF2B5EF4-FFF2-40B4-BE49-F238E27FC236}">
-                <a16:creationId xmlns:a16="http://schemas.microsoft.com/office/drawing/2014/main" id="{26BA3481-F1E5-45D5-90CF-11F474E90858}"/>
-              </a:ext>
-            </a:extLst>
-          </p:cNvPr>
-          <p:cNvSpPr/>
-          <p:nvPr/>
-        </p:nvSpPr>
-        <p:spPr>
-          <a:xfrm>
-            <a:off x="408491" y="4327479"/>
-            <a:ext cx="245596" cy="2444311"/>
-          </a:xfrm>
-          <a:prstGeom prst="leftBracket">
-            <a:avLst>
-              <a:gd name="adj" fmla="val 81762"/>
-            </a:avLst>
-          </a:prstGeom>
-        </p:spPr>
-        <p:style>
-          <a:lnRef idx="1">
-            <a:schemeClr val="accent1"/>
-          </a:lnRef>
-          <a:fillRef idx="0">
-            <a:schemeClr val="accent1"/>
-          </a:fillRef>
-          <a:effectRef idx="0">
-            <a:schemeClr val="accent1"/>
-          </a:effectRef>
-          <a:fontRef idx="minor">
-            <a:schemeClr val="tx1"/>
-          </a:fontRef>
-        </p:style>
-        <p:txBody>
-          <a:bodyPr rtlCol="0" anchor="ctr"/>
-          <a:lstStyle/>
-          <a:p>
-            <a:pPr algn="ctr"/>
-            <a:endParaRPr lang="ru-RU"/>
-          </a:p>
-        </p:txBody>
-      </p:sp>
-      <p:cxnSp>
-        <p:nvCxnSpPr>
-          <p:cNvPr id="50" name="Connector: Curved 49">
-            <a:extLst>
-              <a:ext uri="{FF2B5EF4-FFF2-40B4-BE49-F238E27FC236}">
-                <a16:creationId xmlns:a16="http://schemas.microsoft.com/office/drawing/2014/main" id="{962C2A9C-05AB-4A5B-9B6C-BF5BBA71C4B2}"/>
-              </a:ext>
-            </a:extLst>
-          </p:cNvPr>
-          <p:cNvCxnSpPr>
-            <a:cxnSpLocks/>
-            <a:stCxn id="46" idx="1"/>
-            <a:endCxn id="6" idx="2"/>
-          </p:cNvCxnSpPr>
-          <p:nvPr/>
-        </p:nvCxnSpPr>
-        <p:spPr>
-          <a:xfrm rot="10800000" flipH="1">
-            <a:off x="408490" y="3474565"/>
-            <a:ext cx="1937477" cy="2075071"/>
-          </a:xfrm>
-          <a:prstGeom prst="curvedConnector4">
-            <a:avLst>
-              <a:gd name="adj1" fmla="val -11799"/>
-              <a:gd name="adj2" fmla="val 79449"/>
-            </a:avLst>
-          </a:prstGeom>
-          <a:ln>
-            <a:tailEnd type="triangle"/>
-          </a:ln>
-        </p:spPr>
-        <p:style>
-          <a:lnRef idx="1">
-            <a:schemeClr val="accent1"/>
-          </a:lnRef>
-          <a:fillRef idx="0">
-            <a:schemeClr val="accent1"/>
-          </a:fillRef>
-          <a:effectRef idx="0">
-            <a:schemeClr val="accent1"/>
-          </a:effectRef>
-          <a:fontRef idx="minor">
-            <a:schemeClr val="tx1"/>
-          </a:fontRef>
-        </p:style>
-      </p:cxnSp>
-      <p:cxnSp>
-        <p:nvCxnSpPr>
-          <p:cNvPr id="56" name="Connector: Curved 55">
-            <a:extLst>
-              <a:ext uri="{FF2B5EF4-FFF2-40B4-BE49-F238E27FC236}">
-                <a16:creationId xmlns:a16="http://schemas.microsoft.com/office/drawing/2014/main" id="{431A21D7-0246-44E7-8158-59CFAD5F73EA}"/>
-              </a:ext>
-            </a:extLst>
-          </p:cNvPr>
-          <p:cNvCxnSpPr>
-            <a:cxnSpLocks/>
-            <a:stCxn id="29" idx="1"/>
-            <a:endCxn id="6" idx="2"/>
-          </p:cNvCxnSpPr>
-          <p:nvPr/>
-        </p:nvCxnSpPr>
-        <p:spPr>
-          <a:xfrm rot="10800000">
-            <a:off x="2345968" y="3474565"/>
-            <a:ext cx="2560502" cy="999785"/>
-          </a:xfrm>
-          <a:prstGeom prst="curvedConnector2">
-            <a:avLst/>
-          </a:prstGeom>
-          <a:ln>
-            <a:tailEnd type="triangle"/>
-          </a:ln>
-        </p:spPr>
-        <p:style>
-          <a:lnRef idx="1">
-            <a:schemeClr val="accent1"/>
-          </a:lnRef>
-          <a:fillRef idx="0">
-            <a:schemeClr val="accent1"/>
-          </a:fillRef>
-          <a:effectRef idx="0">
-            <a:schemeClr val="accent1"/>
-          </a:effectRef>
-          <a:fontRef idx="minor">
-            <a:schemeClr val="tx1"/>
-          </a:fontRef>
-        </p:style>
-      </p:cxnSp>
     </p:spTree>
     <p:extLst>
       <p:ext uri="{BB962C8B-B14F-4D97-AF65-F5344CB8AC3E}">
@@ -9759,11 +9832,13 @@
         <p:spPr>
           <a:xfrm>
             <a:off x="838200" y="1847850"/>
-            <a:ext cx="10515600" cy="4351338"/>
+            <a:ext cx="10515600" cy="3948943"/>
           </a:xfrm>
         </p:spPr>
         <p:txBody>
-          <a:bodyPr/>
+          <a:bodyPr>
+            <a:normAutofit fontScale="55000" lnSpcReduction="20000"/>
+          </a:bodyPr>
           <a:lstStyle/>
           <a:p>
             <a:r>
@@ -9831,7 +9906,163 @@
             <a:pPr lvl="2"/>
             <a:r>
               <a:rPr lang="ru-RU" dirty="0"/>
-              <a:t>Шейдера – загрузка, компиляция</a:t>
+              <a:t>Шейдера – загрузка, компиляция, удаление</a:t>
+            </a:r>
+          </a:p>
+          <a:p>
+            <a:pPr lvl="2"/>
+            <a:r>
+              <a:rPr lang="ru-RU" dirty="0"/>
+              <a:t>Примитив – создание, метод отрисовки, удаление + методы настройки (управление видимостью, задавание матрицы стандартных преобразований – паралельный перенос, поворот, гомотетия, тд)</a:t>
+            </a:r>
+          </a:p>
+          <a:p>
+            <a:pPr lvl="2"/>
+            <a:r>
+              <a:rPr lang="ru-RU" dirty="0"/>
+              <a:t>Модель – загрузка моделей формата </a:t>
+            </a:r>
+            <a:r>
+              <a:rPr lang="en-US" dirty="0"/>
+              <a:t>.obj + </a:t>
+            </a:r>
+            <a:r>
+              <a:rPr lang="ru-RU" dirty="0"/>
+              <a:t>все что и для примитива</a:t>
+            </a:r>
+          </a:p>
+          <a:p>
+            <a:pPr lvl="1"/>
+            <a:r>
+              <a:rPr lang="ru-RU" dirty="0"/>
+              <a:t>Утилиты</a:t>
+            </a:r>
+          </a:p>
+          <a:p>
+            <a:pPr lvl="2"/>
+            <a:r>
+              <a:rPr lang="ru-RU" dirty="0"/>
+              <a:t>Камера – настройка ее базиса + получение матрицы проекции по данным конкретной камеры</a:t>
+            </a:r>
+          </a:p>
+          <a:p>
+            <a:pPr lvl="2"/>
+            <a:r>
+              <a:rPr lang="ru-RU" dirty="0"/>
+              <a:t>Модуль математики – вектора (скалярное</a:t>
+            </a:r>
+            <a:r>
+              <a:rPr lang="en-US" dirty="0"/>
+              <a:t>/</a:t>
+            </a:r>
+            <a:r>
+              <a:rPr lang="ru-RU" dirty="0"/>
+              <a:t>векторное произведения и тд) + матрицы (умножение</a:t>
+            </a:r>
+            <a:r>
+              <a:rPr lang="en-US" dirty="0"/>
+              <a:t>/</a:t>
+            </a:r>
+            <a:r>
+              <a:rPr lang="ru-RU" dirty="0"/>
+              <a:t>задание матриц поворотов</a:t>
+            </a:r>
+            <a:r>
+              <a:rPr lang="en-US" dirty="0"/>
+              <a:t>/</a:t>
+            </a:r>
+            <a:r>
+              <a:rPr lang="ru-RU" dirty="0"/>
+              <a:t>параллельных переносов и тд)</a:t>
+            </a:r>
+          </a:p>
+          <a:p>
+            <a:pPr lvl="1"/>
+            <a:r>
+              <a:rPr lang="ru-RU" dirty="0"/>
+              <a:t>Реализация класса сцены:</a:t>
+            </a:r>
+          </a:p>
+          <a:p>
+            <a:pPr lvl="2"/>
+            <a:r>
+              <a:rPr lang="ru-RU" dirty="0"/>
+              <a:t>Методы для управления ресурсами</a:t>
+            </a:r>
+          </a:p>
+          <a:p>
+            <a:pPr lvl="2"/>
+            <a:r>
+              <a:rPr lang="ru-RU" dirty="0"/>
+              <a:t>Шаблон: методы для пользователя в которых он пишет свой код (</a:t>
+            </a:r>
+            <a:r>
+              <a:rPr lang="en-US" dirty="0" err="1"/>
+              <a:t>onCreate</a:t>
+            </a:r>
+            <a:r>
+              <a:rPr lang="en-US" dirty="0"/>
+              <a:t>, </a:t>
+            </a:r>
+            <a:r>
+              <a:rPr lang="en-US" dirty="0" err="1"/>
+              <a:t>onUpdate</a:t>
+            </a:r>
+            <a:r>
+              <a:rPr lang="en-US" dirty="0"/>
+              <a:t>, </a:t>
+            </a:r>
+            <a:r>
+              <a:rPr lang="ru-RU" dirty="0"/>
+              <a:t>деструктор)</a:t>
+            </a:r>
+          </a:p>
+          <a:p>
+            <a:r>
+              <a:rPr lang="ru-RU" dirty="0"/>
+              <a:t>Планы</a:t>
+            </a:r>
+          </a:p>
+          <a:p>
+            <a:pPr lvl="1"/>
+            <a:r>
+              <a:rPr lang="ru-RU" dirty="0"/>
+              <a:t>Добавить текстуры</a:t>
+            </a:r>
+          </a:p>
+          <a:p>
+            <a:pPr lvl="1"/>
+            <a:r>
+              <a:rPr lang="ru-RU" dirty="0"/>
+              <a:t>Добавить </a:t>
+            </a:r>
+            <a:r>
+              <a:rPr lang="en-US" dirty="0"/>
+              <a:t>Frame Buffer Object (FBO – </a:t>
+            </a:r>
+            <a:r>
+              <a:rPr lang="ru-RU" dirty="0"/>
+              <a:t>объект </a:t>
+            </a:r>
+            <a:r>
+              <a:rPr lang="en-US" dirty="0"/>
+              <a:t>OpenGL-</a:t>
+            </a:r>
+            <a:r>
+              <a:rPr lang="ru-RU" dirty="0"/>
+              <a:t>я позволяющий рендерить в отдельные текстуры, а не сразу же на основной экран</a:t>
+            </a:r>
+            <a:r>
+              <a:rPr lang="en-US" dirty="0"/>
+              <a:t>)</a:t>
+            </a:r>
+            <a:endParaRPr lang="ru-RU" dirty="0"/>
+          </a:p>
+          <a:p>
+            <a:pPr lvl="1"/>
+            <a:r>
+              <a:rPr lang="ru-RU" dirty="0"/>
+              <a:t>Вынести реализации программистом-пользователем в отдельные плагины</a:t>
             </a:r>
           </a:p>
         </p:txBody>
@@ -9883,7 +10114,7 @@
   <p:cSld>
     <p:spTree>
       <p:nvGrpSpPr>
-        <p:cNvPr id="1" name=""/>
+        <p:cNvPr id="1" name="Shape 186"/>
         <p:cNvGrpSpPr/>
         <p:nvPr/>
       </p:nvGrpSpPr>
@@ -9897,119 +10128,310 @@
       </p:grpSpPr>
       <p:sp>
         <p:nvSpPr>
-          <p:cNvPr id="3" name="Content Placeholder 2">
-            <a:extLst>
-              <a:ext uri="{FF2B5EF4-FFF2-40B4-BE49-F238E27FC236}">
-                <a16:creationId xmlns:a16="http://schemas.microsoft.com/office/drawing/2014/main" id="{0C3CA12C-9258-4ED4-80D3-D5CE5A424AFF}"/>
-              </a:ext>
-            </a:extLst>
-          </p:cNvPr>
-          <p:cNvSpPr>
+          <p:cNvPr id="187" name="Google Shape;187;p21"/>
+          <p:cNvSpPr txBox="1">
             <a:spLocks noGrp="1"/>
           </p:cNvSpPr>
           <p:nvPr>
-            <p:ph idx="1"/>
+            <p:ph type="title"/>
           </p:nvPr>
         </p:nvSpPr>
         <p:spPr>
           <a:xfrm>
-            <a:off x="838200" y="5393247"/>
-            <a:ext cx="10515600" cy="562936"/>
+            <a:off x="838200" y="365125"/>
+            <a:ext cx="10515600" cy="1325700"/>
           </a:xfrm>
+          <a:prstGeom prst="rect">
+            <a:avLst/>
+          </a:prstGeom>
+          <a:noFill/>
+          <a:ln>
+            <a:noFill/>
+          </a:ln>
         </p:spPr>
         <p:txBody>
-          <a:bodyPr/>
+          <a:bodyPr spcFirstLastPara="1" wrap="square" lIns="91425" tIns="45700" rIns="91425" bIns="45700" anchor="ctr" anchorCtr="0">
+            <a:normAutofit/>
+          </a:bodyPr>
           <a:lstStyle/>
           <a:p>
-            <a:pPr marL="0" indent="0" algn="ctr">
+            <a:pPr marL="0" lvl="0" indent="0" algn="l" rtl="0">
+              <a:lnSpc>
+                <a:spcPct val="90000"/>
+              </a:lnSpc>
+              <a:spcBef>
+                <a:spcPts val="0"/>
+              </a:spcBef>
+              <a:spcAft>
+                <a:spcPts val="0"/>
+              </a:spcAft>
+              <a:buClr>
+                <a:srgbClr val="3A3838"/>
+              </a:buClr>
+              <a:buSzPts val="4400"/>
+              <a:buFont typeface="Calibri"/>
               <a:buNone/>
             </a:pPr>
             <a:r>
-              <a:rPr lang="en-US" dirty="0">
-                <a:hlinkClick r:id="rId2"/>
+              <a:rPr lang="ru-RU" b="1">
+                <a:solidFill>
+                  <a:srgbClr val="3A3838"/>
+                </a:solidFill>
               </a:rPr>
-              <a:t>github.com/DmitriyVlasovDV1/</a:t>
-            </a:r>
-            <a:r>
-              <a:rPr lang="en-US" dirty="0" err="1">
-                <a:hlinkClick r:id="rId2"/>
-              </a:rPr>
-              <a:t>CppRMRT</a:t>
-            </a:r>
-            <a:endParaRPr lang="ru-RU" dirty="0"/>
+              <a:t>Задачи Власова Дмитрия (raymarching):</a:t>
+            </a:r>
+            <a:endParaRPr/>
           </a:p>
         </p:txBody>
       </p:sp>
       <p:sp>
         <p:nvSpPr>
-          <p:cNvPr id="4" name="Slide Number Placeholder 3">
-            <a:extLst>
-              <a:ext uri="{FF2B5EF4-FFF2-40B4-BE49-F238E27FC236}">
-                <a16:creationId xmlns:a16="http://schemas.microsoft.com/office/drawing/2014/main" id="{722F8424-61CA-4D29-A395-6D4FC03D8596}"/>
-              </a:ext>
-            </a:extLst>
-          </p:cNvPr>
-          <p:cNvSpPr>
+          <p:cNvPr id="188" name="Google Shape;188;p21"/>
+          <p:cNvSpPr txBox="1">
             <a:spLocks noGrp="1"/>
           </p:cNvSpPr>
           <p:nvPr>
-            <p:ph type="sldNum" sz="quarter" idx="12"/>
+            <p:ph type="body" idx="1"/>
           </p:nvPr>
         </p:nvSpPr>
         <p:spPr>
           <a:xfrm>
-            <a:off x="8736435" y="6492875"/>
-            <a:ext cx="2743200" cy="365125"/>
-          </a:xfrm>
-        </p:spPr>
-        <p:txBody>
-          <a:bodyPr/>
-          <a:lstStyle/>
-          <a:p>
-            <a:fld id="{30063567-F01A-454D-AAAD-56574FBFC9A6}" type="slidenum">
-              <a:rPr lang="ru-RU" smtClean="0"/>
-              <a:t>9</a:t>
-            </a:fld>
-            <a:endParaRPr lang="ru-RU"/>
-          </a:p>
-        </p:txBody>
-      </p:sp>
-      <p:pic>
-        <p:nvPicPr>
-          <p:cNvPr id="6" name="Picture 5">
-            <a:extLst>
-              <a:ext uri="{FF2B5EF4-FFF2-40B4-BE49-F238E27FC236}">
-                <a16:creationId xmlns:a16="http://schemas.microsoft.com/office/drawing/2014/main" id="{4027F457-FD5D-458D-AD6E-31C0BCD932D1}"/>
-              </a:ext>
-            </a:extLst>
-          </p:cNvPr>
-          <p:cNvPicPr>
-            <a:picLocks noChangeAspect="1"/>
-          </p:cNvPicPr>
-          <p:nvPr/>
-        </p:nvPicPr>
-        <p:blipFill>
-          <a:blip r:embed="rId3"/>
-          <a:stretch>
-            <a:fillRect/>
-          </a:stretch>
-        </p:blipFill>
-        <p:spPr>
-          <a:xfrm>
-            <a:off x="4357382" y="901817"/>
-            <a:ext cx="3477236" cy="3477236"/>
+            <a:off x="838200" y="1847850"/>
+            <a:ext cx="10515600" cy="4351200"/>
           </a:xfrm>
           <a:prstGeom prst="rect">
             <a:avLst/>
           </a:prstGeom>
+          <a:noFill/>
+          <a:ln>
+            <a:noFill/>
+          </a:ln>
         </p:spPr>
-      </p:pic>
+        <p:txBody>
+          <a:bodyPr spcFirstLastPara="1" wrap="square" lIns="91425" tIns="45700" rIns="91425" bIns="45700" anchor="t" anchorCtr="0">
+            <a:normAutofit/>
+          </a:bodyPr>
+          <a:lstStyle/>
+          <a:p>
+            <a:pPr marL="228600" lvl="0" indent="-228600" algn="l" rtl="0">
+              <a:lnSpc>
+                <a:spcPct val="90000"/>
+              </a:lnSpc>
+              <a:spcBef>
+                <a:spcPts val="0"/>
+              </a:spcBef>
+              <a:spcAft>
+                <a:spcPts val="0"/>
+              </a:spcAft>
+              <a:buClr>
+                <a:schemeClr val="dk1"/>
+              </a:buClr>
+              <a:buSzPts val="2800"/>
+              <a:buChar char="•"/>
+            </a:pPr>
+            <a:r>
+              <a:rPr lang="ru-RU"/>
+              <a:t>Сделано:</a:t>
+            </a:r>
+            <a:endParaRPr/>
+          </a:p>
+          <a:p>
+            <a:pPr marL="685800" lvl="1" indent="-228600" algn="l" rtl="0">
+              <a:lnSpc>
+                <a:spcPct val="90000"/>
+              </a:lnSpc>
+              <a:spcBef>
+                <a:spcPts val="500"/>
+              </a:spcBef>
+              <a:spcAft>
+                <a:spcPts val="0"/>
+              </a:spcAft>
+              <a:buClr>
+                <a:schemeClr val="dk1"/>
+              </a:buClr>
+              <a:buSzPts val="2400"/>
+              <a:buChar char="•"/>
+            </a:pPr>
+            <a:r>
+              <a:rPr lang="ru-RU"/>
+              <a:t>Система задания универсальной сцены (рисуется несколькими рендерами)</a:t>
+            </a:r>
+            <a:endParaRPr sz="2000"/>
+          </a:p>
+          <a:p>
+            <a:pPr marL="685800" lvl="1" indent="-228600" algn="l" rtl="0">
+              <a:lnSpc>
+                <a:spcPct val="90000"/>
+              </a:lnSpc>
+              <a:spcBef>
+                <a:spcPts val="500"/>
+              </a:spcBef>
+              <a:spcAft>
+                <a:spcPts val="0"/>
+              </a:spcAft>
+              <a:buClr>
+                <a:schemeClr val="dk1"/>
+              </a:buClr>
+              <a:buSzPts val="2400"/>
+              <a:buChar char="•"/>
+            </a:pPr>
+            <a:r>
+              <a:rPr lang="ru-RU"/>
+              <a:t>Шейдер raymarching-а</a:t>
+            </a:r>
+            <a:endParaRPr/>
+          </a:p>
+          <a:p>
+            <a:pPr marL="1143000" lvl="2" indent="-228600" algn="l" rtl="0">
+              <a:lnSpc>
+                <a:spcPct val="90000"/>
+              </a:lnSpc>
+              <a:spcBef>
+                <a:spcPts val="500"/>
+              </a:spcBef>
+              <a:spcAft>
+                <a:spcPts val="0"/>
+              </a:spcAft>
+              <a:buClr>
+                <a:schemeClr val="dk1"/>
+              </a:buClr>
+              <a:buSzPts val="2000"/>
+              <a:buChar char="•"/>
+            </a:pPr>
+            <a:r>
+              <a:rPr lang="ru-RU"/>
+              <a:t>Примитивы (куб, сфера, плоскость)</a:t>
+            </a:r>
+            <a:endParaRPr/>
+          </a:p>
+          <a:p>
+            <a:pPr marL="1143000" lvl="2" indent="-215900" algn="l" rtl="0">
+              <a:lnSpc>
+                <a:spcPct val="90000"/>
+              </a:lnSpc>
+              <a:spcBef>
+                <a:spcPts val="500"/>
+              </a:spcBef>
+              <a:spcAft>
+                <a:spcPts val="0"/>
+              </a:spcAft>
+              <a:buSzPts val="1800"/>
+              <a:buChar char="•"/>
+            </a:pPr>
+            <a:r>
+              <a:rPr lang="ru-RU"/>
+              <a:t>Возможность применения матриц</a:t>
+            </a:r>
+            <a:endParaRPr/>
+          </a:p>
+          <a:p>
+            <a:pPr marL="1143000" lvl="2" indent="-215900" algn="l" rtl="0">
+              <a:lnSpc>
+                <a:spcPct val="90000"/>
+              </a:lnSpc>
+              <a:spcBef>
+                <a:spcPts val="500"/>
+              </a:spcBef>
+              <a:spcAft>
+                <a:spcPts val="0"/>
+              </a:spcAft>
+              <a:buSzPts val="1800"/>
+              <a:buChar char="•"/>
+            </a:pPr>
+            <a:r>
+              <a:rPr lang="ru-RU"/>
+              <a:t>Эффекты композиции примитивов (объединение, пересечение, разность)</a:t>
+            </a:r>
+            <a:endParaRPr/>
+          </a:p>
+          <a:p>
+            <a:pPr marL="1143000" lvl="2" indent="-215900" algn="l" rtl="0">
+              <a:lnSpc>
+                <a:spcPct val="90000"/>
+              </a:lnSpc>
+              <a:spcBef>
+                <a:spcPts val="500"/>
+              </a:spcBef>
+              <a:spcAft>
+                <a:spcPts val="0"/>
+              </a:spcAft>
+              <a:buSzPts val="1800"/>
+              <a:buChar char="•"/>
+            </a:pPr>
+            <a:r>
+              <a:rPr lang="ru-RU"/>
+              <a:t>Эффекты скручивания и изгиба примитивов</a:t>
+            </a:r>
+            <a:endParaRPr/>
+          </a:p>
+          <a:p>
+            <a:pPr marL="1143000" lvl="2" indent="-101600" algn="l" rtl="0">
+              <a:lnSpc>
+                <a:spcPct val="90000"/>
+              </a:lnSpc>
+              <a:spcBef>
+                <a:spcPts val="500"/>
+              </a:spcBef>
+              <a:spcAft>
+                <a:spcPts val="0"/>
+              </a:spcAft>
+              <a:buClr>
+                <a:schemeClr val="dk1"/>
+              </a:buClr>
+              <a:buSzPts val="2000"/>
+              <a:buNone/>
+            </a:pPr>
+            <a:endParaRPr/>
+          </a:p>
+        </p:txBody>
+      </p:sp>
+      <p:sp>
+        <p:nvSpPr>
+          <p:cNvPr id="189" name="Google Shape;189;p21"/>
+          <p:cNvSpPr txBox="1">
+            <a:spLocks noGrp="1"/>
+          </p:cNvSpPr>
+          <p:nvPr>
+            <p:ph type="sldNum" idx="12"/>
+          </p:nvPr>
+        </p:nvSpPr>
+        <p:spPr>
+          <a:xfrm>
+            <a:off x="8610600" y="6356350"/>
+            <a:ext cx="2743200" cy="365100"/>
+          </a:xfrm>
+          <a:prstGeom prst="rect">
+            <a:avLst/>
+          </a:prstGeom>
+          <a:noFill/>
+          <a:ln>
+            <a:noFill/>
+          </a:ln>
+        </p:spPr>
+        <p:txBody>
+          <a:bodyPr spcFirstLastPara="1" wrap="square" lIns="91425" tIns="45700" rIns="91425" bIns="45700" anchor="ctr" anchorCtr="0">
+            <a:noAutofit/>
+          </a:bodyPr>
+          <a:lstStyle/>
+          <a:p>
+            <a:pPr marL="0" lvl="0" indent="0" algn="r" rtl="0">
+              <a:spcBef>
+                <a:spcPts val="0"/>
+              </a:spcBef>
+              <a:spcAft>
+                <a:spcPts val="0"/>
+              </a:spcAft>
+              <a:buNone/>
+            </a:pPr>
+            <a:fld id="{00000000-1234-1234-1234-123412341234}" type="slidenum">
+              <a:rPr lang="ru-RU"/>
+              <a:t>9</a:t>
+            </a:fld>
+            <a:endParaRPr/>
+          </a:p>
+        </p:txBody>
+      </p:sp>
     </p:spTree>
-    <p:extLst>
-      <p:ext uri="{BB962C8B-B14F-4D97-AF65-F5344CB8AC3E}">
-        <p14:creationId xmlns:p14="http://schemas.microsoft.com/office/powerpoint/2010/main" val="2778473336"/>
-      </p:ext>
-    </p:extLst>
   </p:cSld>
   <p:clrMapOvr>
     <a:masterClrMapping/>

--- a/doc/presentation.pptx
+++ b/doc/presentation.pptx
@@ -5,7 +5,7 @@
     <p:sldMasterId id="2147483648" r:id="rId1"/>
   </p:sldMasterIdLst>
   <p:notesMasterIdLst>
-    <p:notesMasterId r:id="rId12"/>
+    <p:notesMasterId r:id="rId13"/>
   </p:notesMasterIdLst>
   <p:sldIdLst>
     <p:sldId id="256" r:id="rId2"/>
@@ -17,7 +17,8 @@
     <p:sldId id="262" r:id="rId8"/>
     <p:sldId id="264" r:id="rId9"/>
     <p:sldId id="267" r:id="rId10"/>
-    <p:sldId id="263" r:id="rId11"/>
+    <p:sldId id="268" r:id="rId11"/>
+    <p:sldId id="263" r:id="rId12"/>
   </p:sldIdLst>
   <p:sldSz cx="12192000" cy="6858000"/>
   <p:notesSz cx="6858000" cy="9144000"/>
@@ -116,6 +117,11 @@
       </a:defRPr>
     </a:lvl9pPr>
   </p:defaultTextStyle>
+  <p:extLst>
+    <p:ext uri="{EFAFB233-063F-42B5-8137-9DF3F51BA10A}">
+      <p15:sldGuideLst xmlns:p15="http://schemas.microsoft.com/office/powerpoint/2012/main"/>
+    </p:ext>
+  </p:extLst>
 </p:presentation>
 </file>
 
@@ -4635,6 +4641,100 @@
       </p:grpSpPr>
       <p:sp>
         <p:nvSpPr>
+          <p:cNvPr id="2" name="Title 1">
+            <a:extLst>
+              <a:ext uri="{FF2B5EF4-FFF2-40B4-BE49-F238E27FC236}">
+                <a16:creationId xmlns:a16="http://schemas.microsoft.com/office/drawing/2014/main" id="{DA7DC9AA-CEDE-4EE5-A0CE-B9AEB3D9A6C8}"/>
+              </a:ext>
+            </a:extLst>
+          </p:cNvPr>
+          <p:cNvSpPr>
+            <a:spLocks noGrp="1"/>
+          </p:cNvSpPr>
+          <p:nvPr>
+            <p:ph type="title"/>
+          </p:nvPr>
+        </p:nvSpPr>
+        <p:spPr/>
+        <p:txBody>
+          <a:bodyPr/>
+          <a:lstStyle/>
+          <a:p>
+            <a:r>
+              <a:rPr lang="ru-RU" b="1" dirty="0">
+                <a:solidFill>
+                  <a:schemeClr val="tx1">
+                    <a:lumMod val="75000"/>
+                    <a:lumOff val="25000"/>
+                  </a:schemeClr>
+                </a:solidFill>
+              </a:rPr>
+              <a:t>Демонтрация проекта:</a:t>
+            </a:r>
+          </a:p>
+        </p:txBody>
+      </p:sp>
+      <p:sp>
+        <p:nvSpPr>
+          <p:cNvPr id="4" name="Slide Number Placeholder 3">
+            <a:extLst>
+              <a:ext uri="{FF2B5EF4-FFF2-40B4-BE49-F238E27FC236}">
+                <a16:creationId xmlns:a16="http://schemas.microsoft.com/office/drawing/2014/main" id="{79BCB5A1-1764-496C-A480-8E8B2FEAFFD0}"/>
+              </a:ext>
+            </a:extLst>
+          </p:cNvPr>
+          <p:cNvSpPr>
+            <a:spLocks noGrp="1"/>
+          </p:cNvSpPr>
+          <p:nvPr>
+            <p:ph type="sldNum" sz="quarter" idx="12"/>
+          </p:nvPr>
+        </p:nvSpPr>
+        <p:spPr/>
+        <p:txBody>
+          <a:bodyPr/>
+          <a:lstStyle/>
+          <a:p>
+            <a:fld id="{30063567-F01A-454D-AAAD-56574FBFC9A6}" type="slidenum">
+              <a:rPr lang="ru-RU" smtClean="0"/>
+              <a:t>10</a:t>
+            </a:fld>
+            <a:endParaRPr lang="ru-RU"/>
+          </a:p>
+        </p:txBody>
+      </p:sp>
+    </p:spTree>
+    <p:extLst>
+      <p:ext uri="{BB962C8B-B14F-4D97-AF65-F5344CB8AC3E}">
+        <p14:creationId xmlns:p14="http://schemas.microsoft.com/office/powerpoint/2010/main" val="551389513"/>
+      </p:ext>
+    </p:extLst>
+  </p:cSld>
+  <p:clrMapOvr>
+    <a:masterClrMapping/>
+  </p:clrMapOvr>
+</p:sld>
+</file>
+
+<file path=ppt/slides/slide11.xml><?xml version="1.0" encoding="utf-8"?>
+<p:sld xmlns:a="http://schemas.openxmlformats.org/drawingml/2006/main" xmlns:r="http://schemas.openxmlformats.org/officeDocument/2006/relationships" xmlns:p="http://schemas.openxmlformats.org/presentationml/2006/main">
+  <p:cSld>
+    <p:spTree>
+      <p:nvGrpSpPr>
+        <p:cNvPr id="1" name=""/>
+        <p:cNvGrpSpPr/>
+        <p:nvPr/>
+      </p:nvGrpSpPr>
+      <p:grpSpPr>
+        <a:xfrm>
+          <a:off x="0" y="0"/>
+          <a:ext cx="0" cy="0"/>
+          <a:chOff x="0" y="0"/>
+          <a:chExt cx="0" cy="0"/>
+        </a:xfrm>
+      </p:grpSpPr>
+      <p:sp>
+        <p:nvSpPr>
           <p:cNvPr id="3" name="Content Placeholder 2">
             <a:extLst>
               <a:ext uri="{FF2B5EF4-FFF2-40B4-BE49-F238E27FC236}">
@@ -4706,7 +4806,7 @@
           <a:p>
             <a:fld id="{30063567-F01A-454D-AAAD-56574FBFC9A6}" type="slidenum">
               <a:rPr lang="ru-RU" smtClean="0"/>
-              <a:t>10</a:t>
+              <a:t>11</a:t>
             </a:fld>
             <a:endParaRPr lang="ru-RU"/>
           </a:p>
@@ -4989,7 +5089,7 @@
         </p:blipFill>
         <p:spPr>
           <a:xfrm>
-            <a:off x="6918650" y="3847413"/>
+            <a:off x="6574701" y="3674569"/>
             <a:ext cx="4968550" cy="2692954"/>
           </a:xfrm>
           <a:prstGeom prst="rect">
@@ -8124,7 +8224,7 @@
         </p:nvGrpSpPr>
         <p:grpSpPr>
           <a:xfrm>
-            <a:off x="4906470" y="2239628"/>
+            <a:off x="4694960" y="1886909"/>
             <a:ext cx="7014556" cy="4469441"/>
             <a:chOff x="3867325" y="2325641"/>
             <a:chExt cx="7014556" cy="4469441"/>
@@ -8246,9 +8346,9 @@
           <p:grpSpPr>
             <a:xfrm>
               <a:off x="3963333" y="3238596"/>
-              <a:ext cx="3231198" cy="2272289"/>
+              <a:ext cx="3231198" cy="2652080"/>
               <a:chOff x="2880183" y="2494226"/>
-              <a:chExt cx="3231198" cy="2341613"/>
+              <a:chExt cx="3231198" cy="2732991"/>
             </a:xfrm>
           </p:grpSpPr>
           <p:sp>
@@ -8265,8 +8365,8 @@
             </p:nvSpPr>
             <p:spPr>
               <a:xfrm>
-                <a:off x="2880183" y="2511630"/>
-                <a:ext cx="3231198" cy="2324209"/>
+                <a:off x="2880183" y="2511629"/>
+                <a:ext cx="3231198" cy="2715588"/>
               </a:xfrm>
               <a:prstGeom prst="roundRect">
                 <a:avLst>
@@ -8530,8 +8630,8 @@
             </p:nvSpPr>
             <p:spPr>
               <a:xfrm>
-                <a:off x="2984501" y="4274877"/>
-                <a:ext cx="3022600" cy="488385"/>
+                <a:off x="2984501" y="4274876"/>
+                <a:ext cx="3022600" cy="866426"/>
               </a:xfrm>
               <a:prstGeom prst="roundRect">
                 <a:avLst>
@@ -8572,27 +8672,62 @@
               <a:bodyPr rtlCol="0" anchor="ctr"/>
               <a:lstStyle/>
               <a:p>
+                <a:pPr marL="0" marR="0" lvl="0" indent="0" algn="l" rtl="0">
+                  <a:spcBef>
+                    <a:spcPts val="0"/>
+                  </a:spcBef>
+                  <a:spcAft>
+                    <a:spcPts val="0"/>
+                  </a:spcAft>
+                  <a:buNone/>
+                </a:pPr>
                 <a:r>
                   <a:rPr lang="ru-RU" sz="1050" b="1" dirty="0">
                     <a:solidFill>
-                      <a:schemeClr val="tx1">
-                        <a:lumMod val="65000"/>
-                        <a:lumOff val="35000"/>
-                      </a:schemeClr>
+                      <a:srgbClr val="595959"/>
                     </a:solidFill>
+                    <a:latin typeface="Calibri"/>
+                    <a:ea typeface="Calibri"/>
+                    <a:cs typeface="Calibri"/>
+                    <a:sym typeface="Calibri"/>
                   </a:rPr>
-                  <a:t>Твоя часть</a:t>
+                  <a:t>Универсальная сцена: </a:t>
                 </a:r>
                 <a:r>
                   <a:rPr lang="ru-RU" sz="1050" dirty="0">
                     <a:solidFill>
-                      <a:schemeClr val="tx1">
-                        <a:lumMod val="65000"/>
-                        <a:lumOff val="35000"/>
-                      </a:schemeClr>
+                      <a:srgbClr val="595959"/>
                     </a:solidFill>
+                    <a:latin typeface="Calibri"/>
+                    <a:ea typeface="Calibri"/>
+                    <a:cs typeface="Calibri"/>
+                    <a:sym typeface="Calibri"/>
                   </a:rPr>
-                  <a:t>: ...</a:t>
+                  <a:t>сцена, которая создается из базовых примитивов + эффектов. Сцена способна рисоваться несколькими способами: обычным рендером или с помощью </a:t>
+                </a:r>
+                <a:r>
+                  <a:rPr lang="en-US" sz="1050" dirty="0">
+                    <a:solidFill>
+                      <a:srgbClr val="595959"/>
+                    </a:solidFill>
+                    <a:latin typeface="Calibri"/>
+                    <a:ea typeface="Calibri"/>
+                    <a:cs typeface="Calibri"/>
+                    <a:sym typeface="Calibri"/>
+                  </a:rPr>
+                  <a:t>raymarching-</a:t>
+                </a:r>
+                <a:r>
+                  <a:rPr lang="ru-RU" sz="1050" dirty="0">
+                    <a:solidFill>
+                      <a:srgbClr val="595959"/>
+                    </a:solidFill>
+                    <a:latin typeface="Calibri"/>
+                    <a:ea typeface="Calibri"/>
+                    <a:cs typeface="Calibri"/>
+                    <a:sym typeface="Calibri"/>
+                  </a:rPr>
+                  <a:t>а</a:t>
                 </a:r>
               </a:p>
             </p:txBody>
@@ -9357,8 +9492,8 @@
         </p:nvCxnSpPr>
         <p:spPr>
           <a:xfrm rot="10800000">
-            <a:off x="2345968" y="3474565"/>
-            <a:ext cx="2560502" cy="999785"/>
+            <a:off x="2345968" y="3474564"/>
+            <a:ext cx="2348992" cy="647066"/>
           </a:xfrm>
           <a:prstGeom prst="curvedConnector2">
             <a:avLst/>
@@ -10173,14 +10308,14 @@
               <a:buNone/>
             </a:pPr>
             <a:r>
-              <a:rPr lang="ru-RU" b="1">
+              <a:rPr lang="ru-RU" b="1" dirty="0">
                 <a:solidFill>
                   <a:srgbClr val="3A3838"/>
                 </a:solidFill>
               </a:rPr>
               <a:t>Задачи Власова Дмитрия (raymarching):</a:t>
             </a:r>
-            <a:endParaRPr/>
+            <a:endParaRPr dirty="0"/>
           </a:p>
         </p:txBody>
       </p:sp>

--- a/doc/presentation.pptx
+++ b/doc/presentation.pptx
@@ -16,7 +16,7 @@
     <p:sldId id="261" r:id="rId7"/>
     <p:sldId id="262" r:id="rId8"/>
     <p:sldId id="264" r:id="rId9"/>
-    <p:sldId id="267" r:id="rId10"/>
+    <p:sldId id="269" r:id="rId10"/>
     <p:sldId id="268" r:id="rId11"/>
     <p:sldId id="263" r:id="rId12"/>
   </p:sldIdLst>
@@ -10268,6 +10268,292 @@
             <a:spLocks noGrp="1"/>
           </p:cNvSpPr>
           <p:nvPr>
+            <p:ph type="body" idx="1"/>
+          </p:nvPr>
+        </p:nvSpPr>
+        <p:spPr>
+          <a:xfrm>
+            <a:off x="838200" y="1847850"/>
+            <a:ext cx="10515600" cy="4351200"/>
+          </a:xfrm>
+          <a:prstGeom prst="rect">
+            <a:avLst/>
+          </a:prstGeom>
+          <a:noFill/>
+          <a:ln>
+            <a:noFill/>
+          </a:ln>
+        </p:spPr>
+        <p:txBody>
+          <a:bodyPr spcFirstLastPara="1" wrap="square" lIns="91425" tIns="45700" rIns="91425" bIns="45700" anchor="t" anchorCtr="0">
+            <a:normAutofit/>
+          </a:bodyPr>
+          <a:lstStyle/>
+          <a:p>
+            <a:pPr marL="228600" lvl="0" indent="-228600" algn="l" rtl="0">
+              <a:lnSpc>
+                <a:spcPct val="90000"/>
+              </a:lnSpc>
+              <a:spcBef>
+                <a:spcPts val="0"/>
+              </a:spcBef>
+              <a:spcAft>
+                <a:spcPts val="0"/>
+              </a:spcAft>
+              <a:buClr>
+                <a:schemeClr val="dk1"/>
+              </a:buClr>
+              <a:buSzPts val="2800"/>
+              <a:buChar char="•"/>
+            </a:pPr>
+            <a:r>
+              <a:rPr lang="ru-RU" dirty="0"/>
+              <a:t>Сделано:</a:t>
+            </a:r>
+            <a:endParaRPr dirty="0"/>
+          </a:p>
+          <a:p>
+            <a:pPr marL="685800" lvl="1" indent="-228600" algn="l" rtl="0">
+              <a:lnSpc>
+                <a:spcPct val="90000"/>
+              </a:lnSpc>
+              <a:spcBef>
+                <a:spcPts val="500"/>
+              </a:spcBef>
+              <a:spcAft>
+                <a:spcPts val="0"/>
+              </a:spcAft>
+              <a:buClr>
+                <a:schemeClr val="dk1"/>
+              </a:buClr>
+              <a:buSzPts val="2400"/>
+              <a:buChar char="•"/>
+            </a:pPr>
+            <a:r>
+              <a:rPr lang="ru-RU" dirty="0"/>
+              <a:t>Система универсальной сцены</a:t>
+            </a:r>
+            <a:endParaRPr dirty="0"/>
+          </a:p>
+          <a:p>
+            <a:pPr marL="1143000" lvl="2" indent="-241300" algn="l" rtl="0">
+              <a:spcBef>
+                <a:spcPts val="500"/>
+              </a:spcBef>
+              <a:spcAft>
+                <a:spcPts val="0"/>
+              </a:spcAft>
+              <a:buSzPts val="2000"/>
+              <a:buChar char="•"/>
+            </a:pPr>
+            <a:r>
+              <a:rPr lang="ru-RU" dirty="0"/>
+              <a:t>Добавление примитивов с материалами</a:t>
+            </a:r>
+            <a:endParaRPr dirty="0"/>
+          </a:p>
+          <a:p>
+            <a:pPr marL="1143000" lvl="2" indent="-228600" algn="l" rtl="0">
+              <a:spcBef>
+                <a:spcPts val="500"/>
+              </a:spcBef>
+              <a:spcAft>
+                <a:spcPts val="0"/>
+              </a:spcAft>
+              <a:buSzPts val="1800"/>
+              <a:buChar char="•"/>
+            </a:pPr>
+            <a:r>
+              <a:rPr lang="ru-RU" dirty="0"/>
+              <a:t>Создание из примитивов более сложных объектов - их композиций</a:t>
+            </a:r>
+            <a:endParaRPr dirty="0"/>
+          </a:p>
+          <a:p>
+            <a:pPr marL="1143000" lvl="2" indent="-228600" algn="l" rtl="0">
+              <a:spcBef>
+                <a:spcPts val="500"/>
+              </a:spcBef>
+              <a:spcAft>
+                <a:spcPts val="0"/>
+              </a:spcAft>
+              <a:buSzPts val="1800"/>
+              <a:buChar char="•"/>
+            </a:pPr>
+            <a:r>
+              <a:rPr lang="ru-RU" dirty="0"/>
+              <a:t>Добавление к примитивам и их композициям трансформаций и эффектов</a:t>
+            </a:r>
+            <a:endParaRPr dirty="0"/>
+          </a:p>
+          <a:p>
+            <a:pPr marL="1143000" lvl="2" indent="-228600" algn="l" rtl="0">
+              <a:spcBef>
+                <a:spcPts val="500"/>
+              </a:spcBef>
+              <a:spcAft>
+                <a:spcPts val="0"/>
+              </a:spcAft>
+              <a:buSzPts val="1800"/>
+              <a:buChar char="•"/>
+            </a:pPr>
+            <a:r>
+              <a:rPr lang="ru-RU" dirty="0"/>
+              <a:t>Изменение трансформаций и эффектов перед отрисовкой</a:t>
+            </a:r>
+            <a:endParaRPr dirty="0"/>
+          </a:p>
+          <a:p>
+            <a:pPr marL="1143000" lvl="2" indent="-228600" algn="l" rtl="0">
+              <a:spcBef>
+                <a:spcPts val="500"/>
+              </a:spcBef>
+              <a:spcAft>
+                <a:spcPts val="0"/>
+              </a:spcAft>
+              <a:buSzPts val="1800"/>
+              <a:buChar char="•"/>
+            </a:pPr>
+            <a:r>
+              <a:rPr lang="ru-RU" dirty="0"/>
+              <a:t>Установка способа отрисовки сцены</a:t>
+            </a:r>
+            <a:endParaRPr dirty="0"/>
+          </a:p>
+          <a:p>
+            <a:pPr marL="685800" lvl="1" indent="-228600" algn="l" rtl="0">
+              <a:lnSpc>
+                <a:spcPct val="90000"/>
+              </a:lnSpc>
+              <a:spcBef>
+                <a:spcPts val="500"/>
+              </a:spcBef>
+              <a:spcAft>
+                <a:spcPts val="0"/>
+              </a:spcAft>
+              <a:buClr>
+                <a:schemeClr val="dk1"/>
+              </a:buClr>
+              <a:buSzPts val="2400"/>
+              <a:buChar char="•"/>
+            </a:pPr>
+            <a:r>
+              <a:rPr lang="ru-RU" dirty="0"/>
+              <a:t>Шейдер raymarching-а</a:t>
+            </a:r>
+            <a:endParaRPr dirty="0"/>
+          </a:p>
+          <a:p>
+            <a:pPr marL="1143000" lvl="2" indent="-228600" algn="l" rtl="0">
+              <a:lnSpc>
+                <a:spcPct val="90000"/>
+              </a:lnSpc>
+              <a:spcBef>
+                <a:spcPts val="500"/>
+              </a:spcBef>
+              <a:spcAft>
+                <a:spcPts val="0"/>
+              </a:spcAft>
+              <a:buClr>
+                <a:schemeClr val="dk1"/>
+              </a:buClr>
+              <a:buSzPts val="2000"/>
+              <a:buChar char="•"/>
+            </a:pPr>
+            <a:r>
+              <a:rPr lang="ru-RU" dirty="0"/>
+              <a:t>Примитивы (куб, сфера, плоскость)</a:t>
+            </a:r>
+            <a:endParaRPr dirty="0"/>
+          </a:p>
+          <a:p>
+            <a:pPr marL="1143000" lvl="2" indent="-215900" algn="l" rtl="0">
+              <a:lnSpc>
+                <a:spcPct val="90000"/>
+              </a:lnSpc>
+              <a:spcBef>
+                <a:spcPts val="500"/>
+              </a:spcBef>
+              <a:spcAft>
+                <a:spcPts val="0"/>
+              </a:spcAft>
+              <a:buSzPts val="1800"/>
+              <a:buChar char="•"/>
+            </a:pPr>
+            <a:r>
+              <a:rPr lang="ru-RU" dirty="0"/>
+              <a:t>Возможность применения матриц</a:t>
+            </a:r>
+            <a:endParaRPr dirty="0"/>
+          </a:p>
+          <a:p>
+            <a:pPr marL="1143000" lvl="2" indent="-215900" algn="l" rtl="0">
+              <a:lnSpc>
+                <a:spcPct val="90000"/>
+              </a:lnSpc>
+              <a:spcBef>
+                <a:spcPts val="500"/>
+              </a:spcBef>
+              <a:spcAft>
+                <a:spcPts val="0"/>
+              </a:spcAft>
+              <a:buSzPts val="1800"/>
+              <a:buChar char="•"/>
+            </a:pPr>
+            <a:r>
+              <a:rPr lang="ru-RU" dirty="0"/>
+              <a:t>Композиции примитивов (объединение, пересечение, разность)</a:t>
+            </a:r>
+            <a:endParaRPr dirty="0"/>
+          </a:p>
+          <a:p>
+            <a:pPr marL="1143000" lvl="2" indent="-215900" algn="l" rtl="0">
+              <a:lnSpc>
+                <a:spcPct val="90000"/>
+              </a:lnSpc>
+              <a:spcBef>
+                <a:spcPts val="500"/>
+              </a:spcBef>
+              <a:spcAft>
+                <a:spcPts val="0"/>
+              </a:spcAft>
+              <a:buSzPts val="1800"/>
+              <a:buChar char="•"/>
+            </a:pPr>
+            <a:r>
+              <a:rPr lang="ru-RU" dirty="0"/>
+              <a:t>Эффекты скручивания и изгиба примитивов</a:t>
+            </a:r>
+            <a:endParaRPr dirty="0"/>
+          </a:p>
+          <a:p>
+            <a:pPr marL="1143000" lvl="2" indent="-101600" algn="l" rtl="0">
+              <a:lnSpc>
+                <a:spcPct val="90000"/>
+              </a:lnSpc>
+              <a:spcBef>
+                <a:spcPts val="500"/>
+              </a:spcBef>
+              <a:spcAft>
+                <a:spcPts val="0"/>
+              </a:spcAft>
+              <a:buClr>
+                <a:schemeClr val="dk1"/>
+              </a:buClr>
+              <a:buSzPts val="2000"/>
+              <a:buNone/>
+            </a:pPr>
+            <a:endParaRPr dirty="0"/>
+          </a:p>
+        </p:txBody>
+      </p:sp>
+      <p:sp>
+        <p:nvSpPr>
+          <p:cNvPr id="188" name="Google Shape;188;p21"/>
+          <p:cNvSpPr txBox="1">
+            <a:spLocks noGrp="1"/>
+          </p:cNvSpPr>
+          <p:nvPr>
             <p:ph type="title"/>
           </p:nvPr>
         </p:nvSpPr>
@@ -10308,214 +10594,13 @@
               <a:buNone/>
             </a:pPr>
             <a:r>
-              <a:rPr lang="ru-RU" b="1" dirty="0">
+              <a:rPr lang="ru-RU" b="1">
                 <a:solidFill>
                   <a:srgbClr val="3A3838"/>
                 </a:solidFill>
               </a:rPr>
               <a:t>Задачи Власова Дмитрия (raymarching):</a:t>
             </a:r>
-            <a:endParaRPr dirty="0"/>
-          </a:p>
-        </p:txBody>
-      </p:sp>
-      <p:sp>
-        <p:nvSpPr>
-          <p:cNvPr id="188" name="Google Shape;188;p21"/>
-          <p:cNvSpPr txBox="1">
-            <a:spLocks noGrp="1"/>
-          </p:cNvSpPr>
-          <p:nvPr>
-            <p:ph type="body" idx="1"/>
-          </p:nvPr>
-        </p:nvSpPr>
-        <p:spPr>
-          <a:xfrm>
-            <a:off x="838200" y="1847850"/>
-            <a:ext cx="10515600" cy="4351200"/>
-          </a:xfrm>
-          <a:prstGeom prst="rect">
-            <a:avLst/>
-          </a:prstGeom>
-          <a:noFill/>
-          <a:ln>
-            <a:noFill/>
-          </a:ln>
-        </p:spPr>
-        <p:txBody>
-          <a:bodyPr spcFirstLastPara="1" wrap="square" lIns="91425" tIns="45700" rIns="91425" bIns="45700" anchor="t" anchorCtr="0">
-            <a:normAutofit/>
-          </a:bodyPr>
-          <a:lstStyle/>
-          <a:p>
-            <a:pPr marL="228600" lvl="0" indent="-228600" algn="l" rtl="0">
-              <a:lnSpc>
-                <a:spcPct val="90000"/>
-              </a:lnSpc>
-              <a:spcBef>
-                <a:spcPts val="0"/>
-              </a:spcBef>
-              <a:spcAft>
-                <a:spcPts val="0"/>
-              </a:spcAft>
-              <a:buClr>
-                <a:schemeClr val="dk1"/>
-              </a:buClr>
-              <a:buSzPts val="2800"/>
-              <a:buChar char="•"/>
-            </a:pPr>
-            <a:r>
-              <a:rPr lang="ru-RU"/>
-              <a:t>Сделано:</a:t>
-            </a:r>
-            <a:endParaRPr/>
-          </a:p>
-          <a:p>
-            <a:pPr marL="685800" lvl="1" indent="-228600" algn="l" rtl="0">
-              <a:lnSpc>
-                <a:spcPct val="90000"/>
-              </a:lnSpc>
-              <a:spcBef>
-                <a:spcPts val="500"/>
-              </a:spcBef>
-              <a:spcAft>
-                <a:spcPts val="0"/>
-              </a:spcAft>
-              <a:buClr>
-                <a:schemeClr val="dk1"/>
-              </a:buClr>
-              <a:buSzPts val="2400"/>
-              <a:buChar char="•"/>
-            </a:pPr>
-            <a:r>
-              <a:rPr lang="ru-RU"/>
-              <a:t>Система задания универсальной сцены (рисуется несколькими рендерами)</a:t>
-            </a:r>
-            <a:endParaRPr sz="2000"/>
-          </a:p>
-          <a:p>
-            <a:pPr marL="685800" lvl="1" indent="-228600" algn="l" rtl="0">
-              <a:lnSpc>
-                <a:spcPct val="90000"/>
-              </a:lnSpc>
-              <a:spcBef>
-                <a:spcPts val="500"/>
-              </a:spcBef>
-              <a:spcAft>
-                <a:spcPts val="0"/>
-              </a:spcAft>
-              <a:buClr>
-                <a:schemeClr val="dk1"/>
-              </a:buClr>
-              <a:buSzPts val="2400"/>
-              <a:buChar char="•"/>
-            </a:pPr>
-            <a:r>
-              <a:rPr lang="ru-RU"/>
-              <a:t>Шейдер raymarching-а</a:t>
-            </a:r>
-            <a:endParaRPr/>
-          </a:p>
-          <a:p>
-            <a:pPr marL="1143000" lvl="2" indent="-228600" algn="l" rtl="0">
-              <a:lnSpc>
-                <a:spcPct val="90000"/>
-              </a:lnSpc>
-              <a:spcBef>
-                <a:spcPts val="500"/>
-              </a:spcBef>
-              <a:spcAft>
-                <a:spcPts val="0"/>
-              </a:spcAft>
-              <a:buClr>
-                <a:schemeClr val="dk1"/>
-              </a:buClr>
-              <a:buSzPts val="2000"/>
-              <a:buChar char="•"/>
-            </a:pPr>
-            <a:r>
-              <a:rPr lang="ru-RU"/>
-              <a:t>Примитивы (куб, сфера, плоскость)</a:t>
-            </a:r>
-            <a:endParaRPr/>
-          </a:p>
-          <a:p>
-            <a:pPr marL="1143000" lvl="2" indent="-215900" algn="l" rtl="0">
-              <a:lnSpc>
-                <a:spcPct val="90000"/>
-              </a:lnSpc>
-              <a:spcBef>
-                <a:spcPts val="500"/>
-              </a:spcBef>
-              <a:spcAft>
-                <a:spcPts val="0"/>
-              </a:spcAft>
-              <a:buSzPts val="1800"/>
-              <a:buChar char="•"/>
-            </a:pPr>
-            <a:r>
-              <a:rPr lang="ru-RU"/>
-              <a:t>Возможность применения матриц</a:t>
-            </a:r>
-            <a:endParaRPr/>
-          </a:p>
-          <a:p>
-            <a:pPr marL="1143000" lvl="2" indent="-215900" algn="l" rtl="0">
-              <a:lnSpc>
-                <a:spcPct val="90000"/>
-              </a:lnSpc>
-              <a:spcBef>
-                <a:spcPts val="500"/>
-              </a:spcBef>
-              <a:spcAft>
-                <a:spcPts val="0"/>
-              </a:spcAft>
-              <a:buSzPts val="1800"/>
-              <a:buChar char="•"/>
-            </a:pPr>
-            <a:r>
-              <a:rPr lang="ru-RU"/>
-              <a:t>Эффекты композиции примитивов (объединение, пересечение, разность)</a:t>
-            </a:r>
-            <a:endParaRPr/>
-          </a:p>
-          <a:p>
-            <a:pPr marL="1143000" lvl="2" indent="-215900" algn="l" rtl="0">
-              <a:lnSpc>
-                <a:spcPct val="90000"/>
-              </a:lnSpc>
-              <a:spcBef>
-                <a:spcPts val="500"/>
-              </a:spcBef>
-              <a:spcAft>
-                <a:spcPts val="0"/>
-              </a:spcAft>
-              <a:buSzPts val="1800"/>
-              <a:buChar char="•"/>
-            </a:pPr>
-            <a:r>
-              <a:rPr lang="ru-RU"/>
-              <a:t>Эффекты скручивания и изгиба примитивов</a:t>
-            </a:r>
-            <a:endParaRPr/>
-          </a:p>
-          <a:p>
-            <a:pPr marL="1143000" lvl="2" indent="-101600" algn="l" rtl="0">
-              <a:lnSpc>
-                <a:spcPct val="90000"/>
-              </a:lnSpc>
-              <a:spcBef>
-                <a:spcPts val="500"/>
-              </a:spcBef>
-              <a:spcAft>
-                <a:spcPts val="0"/>
-              </a:spcAft>
-              <a:buClr>
-                <a:schemeClr val="dk1"/>
-              </a:buClr>
-              <a:buSzPts val="2000"/>
-              <a:buNone/>
-            </a:pPr>
             <a:endParaRPr/>
           </a:p>
         </p:txBody>

--- a/doc/presentation.pptx
+++ b/doc/presentation.pptx
@@ -4150,7 +4150,7 @@
         </p:blipFill>
         <p:spPr>
           <a:xfrm>
-            <a:off x="6593747" y="4743062"/>
+            <a:off x="6439713" y="4743062"/>
             <a:ext cx="2170887" cy="1795850"/>
           </a:xfrm>
           <a:prstGeom prst="rect">
@@ -4188,7 +4188,7 @@
           <a:p>
             <a:r>
               <a:rPr lang="ru-RU" sz="4800" b="1" dirty="0"/>
-              <a:t>Разработка системы визуализации трехмерных сцен с помощью флгоритма трассировки лучей</a:t>
+              <a:t>Разработка системы визуализации трехмерных сцен с помощью алгоритма трассировки лучей</a:t>
             </a:r>
           </a:p>
         </p:txBody>
@@ -4249,8 +4249,8 @@
         </p:nvSpPr>
         <p:spPr>
           <a:xfrm>
-            <a:off x="86722" y="4900658"/>
-            <a:ext cx="2874556" cy="1957342"/>
+            <a:off x="86721" y="4900658"/>
+            <a:ext cx="3679935" cy="1957342"/>
           </a:xfrm>
           <a:prstGeom prst="rect">
             <a:avLst/>
@@ -4505,7 +4505,7 @@
                 </a:solidFill>
                 <a:latin typeface="Arial" panose="020B0604020202020204" pitchFamily="34" charset="0"/>
               </a:rPr>
-              <a:t>Александр ?</a:t>
+              <a:t>Александр Викторович Еналдиев</a:t>
             </a:r>
           </a:p>
           <a:p>
@@ -4544,36 +4544,6 @@
           </a:p>
         </p:txBody>
       </p:sp>
-      <p:pic>
-        <p:nvPicPr>
-          <p:cNvPr id="14" name="Picture 13">
-            <a:extLst>
-              <a:ext uri="{FF2B5EF4-FFF2-40B4-BE49-F238E27FC236}">
-                <a16:creationId xmlns:a16="http://schemas.microsoft.com/office/drawing/2014/main" id="{DA30D97E-6750-4CCD-82C8-945D90A9481F}"/>
-              </a:ext>
-            </a:extLst>
-          </p:cNvPr>
-          <p:cNvPicPr>
-            <a:picLocks noChangeAspect="1"/>
-          </p:cNvPicPr>
-          <p:nvPr/>
-        </p:nvPicPr>
-        <p:blipFill>
-          <a:blip r:embed="rId3"/>
-          <a:stretch>
-            <a:fillRect/>
-          </a:stretch>
-        </p:blipFill>
-        <p:spPr>
-          <a:xfrm>
-            <a:off x="3728985" y="4003743"/>
-            <a:ext cx="3312174" cy="1750967"/>
-          </a:xfrm>
-          <a:prstGeom prst="rect">
-            <a:avLst/>
-          </a:prstGeom>
-        </p:spPr>
-      </p:pic>
       <p:sp>
         <p:nvSpPr>
           <p:cNvPr id="15" name="TextBox 14">
@@ -4609,6 +4579,36 @@
           </a:p>
         </p:txBody>
       </p:sp>
+      <p:pic>
+        <p:nvPicPr>
+          <p:cNvPr id="6" name="Picture 5">
+            <a:extLst>
+              <a:ext uri="{FF2B5EF4-FFF2-40B4-BE49-F238E27FC236}">
+                <a16:creationId xmlns:a16="http://schemas.microsoft.com/office/drawing/2014/main" id="{F61F0C00-9BA0-435C-8595-A81260921F9B}"/>
+              </a:ext>
+            </a:extLst>
+          </p:cNvPr>
+          <p:cNvPicPr>
+            <a:picLocks noChangeAspect="1"/>
+          </p:cNvPicPr>
+          <p:nvPr/>
+        </p:nvPicPr>
+        <p:blipFill>
+          <a:blip r:embed="rId3"/>
+          <a:stretch>
+            <a:fillRect/>
+          </a:stretch>
+        </p:blipFill>
+        <p:spPr>
+          <a:xfrm>
+            <a:off x="3677410" y="3927168"/>
+            <a:ext cx="3089945" cy="1631787"/>
+          </a:xfrm>
+          <a:prstGeom prst="rect">
+            <a:avLst/>
+          </a:prstGeom>
+        </p:spPr>
+      </p:pic>
     </p:spTree>
     <p:extLst>
       <p:ext uri="{BB962C8B-B14F-4D97-AF65-F5344CB8AC3E}">
@@ -4996,8 +4996,8 @@
         </p:nvSpPr>
         <p:spPr>
           <a:xfrm>
-            <a:off x="518390" y="2370275"/>
-            <a:ext cx="6175200" cy="4351200"/>
+            <a:off x="399501" y="2502400"/>
+            <a:ext cx="6001299" cy="2344338"/>
           </a:xfrm>
           <a:prstGeom prst="rect">
             <a:avLst/>
